--- a/plan/화면기획.pptx
+++ b/plan/화면기획.pptx
@@ -8,8 +8,9 @@
     <p:sldId id="256" r:id="rId2"/>
     <p:sldId id="257" r:id="rId3"/>
     <p:sldId id="258" r:id="rId4"/>
-    <p:sldId id="259" r:id="rId5"/>
-    <p:sldId id="260" r:id="rId6"/>
+    <p:sldId id="261" r:id="rId5"/>
+    <p:sldId id="259" r:id="rId6"/>
+    <p:sldId id="260" r:id="rId7"/>
   </p:sldIdLst>
   <p:sldSz cx="12192000" cy="6858000"/>
   <p:notesSz cx="6858000" cy="9144000"/>
@@ -263,7 +264,7 @@
           <a:p>
             <a:fld id="{F31B69B0-0D49-4A0C-BEEF-953450A6B7EE}" type="datetimeFigureOut">
               <a:rPr lang="ko-KR" altLang="en-US" smtClean="0"/>
-              <a:t>2022-12-24</a:t>
+              <a:t>2023-01-06</a:t>
             </a:fld>
             <a:endParaRPr lang="ko-KR" altLang="en-US"/>
           </a:p>
@@ -461,7 +462,7 @@
           <a:p>
             <a:fld id="{F31B69B0-0D49-4A0C-BEEF-953450A6B7EE}" type="datetimeFigureOut">
               <a:rPr lang="ko-KR" altLang="en-US" smtClean="0"/>
-              <a:t>2022-12-24</a:t>
+              <a:t>2023-01-06</a:t>
             </a:fld>
             <a:endParaRPr lang="ko-KR" altLang="en-US"/>
           </a:p>
@@ -669,7 +670,7 @@
           <a:p>
             <a:fld id="{F31B69B0-0D49-4A0C-BEEF-953450A6B7EE}" type="datetimeFigureOut">
               <a:rPr lang="ko-KR" altLang="en-US" smtClean="0"/>
-              <a:t>2022-12-24</a:t>
+              <a:t>2023-01-06</a:t>
             </a:fld>
             <a:endParaRPr lang="ko-KR" altLang="en-US"/>
           </a:p>
@@ -867,7 +868,7 @@
           <a:p>
             <a:fld id="{F31B69B0-0D49-4A0C-BEEF-953450A6B7EE}" type="datetimeFigureOut">
               <a:rPr lang="ko-KR" altLang="en-US" smtClean="0"/>
-              <a:t>2022-12-24</a:t>
+              <a:t>2023-01-06</a:t>
             </a:fld>
             <a:endParaRPr lang="ko-KR" altLang="en-US"/>
           </a:p>
@@ -1142,7 +1143,7 @@
           <a:p>
             <a:fld id="{F31B69B0-0D49-4A0C-BEEF-953450A6B7EE}" type="datetimeFigureOut">
               <a:rPr lang="ko-KR" altLang="en-US" smtClean="0"/>
-              <a:t>2022-12-24</a:t>
+              <a:t>2023-01-06</a:t>
             </a:fld>
             <a:endParaRPr lang="ko-KR" altLang="en-US"/>
           </a:p>
@@ -1407,7 +1408,7 @@
           <a:p>
             <a:fld id="{F31B69B0-0D49-4A0C-BEEF-953450A6B7EE}" type="datetimeFigureOut">
               <a:rPr lang="ko-KR" altLang="en-US" smtClean="0"/>
-              <a:t>2022-12-24</a:t>
+              <a:t>2023-01-06</a:t>
             </a:fld>
             <a:endParaRPr lang="ko-KR" altLang="en-US"/>
           </a:p>
@@ -1819,7 +1820,7 @@
           <a:p>
             <a:fld id="{F31B69B0-0D49-4A0C-BEEF-953450A6B7EE}" type="datetimeFigureOut">
               <a:rPr lang="ko-KR" altLang="en-US" smtClean="0"/>
-              <a:t>2022-12-24</a:t>
+              <a:t>2023-01-06</a:t>
             </a:fld>
             <a:endParaRPr lang="ko-KR" altLang="en-US"/>
           </a:p>
@@ -1960,7 +1961,7 @@
           <a:p>
             <a:fld id="{F31B69B0-0D49-4A0C-BEEF-953450A6B7EE}" type="datetimeFigureOut">
               <a:rPr lang="ko-KR" altLang="en-US" smtClean="0"/>
-              <a:t>2022-12-24</a:t>
+              <a:t>2023-01-06</a:t>
             </a:fld>
             <a:endParaRPr lang="ko-KR" altLang="en-US"/>
           </a:p>
@@ -2073,7 +2074,7 @@
           <a:p>
             <a:fld id="{F31B69B0-0D49-4A0C-BEEF-953450A6B7EE}" type="datetimeFigureOut">
               <a:rPr lang="ko-KR" altLang="en-US" smtClean="0"/>
-              <a:t>2022-12-24</a:t>
+              <a:t>2023-01-06</a:t>
             </a:fld>
             <a:endParaRPr lang="ko-KR" altLang="en-US"/>
           </a:p>
@@ -2384,7 +2385,7 @@
           <a:p>
             <a:fld id="{F31B69B0-0D49-4A0C-BEEF-953450A6B7EE}" type="datetimeFigureOut">
               <a:rPr lang="ko-KR" altLang="en-US" smtClean="0"/>
-              <a:t>2022-12-24</a:t>
+              <a:t>2023-01-06</a:t>
             </a:fld>
             <a:endParaRPr lang="ko-KR" altLang="en-US"/>
           </a:p>
@@ -2672,7 +2673,7 @@
           <a:p>
             <a:fld id="{F31B69B0-0D49-4A0C-BEEF-953450A6B7EE}" type="datetimeFigureOut">
               <a:rPr lang="ko-KR" altLang="en-US" smtClean="0"/>
-              <a:t>2022-12-24</a:t>
+              <a:t>2023-01-06</a:t>
             </a:fld>
             <a:endParaRPr lang="ko-KR" altLang="en-US"/>
           </a:p>
@@ -2913,7 +2914,7 @@
           <a:p>
             <a:fld id="{F31B69B0-0D49-4A0C-BEEF-953450A6B7EE}" type="datetimeFigureOut">
               <a:rPr lang="ko-KR" altLang="en-US" smtClean="0"/>
-              <a:t>2022-12-24</a:t>
+              <a:t>2023-01-06</a:t>
             </a:fld>
             <a:endParaRPr lang="ko-KR" altLang="en-US"/>
           </a:p>
@@ -10017,6 +10018,50 @@
           </a:p>
         </p:txBody>
       </p:sp>
+      <p:sp>
+        <p:nvSpPr>
+          <p:cNvPr id="2" name="직사각형 1"/>
+          <p:cNvSpPr/>
+          <p:nvPr/>
+        </p:nvSpPr>
+        <p:spPr>
+          <a:xfrm>
+            <a:off x="9857994" y="986058"/>
+            <a:ext cx="1257315" cy="308354"/>
+          </a:xfrm>
+          <a:prstGeom prst="rect">
+            <a:avLst/>
+          </a:prstGeom>
+        </p:spPr>
+        <p:style>
+          <a:lnRef idx="2">
+            <a:schemeClr val="accent1">
+              <a:shade val="50000"/>
+            </a:schemeClr>
+          </a:lnRef>
+          <a:fillRef idx="1">
+            <a:schemeClr val="accent1"/>
+          </a:fillRef>
+          <a:effectRef idx="0">
+            <a:schemeClr val="accent1"/>
+          </a:effectRef>
+          <a:fontRef idx="minor">
+            <a:schemeClr val="lt1"/>
+          </a:fontRef>
+        </p:style>
+        <p:txBody>
+          <a:bodyPr rtlCol="0" anchor="ctr"/>
+          <a:lstStyle/>
+          <a:p>
+            <a:pPr algn="ctr"/>
+            <a:r>
+              <a:rPr lang="en-US" altLang="ko-KR" dirty="0" smtClean="0"/>
+              <a:t>terminal</a:t>
+            </a:r>
+            <a:endParaRPr lang="ko-KR" altLang="en-US" dirty="0"/>
+          </a:p>
+        </p:txBody>
+      </p:sp>
     </p:spTree>
     <p:extLst>
       <p:ext uri="{BB962C8B-B14F-4D97-AF65-F5344CB8AC3E}">
@@ -16494,6 +16539,6561 @@
       </p:grpSpPr>
       <p:sp>
         <p:nvSpPr>
+          <p:cNvPr id="123" name="직사각형 122">
+            <a:extLst>
+              <a:ext uri="{FF2B5EF4-FFF2-40B4-BE49-F238E27FC236}">
+                <a16:creationId xmlns:a16="http://schemas.microsoft.com/office/drawing/2014/main" id="{B427078C-22A4-61C2-A506-17D00D18E896}"/>
+              </a:ext>
+            </a:extLst>
+          </p:cNvPr>
+          <p:cNvSpPr/>
+          <p:nvPr/>
+        </p:nvSpPr>
+        <p:spPr>
+          <a:xfrm>
+            <a:off x="0" y="0"/>
+            <a:ext cx="12046085" cy="369928"/>
+          </a:xfrm>
+          <a:prstGeom prst="rect">
+            <a:avLst/>
+          </a:prstGeom>
+          <a:solidFill>
+            <a:schemeClr val="bg2">
+              <a:lumMod val="90000"/>
+            </a:schemeClr>
+          </a:solidFill>
+        </p:spPr>
+        <p:style>
+          <a:lnRef idx="2">
+            <a:schemeClr val="accent1">
+              <a:shade val="50000"/>
+            </a:schemeClr>
+          </a:lnRef>
+          <a:fillRef idx="1">
+            <a:schemeClr val="accent1"/>
+          </a:fillRef>
+          <a:effectRef idx="0">
+            <a:schemeClr val="accent1"/>
+          </a:effectRef>
+          <a:fontRef idx="minor">
+            <a:schemeClr val="lt1"/>
+          </a:fontRef>
+        </p:style>
+        <p:txBody>
+          <a:bodyPr rtlCol="0" anchor="ctr"/>
+          <a:lstStyle/>
+          <a:p>
+            <a:pPr algn="ctr"/>
+            <a:endParaRPr lang="ko-KR" altLang="en-US" dirty="0"/>
+          </a:p>
+        </p:txBody>
+      </p:sp>
+      <p:sp>
+        <p:nvSpPr>
+          <p:cNvPr id="4" name="직사각형 3">
+            <a:extLst>
+              <a:ext uri="{FF2B5EF4-FFF2-40B4-BE49-F238E27FC236}">
+                <a16:creationId xmlns:a16="http://schemas.microsoft.com/office/drawing/2014/main" id="{D76AE062-8703-AB1C-940B-F1ECD1F9C112}"/>
+              </a:ext>
+            </a:extLst>
+          </p:cNvPr>
+          <p:cNvSpPr/>
+          <p:nvPr/>
+        </p:nvSpPr>
+        <p:spPr>
+          <a:xfrm>
+            <a:off x="732027" y="687897"/>
+            <a:ext cx="1065402" cy="1921079"/>
+          </a:xfrm>
+          <a:prstGeom prst="rect">
+            <a:avLst/>
+          </a:prstGeom>
+          <a:solidFill>
+            <a:schemeClr val="tx1"/>
+          </a:solidFill>
+        </p:spPr>
+        <p:style>
+          <a:lnRef idx="2">
+            <a:schemeClr val="accent1">
+              <a:shade val="50000"/>
+            </a:schemeClr>
+          </a:lnRef>
+          <a:fillRef idx="1">
+            <a:schemeClr val="accent1"/>
+          </a:fillRef>
+          <a:effectRef idx="0">
+            <a:schemeClr val="accent1"/>
+          </a:effectRef>
+          <a:fontRef idx="minor">
+            <a:schemeClr val="lt1"/>
+          </a:fontRef>
+        </p:style>
+        <p:txBody>
+          <a:bodyPr rtlCol="0" anchor="ctr"/>
+          <a:lstStyle/>
+          <a:p>
+            <a:pPr algn="ctr"/>
+            <a:endParaRPr lang="ko-KR" altLang="en-US"/>
+          </a:p>
+        </p:txBody>
+      </p:sp>
+      <p:sp>
+        <p:nvSpPr>
+          <p:cNvPr id="5" name="직사각형 4">
+            <a:extLst>
+              <a:ext uri="{FF2B5EF4-FFF2-40B4-BE49-F238E27FC236}">
+                <a16:creationId xmlns:a16="http://schemas.microsoft.com/office/drawing/2014/main" id="{B9232275-4182-D6C8-A445-788BE2564DB6}"/>
+              </a:ext>
+            </a:extLst>
+          </p:cNvPr>
+          <p:cNvSpPr/>
+          <p:nvPr/>
+        </p:nvSpPr>
+        <p:spPr>
+          <a:xfrm>
+            <a:off x="732027" y="687897"/>
+            <a:ext cx="1065402" cy="302004"/>
+          </a:xfrm>
+          <a:prstGeom prst="rect">
+            <a:avLst/>
+          </a:prstGeom>
+          <a:solidFill>
+            <a:schemeClr val="bg2">
+              <a:lumMod val="25000"/>
+            </a:schemeClr>
+          </a:solidFill>
+          <a:ln>
+            <a:solidFill>
+              <a:schemeClr val="tx1">
+                <a:lumMod val="50000"/>
+                <a:lumOff val="50000"/>
+              </a:schemeClr>
+            </a:solidFill>
+          </a:ln>
+        </p:spPr>
+        <p:style>
+          <a:lnRef idx="2">
+            <a:schemeClr val="accent1">
+              <a:shade val="50000"/>
+            </a:schemeClr>
+          </a:lnRef>
+          <a:fillRef idx="1">
+            <a:schemeClr val="accent1"/>
+          </a:fillRef>
+          <a:effectRef idx="0">
+            <a:schemeClr val="accent1"/>
+          </a:effectRef>
+          <a:fontRef idx="minor">
+            <a:schemeClr val="lt1"/>
+          </a:fontRef>
+        </p:style>
+        <p:txBody>
+          <a:bodyPr rtlCol="0" anchor="ctr"/>
+          <a:lstStyle/>
+          <a:p>
+            <a:pPr algn="ctr"/>
+            <a:endParaRPr lang="ko-KR" altLang="en-US"/>
+          </a:p>
+        </p:txBody>
+      </p:sp>
+      <p:sp>
+        <p:nvSpPr>
+          <p:cNvPr id="6" name="직사각형 5">
+            <a:extLst>
+              <a:ext uri="{FF2B5EF4-FFF2-40B4-BE49-F238E27FC236}">
+                <a16:creationId xmlns:a16="http://schemas.microsoft.com/office/drawing/2014/main" id="{2A28C421-D217-4BE0-8260-98E83DF19EEB}"/>
+              </a:ext>
+            </a:extLst>
+          </p:cNvPr>
+          <p:cNvSpPr/>
+          <p:nvPr/>
+        </p:nvSpPr>
+        <p:spPr>
+          <a:xfrm>
+            <a:off x="732027" y="992697"/>
+            <a:ext cx="1065402" cy="302004"/>
+          </a:xfrm>
+          <a:prstGeom prst="rect">
+            <a:avLst/>
+          </a:prstGeom>
+          <a:solidFill>
+            <a:schemeClr val="bg2">
+              <a:lumMod val="25000"/>
+            </a:schemeClr>
+          </a:solidFill>
+          <a:ln>
+            <a:solidFill>
+              <a:schemeClr val="tx1">
+                <a:lumMod val="50000"/>
+                <a:lumOff val="50000"/>
+              </a:schemeClr>
+            </a:solidFill>
+          </a:ln>
+        </p:spPr>
+        <p:style>
+          <a:lnRef idx="2">
+            <a:schemeClr val="accent1">
+              <a:shade val="50000"/>
+            </a:schemeClr>
+          </a:lnRef>
+          <a:fillRef idx="1">
+            <a:schemeClr val="accent1"/>
+          </a:fillRef>
+          <a:effectRef idx="0">
+            <a:schemeClr val="accent1"/>
+          </a:effectRef>
+          <a:fontRef idx="minor">
+            <a:schemeClr val="lt1"/>
+          </a:fontRef>
+        </p:style>
+        <p:txBody>
+          <a:bodyPr rtlCol="0" anchor="ctr"/>
+          <a:lstStyle/>
+          <a:p>
+            <a:pPr algn="ctr"/>
+            <a:endParaRPr lang="ko-KR" altLang="en-US"/>
+          </a:p>
+        </p:txBody>
+      </p:sp>
+      <p:sp>
+        <p:nvSpPr>
+          <p:cNvPr id="7" name="직사각형 6">
+            <a:extLst>
+              <a:ext uri="{FF2B5EF4-FFF2-40B4-BE49-F238E27FC236}">
+                <a16:creationId xmlns:a16="http://schemas.microsoft.com/office/drawing/2014/main" id="{4DEF6692-DD84-5B83-05C9-2CBF3143FF60}"/>
+              </a:ext>
+            </a:extLst>
+          </p:cNvPr>
+          <p:cNvSpPr/>
+          <p:nvPr/>
+        </p:nvSpPr>
+        <p:spPr>
+          <a:xfrm>
+            <a:off x="732027" y="1294701"/>
+            <a:ext cx="1065402" cy="302004"/>
+          </a:xfrm>
+          <a:prstGeom prst="rect">
+            <a:avLst/>
+          </a:prstGeom>
+          <a:solidFill>
+            <a:schemeClr val="bg2">
+              <a:lumMod val="25000"/>
+            </a:schemeClr>
+          </a:solidFill>
+          <a:ln>
+            <a:solidFill>
+              <a:schemeClr val="tx1">
+                <a:lumMod val="50000"/>
+                <a:lumOff val="50000"/>
+              </a:schemeClr>
+            </a:solidFill>
+          </a:ln>
+        </p:spPr>
+        <p:style>
+          <a:lnRef idx="2">
+            <a:schemeClr val="accent1">
+              <a:shade val="50000"/>
+            </a:schemeClr>
+          </a:lnRef>
+          <a:fillRef idx="1">
+            <a:schemeClr val="accent1"/>
+          </a:fillRef>
+          <a:effectRef idx="0">
+            <a:schemeClr val="accent1"/>
+          </a:effectRef>
+          <a:fontRef idx="minor">
+            <a:schemeClr val="lt1"/>
+          </a:fontRef>
+        </p:style>
+        <p:txBody>
+          <a:bodyPr rtlCol="0" anchor="ctr"/>
+          <a:lstStyle/>
+          <a:p>
+            <a:pPr algn="ctr"/>
+            <a:endParaRPr lang="ko-KR" altLang="en-US"/>
+          </a:p>
+        </p:txBody>
+      </p:sp>
+      <p:sp>
+        <p:nvSpPr>
+          <p:cNvPr id="8" name="직사각형 7">
+            <a:extLst>
+              <a:ext uri="{FF2B5EF4-FFF2-40B4-BE49-F238E27FC236}">
+                <a16:creationId xmlns:a16="http://schemas.microsoft.com/office/drawing/2014/main" id="{9519D5D9-8C3B-3624-0C98-E84877F9CBE8}"/>
+              </a:ext>
+            </a:extLst>
+          </p:cNvPr>
+          <p:cNvSpPr/>
+          <p:nvPr/>
+        </p:nvSpPr>
+        <p:spPr>
+          <a:xfrm>
+            <a:off x="732027" y="1596705"/>
+            <a:ext cx="1065402" cy="302004"/>
+          </a:xfrm>
+          <a:prstGeom prst="rect">
+            <a:avLst/>
+          </a:prstGeom>
+          <a:solidFill>
+            <a:schemeClr val="bg2">
+              <a:lumMod val="25000"/>
+            </a:schemeClr>
+          </a:solidFill>
+          <a:ln>
+            <a:solidFill>
+              <a:schemeClr val="tx1">
+                <a:lumMod val="50000"/>
+                <a:lumOff val="50000"/>
+              </a:schemeClr>
+            </a:solidFill>
+          </a:ln>
+        </p:spPr>
+        <p:style>
+          <a:lnRef idx="2">
+            <a:schemeClr val="accent1">
+              <a:shade val="50000"/>
+            </a:schemeClr>
+          </a:lnRef>
+          <a:fillRef idx="1">
+            <a:schemeClr val="accent1"/>
+          </a:fillRef>
+          <a:effectRef idx="0">
+            <a:schemeClr val="accent1"/>
+          </a:effectRef>
+          <a:fontRef idx="minor">
+            <a:schemeClr val="lt1"/>
+          </a:fontRef>
+        </p:style>
+        <p:txBody>
+          <a:bodyPr rtlCol="0" anchor="ctr"/>
+          <a:lstStyle/>
+          <a:p>
+            <a:pPr algn="ctr"/>
+            <a:endParaRPr lang="ko-KR" altLang="en-US"/>
+          </a:p>
+        </p:txBody>
+      </p:sp>
+      <p:sp>
+        <p:nvSpPr>
+          <p:cNvPr id="9" name="타원 8">
+            <a:extLst>
+              <a:ext uri="{FF2B5EF4-FFF2-40B4-BE49-F238E27FC236}">
+                <a16:creationId xmlns:a16="http://schemas.microsoft.com/office/drawing/2014/main" id="{EC782547-53C4-3150-6F3C-9AE6E89BD540}"/>
+              </a:ext>
+            </a:extLst>
+          </p:cNvPr>
+          <p:cNvSpPr/>
+          <p:nvPr/>
+        </p:nvSpPr>
+        <p:spPr>
+          <a:xfrm>
+            <a:off x="809224" y="881603"/>
+            <a:ext cx="58723" cy="58723"/>
+          </a:xfrm>
+          <a:prstGeom prst="ellipse">
+            <a:avLst/>
+          </a:prstGeom>
+          <a:solidFill>
+            <a:srgbClr val="00B050"/>
+          </a:solidFill>
+          <a:ln w="6350">
+            <a:solidFill>
+              <a:schemeClr val="bg1"/>
+            </a:solidFill>
+          </a:ln>
+        </p:spPr>
+        <p:style>
+          <a:lnRef idx="2">
+            <a:schemeClr val="accent1">
+              <a:shade val="50000"/>
+            </a:schemeClr>
+          </a:lnRef>
+          <a:fillRef idx="1">
+            <a:schemeClr val="accent1"/>
+          </a:fillRef>
+          <a:effectRef idx="0">
+            <a:schemeClr val="accent1"/>
+          </a:effectRef>
+          <a:fontRef idx="minor">
+            <a:schemeClr val="lt1"/>
+          </a:fontRef>
+        </p:style>
+        <p:txBody>
+          <a:bodyPr rtlCol="0" anchor="ctr"/>
+          <a:lstStyle/>
+          <a:p>
+            <a:pPr algn="ctr"/>
+            <a:endParaRPr lang="ko-KR" altLang="en-US"/>
+          </a:p>
+        </p:txBody>
+      </p:sp>
+      <p:sp>
+        <p:nvSpPr>
+          <p:cNvPr id="10" name="타원 9">
+            <a:extLst>
+              <a:ext uri="{FF2B5EF4-FFF2-40B4-BE49-F238E27FC236}">
+                <a16:creationId xmlns:a16="http://schemas.microsoft.com/office/drawing/2014/main" id="{D92D240A-10A9-7522-A56E-9650A2B458D5}"/>
+              </a:ext>
+            </a:extLst>
+          </p:cNvPr>
+          <p:cNvSpPr/>
+          <p:nvPr/>
+        </p:nvSpPr>
+        <p:spPr>
+          <a:xfrm>
+            <a:off x="809223" y="1183607"/>
+            <a:ext cx="58723" cy="58723"/>
+          </a:xfrm>
+          <a:prstGeom prst="ellipse">
+            <a:avLst/>
+          </a:prstGeom>
+          <a:solidFill>
+            <a:srgbClr val="0070C0"/>
+          </a:solidFill>
+          <a:ln w="6350">
+            <a:solidFill>
+              <a:schemeClr val="bg1"/>
+            </a:solidFill>
+          </a:ln>
+        </p:spPr>
+        <p:style>
+          <a:lnRef idx="2">
+            <a:schemeClr val="accent1">
+              <a:shade val="50000"/>
+            </a:schemeClr>
+          </a:lnRef>
+          <a:fillRef idx="1">
+            <a:schemeClr val="accent1"/>
+          </a:fillRef>
+          <a:effectRef idx="0">
+            <a:schemeClr val="accent1"/>
+          </a:effectRef>
+          <a:fontRef idx="minor">
+            <a:schemeClr val="lt1"/>
+          </a:fontRef>
+        </p:style>
+        <p:txBody>
+          <a:bodyPr rtlCol="0" anchor="ctr"/>
+          <a:lstStyle/>
+          <a:p>
+            <a:pPr algn="ctr"/>
+            <a:endParaRPr lang="ko-KR" altLang="en-US"/>
+          </a:p>
+        </p:txBody>
+      </p:sp>
+      <p:sp>
+        <p:nvSpPr>
+          <p:cNvPr id="11" name="타원 10">
+            <a:extLst>
+              <a:ext uri="{FF2B5EF4-FFF2-40B4-BE49-F238E27FC236}">
+                <a16:creationId xmlns:a16="http://schemas.microsoft.com/office/drawing/2014/main" id="{B7F4AD37-EE98-B150-6A32-D65317E33C0B}"/>
+              </a:ext>
+            </a:extLst>
+          </p:cNvPr>
+          <p:cNvSpPr/>
+          <p:nvPr/>
+        </p:nvSpPr>
+        <p:spPr>
+          <a:xfrm>
+            <a:off x="809223" y="1485611"/>
+            <a:ext cx="58723" cy="58723"/>
+          </a:xfrm>
+          <a:prstGeom prst="ellipse">
+            <a:avLst/>
+          </a:prstGeom>
+          <a:solidFill>
+            <a:schemeClr val="tx1"/>
+          </a:solidFill>
+          <a:ln w="6350">
+            <a:solidFill>
+              <a:schemeClr val="bg1"/>
+            </a:solidFill>
+          </a:ln>
+        </p:spPr>
+        <p:style>
+          <a:lnRef idx="2">
+            <a:schemeClr val="accent1">
+              <a:shade val="50000"/>
+            </a:schemeClr>
+          </a:lnRef>
+          <a:fillRef idx="1">
+            <a:schemeClr val="accent1"/>
+          </a:fillRef>
+          <a:effectRef idx="0">
+            <a:schemeClr val="accent1"/>
+          </a:effectRef>
+          <a:fontRef idx="minor">
+            <a:schemeClr val="lt1"/>
+          </a:fontRef>
+        </p:style>
+        <p:txBody>
+          <a:bodyPr rtlCol="0" anchor="ctr"/>
+          <a:lstStyle/>
+          <a:p>
+            <a:pPr algn="ctr"/>
+            <a:endParaRPr lang="ko-KR" altLang="en-US"/>
+          </a:p>
+        </p:txBody>
+      </p:sp>
+      <p:sp>
+        <p:nvSpPr>
+          <p:cNvPr id="12" name="타원 11">
+            <a:extLst>
+              <a:ext uri="{FF2B5EF4-FFF2-40B4-BE49-F238E27FC236}">
+                <a16:creationId xmlns:a16="http://schemas.microsoft.com/office/drawing/2014/main" id="{B3AB7579-AA70-71D2-04E2-D387C1A5186F}"/>
+              </a:ext>
+            </a:extLst>
+          </p:cNvPr>
+          <p:cNvSpPr/>
+          <p:nvPr/>
+        </p:nvSpPr>
+        <p:spPr>
+          <a:xfrm>
+            <a:off x="809222" y="1787615"/>
+            <a:ext cx="58723" cy="58723"/>
+          </a:xfrm>
+          <a:prstGeom prst="ellipse">
+            <a:avLst/>
+          </a:prstGeom>
+          <a:solidFill>
+            <a:srgbClr val="0070C0"/>
+          </a:solidFill>
+          <a:ln w="6350">
+            <a:solidFill>
+              <a:schemeClr val="bg1"/>
+            </a:solidFill>
+          </a:ln>
+        </p:spPr>
+        <p:style>
+          <a:lnRef idx="2">
+            <a:schemeClr val="accent1">
+              <a:shade val="50000"/>
+            </a:schemeClr>
+          </a:lnRef>
+          <a:fillRef idx="1">
+            <a:schemeClr val="accent1"/>
+          </a:fillRef>
+          <a:effectRef idx="0">
+            <a:schemeClr val="accent1"/>
+          </a:effectRef>
+          <a:fontRef idx="minor">
+            <a:schemeClr val="lt1"/>
+          </a:fontRef>
+        </p:style>
+        <p:txBody>
+          <a:bodyPr rtlCol="0" anchor="ctr"/>
+          <a:lstStyle/>
+          <a:p>
+            <a:pPr algn="ctr"/>
+            <a:endParaRPr lang="ko-KR" altLang="en-US"/>
+          </a:p>
+        </p:txBody>
+      </p:sp>
+      <p:sp>
+        <p:nvSpPr>
+          <p:cNvPr id="16" name="직사각형 15">
+            <a:extLst>
+              <a:ext uri="{FF2B5EF4-FFF2-40B4-BE49-F238E27FC236}">
+                <a16:creationId xmlns:a16="http://schemas.microsoft.com/office/drawing/2014/main" id="{BA69BE24-AC56-9353-9A3C-F6A7D4939FD0}"/>
+              </a:ext>
+            </a:extLst>
+          </p:cNvPr>
+          <p:cNvSpPr/>
+          <p:nvPr/>
+        </p:nvSpPr>
+        <p:spPr>
+          <a:xfrm>
+            <a:off x="732027" y="3038213"/>
+            <a:ext cx="1065402" cy="1921079"/>
+          </a:xfrm>
+          <a:prstGeom prst="rect">
+            <a:avLst/>
+          </a:prstGeom>
+          <a:solidFill>
+            <a:schemeClr val="tx1"/>
+          </a:solidFill>
+        </p:spPr>
+        <p:style>
+          <a:lnRef idx="2">
+            <a:schemeClr val="accent1">
+              <a:shade val="50000"/>
+            </a:schemeClr>
+          </a:lnRef>
+          <a:fillRef idx="1">
+            <a:schemeClr val="accent1"/>
+          </a:fillRef>
+          <a:effectRef idx="0">
+            <a:schemeClr val="accent1"/>
+          </a:effectRef>
+          <a:fontRef idx="minor">
+            <a:schemeClr val="lt1"/>
+          </a:fontRef>
+        </p:style>
+        <p:txBody>
+          <a:bodyPr rtlCol="0" anchor="ctr"/>
+          <a:lstStyle/>
+          <a:p>
+            <a:pPr algn="ctr"/>
+            <a:endParaRPr lang="ko-KR" altLang="en-US"/>
+          </a:p>
+        </p:txBody>
+      </p:sp>
+      <p:sp>
+        <p:nvSpPr>
+          <p:cNvPr id="17" name="직사각형 16">
+            <a:extLst>
+              <a:ext uri="{FF2B5EF4-FFF2-40B4-BE49-F238E27FC236}">
+                <a16:creationId xmlns:a16="http://schemas.microsoft.com/office/drawing/2014/main" id="{FAFC8097-4377-CB58-E5DC-661DA1AA472A}"/>
+              </a:ext>
+            </a:extLst>
+          </p:cNvPr>
+          <p:cNvSpPr/>
+          <p:nvPr/>
+        </p:nvSpPr>
+        <p:spPr>
+          <a:xfrm>
+            <a:off x="732027" y="3038213"/>
+            <a:ext cx="1065402" cy="302004"/>
+          </a:xfrm>
+          <a:prstGeom prst="rect">
+            <a:avLst/>
+          </a:prstGeom>
+          <a:solidFill>
+            <a:schemeClr val="bg2">
+              <a:lumMod val="25000"/>
+            </a:schemeClr>
+          </a:solidFill>
+          <a:ln>
+            <a:solidFill>
+              <a:schemeClr val="tx1">
+                <a:lumMod val="50000"/>
+                <a:lumOff val="50000"/>
+              </a:schemeClr>
+            </a:solidFill>
+          </a:ln>
+        </p:spPr>
+        <p:style>
+          <a:lnRef idx="2">
+            <a:schemeClr val="accent1">
+              <a:shade val="50000"/>
+            </a:schemeClr>
+          </a:lnRef>
+          <a:fillRef idx="1">
+            <a:schemeClr val="accent1"/>
+          </a:fillRef>
+          <a:effectRef idx="0">
+            <a:schemeClr val="accent1"/>
+          </a:effectRef>
+          <a:fontRef idx="minor">
+            <a:schemeClr val="lt1"/>
+          </a:fontRef>
+        </p:style>
+        <p:txBody>
+          <a:bodyPr rtlCol="0" anchor="ctr"/>
+          <a:lstStyle/>
+          <a:p>
+            <a:pPr algn="ctr"/>
+            <a:endParaRPr lang="ko-KR" altLang="en-US"/>
+          </a:p>
+        </p:txBody>
+      </p:sp>
+      <p:sp>
+        <p:nvSpPr>
+          <p:cNvPr id="18" name="직사각형 17">
+            <a:extLst>
+              <a:ext uri="{FF2B5EF4-FFF2-40B4-BE49-F238E27FC236}">
+                <a16:creationId xmlns:a16="http://schemas.microsoft.com/office/drawing/2014/main" id="{F2182BBB-B4F6-282F-478C-C813B13A3779}"/>
+              </a:ext>
+            </a:extLst>
+          </p:cNvPr>
+          <p:cNvSpPr/>
+          <p:nvPr/>
+        </p:nvSpPr>
+        <p:spPr>
+          <a:xfrm>
+            <a:off x="732027" y="3343013"/>
+            <a:ext cx="1065402" cy="302004"/>
+          </a:xfrm>
+          <a:prstGeom prst="rect">
+            <a:avLst/>
+          </a:prstGeom>
+          <a:solidFill>
+            <a:schemeClr val="bg2">
+              <a:lumMod val="25000"/>
+            </a:schemeClr>
+          </a:solidFill>
+          <a:ln>
+            <a:solidFill>
+              <a:schemeClr val="tx1">
+                <a:lumMod val="50000"/>
+                <a:lumOff val="50000"/>
+              </a:schemeClr>
+            </a:solidFill>
+          </a:ln>
+        </p:spPr>
+        <p:style>
+          <a:lnRef idx="2">
+            <a:schemeClr val="accent1">
+              <a:shade val="50000"/>
+            </a:schemeClr>
+          </a:lnRef>
+          <a:fillRef idx="1">
+            <a:schemeClr val="accent1"/>
+          </a:fillRef>
+          <a:effectRef idx="0">
+            <a:schemeClr val="accent1"/>
+          </a:effectRef>
+          <a:fontRef idx="minor">
+            <a:schemeClr val="lt1"/>
+          </a:fontRef>
+        </p:style>
+        <p:txBody>
+          <a:bodyPr rtlCol="0" anchor="ctr"/>
+          <a:lstStyle/>
+          <a:p>
+            <a:pPr algn="ctr"/>
+            <a:endParaRPr lang="ko-KR" altLang="en-US"/>
+          </a:p>
+        </p:txBody>
+      </p:sp>
+      <p:sp>
+        <p:nvSpPr>
+          <p:cNvPr id="19" name="직사각형 18">
+            <a:extLst>
+              <a:ext uri="{FF2B5EF4-FFF2-40B4-BE49-F238E27FC236}">
+                <a16:creationId xmlns:a16="http://schemas.microsoft.com/office/drawing/2014/main" id="{6811232D-BFFE-5236-ED60-B5EF12F3FC75}"/>
+              </a:ext>
+            </a:extLst>
+          </p:cNvPr>
+          <p:cNvSpPr/>
+          <p:nvPr/>
+        </p:nvSpPr>
+        <p:spPr>
+          <a:xfrm>
+            <a:off x="732027" y="3645017"/>
+            <a:ext cx="1065402" cy="302004"/>
+          </a:xfrm>
+          <a:prstGeom prst="rect">
+            <a:avLst/>
+          </a:prstGeom>
+          <a:solidFill>
+            <a:schemeClr val="bg2">
+              <a:lumMod val="25000"/>
+            </a:schemeClr>
+          </a:solidFill>
+          <a:ln>
+            <a:solidFill>
+              <a:schemeClr val="tx1">
+                <a:lumMod val="50000"/>
+                <a:lumOff val="50000"/>
+              </a:schemeClr>
+            </a:solidFill>
+          </a:ln>
+        </p:spPr>
+        <p:style>
+          <a:lnRef idx="2">
+            <a:schemeClr val="accent1">
+              <a:shade val="50000"/>
+            </a:schemeClr>
+          </a:lnRef>
+          <a:fillRef idx="1">
+            <a:schemeClr val="accent1"/>
+          </a:fillRef>
+          <a:effectRef idx="0">
+            <a:schemeClr val="accent1"/>
+          </a:effectRef>
+          <a:fontRef idx="minor">
+            <a:schemeClr val="lt1"/>
+          </a:fontRef>
+        </p:style>
+        <p:txBody>
+          <a:bodyPr rtlCol="0" anchor="ctr"/>
+          <a:lstStyle/>
+          <a:p>
+            <a:pPr algn="ctr"/>
+            <a:endParaRPr lang="ko-KR" altLang="en-US"/>
+          </a:p>
+        </p:txBody>
+      </p:sp>
+      <p:sp>
+        <p:nvSpPr>
+          <p:cNvPr id="20" name="직사각형 19">
+            <a:extLst>
+              <a:ext uri="{FF2B5EF4-FFF2-40B4-BE49-F238E27FC236}">
+                <a16:creationId xmlns:a16="http://schemas.microsoft.com/office/drawing/2014/main" id="{8D7249E7-B26F-E0D0-70B6-BB48CD3CCB00}"/>
+              </a:ext>
+            </a:extLst>
+          </p:cNvPr>
+          <p:cNvSpPr/>
+          <p:nvPr/>
+        </p:nvSpPr>
+        <p:spPr>
+          <a:xfrm>
+            <a:off x="732027" y="3947021"/>
+            <a:ext cx="1065402" cy="302004"/>
+          </a:xfrm>
+          <a:prstGeom prst="rect">
+            <a:avLst/>
+          </a:prstGeom>
+          <a:solidFill>
+            <a:schemeClr val="bg2">
+              <a:lumMod val="25000"/>
+            </a:schemeClr>
+          </a:solidFill>
+          <a:ln>
+            <a:solidFill>
+              <a:schemeClr val="tx1">
+                <a:lumMod val="50000"/>
+                <a:lumOff val="50000"/>
+              </a:schemeClr>
+            </a:solidFill>
+          </a:ln>
+        </p:spPr>
+        <p:style>
+          <a:lnRef idx="2">
+            <a:schemeClr val="accent1">
+              <a:shade val="50000"/>
+            </a:schemeClr>
+          </a:lnRef>
+          <a:fillRef idx="1">
+            <a:schemeClr val="accent1"/>
+          </a:fillRef>
+          <a:effectRef idx="0">
+            <a:schemeClr val="accent1"/>
+          </a:effectRef>
+          <a:fontRef idx="minor">
+            <a:schemeClr val="lt1"/>
+          </a:fontRef>
+        </p:style>
+        <p:txBody>
+          <a:bodyPr rtlCol="0" anchor="ctr"/>
+          <a:lstStyle/>
+          <a:p>
+            <a:pPr algn="ctr"/>
+            <a:endParaRPr lang="ko-KR" altLang="en-US"/>
+          </a:p>
+        </p:txBody>
+      </p:sp>
+      <p:sp>
+        <p:nvSpPr>
+          <p:cNvPr id="21" name="타원 20">
+            <a:extLst>
+              <a:ext uri="{FF2B5EF4-FFF2-40B4-BE49-F238E27FC236}">
+                <a16:creationId xmlns:a16="http://schemas.microsoft.com/office/drawing/2014/main" id="{6ADF7AF0-4717-0705-B256-759BD35BE3F4}"/>
+              </a:ext>
+            </a:extLst>
+          </p:cNvPr>
+          <p:cNvSpPr/>
+          <p:nvPr/>
+        </p:nvSpPr>
+        <p:spPr>
+          <a:xfrm>
+            <a:off x="809224" y="3231919"/>
+            <a:ext cx="58723" cy="58723"/>
+          </a:xfrm>
+          <a:prstGeom prst="ellipse">
+            <a:avLst/>
+          </a:prstGeom>
+          <a:solidFill>
+            <a:srgbClr val="00B050"/>
+          </a:solidFill>
+          <a:ln w="6350">
+            <a:solidFill>
+              <a:schemeClr val="bg1"/>
+            </a:solidFill>
+          </a:ln>
+        </p:spPr>
+        <p:style>
+          <a:lnRef idx="2">
+            <a:schemeClr val="accent1">
+              <a:shade val="50000"/>
+            </a:schemeClr>
+          </a:lnRef>
+          <a:fillRef idx="1">
+            <a:schemeClr val="accent1"/>
+          </a:fillRef>
+          <a:effectRef idx="0">
+            <a:schemeClr val="accent1"/>
+          </a:effectRef>
+          <a:fontRef idx="minor">
+            <a:schemeClr val="lt1"/>
+          </a:fontRef>
+        </p:style>
+        <p:txBody>
+          <a:bodyPr rtlCol="0" anchor="ctr"/>
+          <a:lstStyle/>
+          <a:p>
+            <a:pPr algn="ctr"/>
+            <a:endParaRPr lang="ko-KR" altLang="en-US"/>
+          </a:p>
+        </p:txBody>
+      </p:sp>
+      <p:sp>
+        <p:nvSpPr>
+          <p:cNvPr id="22" name="타원 21">
+            <a:extLst>
+              <a:ext uri="{FF2B5EF4-FFF2-40B4-BE49-F238E27FC236}">
+                <a16:creationId xmlns:a16="http://schemas.microsoft.com/office/drawing/2014/main" id="{B691557C-1CE8-4BDF-5562-125B0410C6D4}"/>
+              </a:ext>
+            </a:extLst>
+          </p:cNvPr>
+          <p:cNvSpPr/>
+          <p:nvPr/>
+        </p:nvSpPr>
+        <p:spPr>
+          <a:xfrm>
+            <a:off x="809223" y="3533923"/>
+            <a:ext cx="58723" cy="58723"/>
+          </a:xfrm>
+          <a:prstGeom prst="ellipse">
+            <a:avLst/>
+          </a:prstGeom>
+          <a:solidFill>
+            <a:srgbClr val="0070C0"/>
+          </a:solidFill>
+          <a:ln w="6350">
+            <a:solidFill>
+              <a:schemeClr val="bg1"/>
+            </a:solidFill>
+          </a:ln>
+        </p:spPr>
+        <p:style>
+          <a:lnRef idx="2">
+            <a:schemeClr val="accent1">
+              <a:shade val="50000"/>
+            </a:schemeClr>
+          </a:lnRef>
+          <a:fillRef idx="1">
+            <a:schemeClr val="accent1"/>
+          </a:fillRef>
+          <a:effectRef idx="0">
+            <a:schemeClr val="accent1"/>
+          </a:effectRef>
+          <a:fontRef idx="minor">
+            <a:schemeClr val="lt1"/>
+          </a:fontRef>
+        </p:style>
+        <p:txBody>
+          <a:bodyPr rtlCol="0" anchor="ctr"/>
+          <a:lstStyle/>
+          <a:p>
+            <a:pPr algn="ctr"/>
+            <a:endParaRPr lang="ko-KR" altLang="en-US"/>
+          </a:p>
+        </p:txBody>
+      </p:sp>
+      <p:sp>
+        <p:nvSpPr>
+          <p:cNvPr id="23" name="타원 22">
+            <a:extLst>
+              <a:ext uri="{FF2B5EF4-FFF2-40B4-BE49-F238E27FC236}">
+                <a16:creationId xmlns:a16="http://schemas.microsoft.com/office/drawing/2014/main" id="{1F2324AE-F816-2CC6-4839-DF410A9B5B7F}"/>
+              </a:ext>
+            </a:extLst>
+          </p:cNvPr>
+          <p:cNvSpPr/>
+          <p:nvPr/>
+        </p:nvSpPr>
+        <p:spPr>
+          <a:xfrm>
+            <a:off x="809223" y="3835927"/>
+            <a:ext cx="58723" cy="58723"/>
+          </a:xfrm>
+          <a:prstGeom prst="ellipse">
+            <a:avLst/>
+          </a:prstGeom>
+          <a:solidFill>
+            <a:schemeClr val="tx1"/>
+          </a:solidFill>
+          <a:ln w="6350">
+            <a:solidFill>
+              <a:schemeClr val="bg1"/>
+            </a:solidFill>
+          </a:ln>
+        </p:spPr>
+        <p:style>
+          <a:lnRef idx="2">
+            <a:schemeClr val="accent1">
+              <a:shade val="50000"/>
+            </a:schemeClr>
+          </a:lnRef>
+          <a:fillRef idx="1">
+            <a:schemeClr val="accent1"/>
+          </a:fillRef>
+          <a:effectRef idx="0">
+            <a:schemeClr val="accent1"/>
+          </a:effectRef>
+          <a:fontRef idx="minor">
+            <a:schemeClr val="lt1"/>
+          </a:fontRef>
+        </p:style>
+        <p:txBody>
+          <a:bodyPr rtlCol="0" anchor="ctr"/>
+          <a:lstStyle/>
+          <a:p>
+            <a:pPr algn="ctr"/>
+            <a:endParaRPr lang="ko-KR" altLang="en-US"/>
+          </a:p>
+        </p:txBody>
+      </p:sp>
+      <p:sp>
+        <p:nvSpPr>
+          <p:cNvPr id="24" name="타원 23">
+            <a:extLst>
+              <a:ext uri="{FF2B5EF4-FFF2-40B4-BE49-F238E27FC236}">
+                <a16:creationId xmlns:a16="http://schemas.microsoft.com/office/drawing/2014/main" id="{B729957A-DE3C-B698-3FBE-924708A2C16D}"/>
+              </a:ext>
+            </a:extLst>
+          </p:cNvPr>
+          <p:cNvSpPr/>
+          <p:nvPr/>
+        </p:nvSpPr>
+        <p:spPr>
+          <a:xfrm>
+            <a:off x="809222" y="4137931"/>
+            <a:ext cx="58723" cy="58723"/>
+          </a:xfrm>
+          <a:prstGeom prst="ellipse">
+            <a:avLst/>
+          </a:prstGeom>
+          <a:solidFill>
+            <a:srgbClr val="0070C0"/>
+          </a:solidFill>
+          <a:ln w="6350">
+            <a:solidFill>
+              <a:schemeClr val="bg1"/>
+            </a:solidFill>
+          </a:ln>
+        </p:spPr>
+        <p:style>
+          <a:lnRef idx="2">
+            <a:schemeClr val="accent1">
+              <a:shade val="50000"/>
+            </a:schemeClr>
+          </a:lnRef>
+          <a:fillRef idx="1">
+            <a:schemeClr val="accent1"/>
+          </a:fillRef>
+          <a:effectRef idx="0">
+            <a:schemeClr val="accent1"/>
+          </a:effectRef>
+          <a:fontRef idx="minor">
+            <a:schemeClr val="lt1"/>
+          </a:fontRef>
+        </p:style>
+        <p:txBody>
+          <a:bodyPr rtlCol="0" anchor="ctr"/>
+          <a:lstStyle/>
+          <a:p>
+            <a:pPr algn="ctr"/>
+            <a:endParaRPr lang="ko-KR" altLang="en-US"/>
+          </a:p>
+        </p:txBody>
+      </p:sp>
+      <p:sp>
+        <p:nvSpPr>
+          <p:cNvPr id="25" name="직사각형 24">
+            <a:extLst>
+              <a:ext uri="{FF2B5EF4-FFF2-40B4-BE49-F238E27FC236}">
+                <a16:creationId xmlns:a16="http://schemas.microsoft.com/office/drawing/2014/main" id="{1F8153BC-D1BD-23A9-685D-1F8426E48CE2}"/>
+              </a:ext>
+            </a:extLst>
+          </p:cNvPr>
+          <p:cNvSpPr/>
+          <p:nvPr/>
+        </p:nvSpPr>
+        <p:spPr>
+          <a:xfrm>
+            <a:off x="732027" y="5423220"/>
+            <a:ext cx="1065402" cy="1596705"/>
+          </a:xfrm>
+          <a:prstGeom prst="rect">
+            <a:avLst/>
+          </a:prstGeom>
+          <a:solidFill>
+            <a:schemeClr val="tx1"/>
+          </a:solidFill>
+        </p:spPr>
+        <p:style>
+          <a:lnRef idx="2">
+            <a:schemeClr val="accent1">
+              <a:shade val="50000"/>
+            </a:schemeClr>
+          </a:lnRef>
+          <a:fillRef idx="1">
+            <a:schemeClr val="accent1"/>
+          </a:fillRef>
+          <a:effectRef idx="0">
+            <a:schemeClr val="accent1"/>
+          </a:effectRef>
+          <a:fontRef idx="minor">
+            <a:schemeClr val="lt1"/>
+          </a:fontRef>
+        </p:style>
+        <p:txBody>
+          <a:bodyPr rtlCol="0" anchor="ctr"/>
+          <a:lstStyle/>
+          <a:p>
+            <a:pPr algn="ctr"/>
+            <a:endParaRPr lang="ko-KR" altLang="en-US"/>
+          </a:p>
+        </p:txBody>
+      </p:sp>
+      <p:sp>
+        <p:nvSpPr>
+          <p:cNvPr id="26" name="직사각형 25">
+            <a:extLst>
+              <a:ext uri="{FF2B5EF4-FFF2-40B4-BE49-F238E27FC236}">
+                <a16:creationId xmlns:a16="http://schemas.microsoft.com/office/drawing/2014/main" id="{0134EDC0-8D32-6050-8F52-1887B7EBB0B1}"/>
+              </a:ext>
+            </a:extLst>
+          </p:cNvPr>
+          <p:cNvSpPr/>
+          <p:nvPr/>
+        </p:nvSpPr>
+        <p:spPr>
+          <a:xfrm>
+            <a:off x="732027" y="5423220"/>
+            <a:ext cx="1065402" cy="302004"/>
+          </a:xfrm>
+          <a:prstGeom prst="rect">
+            <a:avLst/>
+          </a:prstGeom>
+          <a:solidFill>
+            <a:schemeClr val="bg2">
+              <a:lumMod val="25000"/>
+            </a:schemeClr>
+          </a:solidFill>
+          <a:ln>
+            <a:solidFill>
+              <a:schemeClr val="tx1">
+                <a:lumMod val="50000"/>
+                <a:lumOff val="50000"/>
+              </a:schemeClr>
+            </a:solidFill>
+          </a:ln>
+        </p:spPr>
+        <p:style>
+          <a:lnRef idx="2">
+            <a:schemeClr val="accent1">
+              <a:shade val="50000"/>
+            </a:schemeClr>
+          </a:lnRef>
+          <a:fillRef idx="1">
+            <a:schemeClr val="accent1"/>
+          </a:fillRef>
+          <a:effectRef idx="0">
+            <a:schemeClr val="accent1"/>
+          </a:effectRef>
+          <a:fontRef idx="minor">
+            <a:schemeClr val="lt1"/>
+          </a:fontRef>
+        </p:style>
+        <p:txBody>
+          <a:bodyPr rtlCol="0" anchor="ctr"/>
+          <a:lstStyle/>
+          <a:p>
+            <a:pPr algn="ctr"/>
+            <a:endParaRPr lang="ko-KR" altLang="en-US"/>
+          </a:p>
+        </p:txBody>
+      </p:sp>
+      <p:sp>
+        <p:nvSpPr>
+          <p:cNvPr id="27" name="직사각형 26">
+            <a:extLst>
+              <a:ext uri="{FF2B5EF4-FFF2-40B4-BE49-F238E27FC236}">
+                <a16:creationId xmlns:a16="http://schemas.microsoft.com/office/drawing/2014/main" id="{EE44A2B9-2CFE-D915-5DE1-B8E44C24F164}"/>
+              </a:ext>
+            </a:extLst>
+          </p:cNvPr>
+          <p:cNvSpPr/>
+          <p:nvPr/>
+        </p:nvSpPr>
+        <p:spPr>
+          <a:xfrm>
+            <a:off x="732027" y="5728020"/>
+            <a:ext cx="1065402" cy="302004"/>
+          </a:xfrm>
+          <a:prstGeom prst="rect">
+            <a:avLst/>
+          </a:prstGeom>
+          <a:solidFill>
+            <a:schemeClr val="bg2">
+              <a:lumMod val="25000"/>
+            </a:schemeClr>
+          </a:solidFill>
+          <a:ln>
+            <a:solidFill>
+              <a:schemeClr val="tx1">
+                <a:lumMod val="50000"/>
+                <a:lumOff val="50000"/>
+              </a:schemeClr>
+            </a:solidFill>
+          </a:ln>
+        </p:spPr>
+        <p:style>
+          <a:lnRef idx="2">
+            <a:schemeClr val="accent1">
+              <a:shade val="50000"/>
+            </a:schemeClr>
+          </a:lnRef>
+          <a:fillRef idx="1">
+            <a:schemeClr val="accent1"/>
+          </a:fillRef>
+          <a:effectRef idx="0">
+            <a:schemeClr val="accent1"/>
+          </a:effectRef>
+          <a:fontRef idx="minor">
+            <a:schemeClr val="lt1"/>
+          </a:fontRef>
+        </p:style>
+        <p:txBody>
+          <a:bodyPr rtlCol="0" anchor="ctr"/>
+          <a:lstStyle/>
+          <a:p>
+            <a:pPr algn="ctr"/>
+            <a:endParaRPr lang="ko-KR" altLang="en-US"/>
+          </a:p>
+        </p:txBody>
+      </p:sp>
+      <p:sp>
+        <p:nvSpPr>
+          <p:cNvPr id="28" name="직사각형 27">
+            <a:extLst>
+              <a:ext uri="{FF2B5EF4-FFF2-40B4-BE49-F238E27FC236}">
+                <a16:creationId xmlns:a16="http://schemas.microsoft.com/office/drawing/2014/main" id="{8CB10B03-D2D2-5F11-B940-327E666CAE7F}"/>
+              </a:ext>
+            </a:extLst>
+          </p:cNvPr>
+          <p:cNvSpPr/>
+          <p:nvPr/>
+        </p:nvSpPr>
+        <p:spPr>
+          <a:xfrm>
+            <a:off x="732027" y="6030024"/>
+            <a:ext cx="1065402" cy="302004"/>
+          </a:xfrm>
+          <a:prstGeom prst="rect">
+            <a:avLst/>
+          </a:prstGeom>
+          <a:solidFill>
+            <a:schemeClr val="bg2">
+              <a:lumMod val="25000"/>
+            </a:schemeClr>
+          </a:solidFill>
+          <a:ln>
+            <a:solidFill>
+              <a:schemeClr val="tx1">
+                <a:lumMod val="50000"/>
+                <a:lumOff val="50000"/>
+              </a:schemeClr>
+            </a:solidFill>
+          </a:ln>
+        </p:spPr>
+        <p:style>
+          <a:lnRef idx="2">
+            <a:schemeClr val="accent1">
+              <a:shade val="50000"/>
+            </a:schemeClr>
+          </a:lnRef>
+          <a:fillRef idx="1">
+            <a:schemeClr val="accent1"/>
+          </a:fillRef>
+          <a:effectRef idx="0">
+            <a:schemeClr val="accent1"/>
+          </a:effectRef>
+          <a:fontRef idx="minor">
+            <a:schemeClr val="lt1"/>
+          </a:fontRef>
+        </p:style>
+        <p:txBody>
+          <a:bodyPr rtlCol="0" anchor="ctr"/>
+          <a:lstStyle/>
+          <a:p>
+            <a:pPr algn="ctr"/>
+            <a:endParaRPr lang="ko-KR" altLang="en-US"/>
+          </a:p>
+        </p:txBody>
+      </p:sp>
+      <p:sp>
+        <p:nvSpPr>
+          <p:cNvPr id="29" name="직사각형 28">
+            <a:extLst>
+              <a:ext uri="{FF2B5EF4-FFF2-40B4-BE49-F238E27FC236}">
+                <a16:creationId xmlns:a16="http://schemas.microsoft.com/office/drawing/2014/main" id="{755DBCD7-F6C3-CF08-9334-7BA2CEA462CD}"/>
+              </a:ext>
+            </a:extLst>
+          </p:cNvPr>
+          <p:cNvSpPr/>
+          <p:nvPr/>
+        </p:nvSpPr>
+        <p:spPr>
+          <a:xfrm>
+            <a:off x="732027" y="6332028"/>
+            <a:ext cx="1065402" cy="302004"/>
+          </a:xfrm>
+          <a:prstGeom prst="rect">
+            <a:avLst/>
+          </a:prstGeom>
+          <a:solidFill>
+            <a:schemeClr val="bg2">
+              <a:lumMod val="25000"/>
+            </a:schemeClr>
+          </a:solidFill>
+          <a:ln>
+            <a:solidFill>
+              <a:schemeClr val="tx1">
+                <a:lumMod val="50000"/>
+                <a:lumOff val="50000"/>
+              </a:schemeClr>
+            </a:solidFill>
+          </a:ln>
+        </p:spPr>
+        <p:style>
+          <a:lnRef idx="2">
+            <a:schemeClr val="accent1">
+              <a:shade val="50000"/>
+            </a:schemeClr>
+          </a:lnRef>
+          <a:fillRef idx="1">
+            <a:schemeClr val="accent1"/>
+          </a:fillRef>
+          <a:effectRef idx="0">
+            <a:schemeClr val="accent1"/>
+          </a:effectRef>
+          <a:fontRef idx="minor">
+            <a:schemeClr val="lt1"/>
+          </a:fontRef>
+        </p:style>
+        <p:txBody>
+          <a:bodyPr rtlCol="0" anchor="ctr"/>
+          <a:lstStyle/>
+          <a:p>
+            <a:pPr algn="ctr"/>
+            <a:endParaRPr lang="ko-KR" altLang="en-US"/>
+          </a:p>
+        </p:txBody>
+      </p:sp>
+      <p:sp>
+        <p:nvSpPr>
+          <p:cNvPr id="30" name="타원 29">
+            <a:extLst>
+              <a:ext uri="{FF2B5EF4-FFF2-40B4-BE49-F238E27FC236}">
+                <a16:creationId xmlns:a16="http://schemas.microsoft.com/office/drawing/2014/main" id="{96EC9BF6-B8A4-5FF7-8D85-09AEF2A2E315}"/>
+              </a:ext>
+            </a:extLst>
+          </p:cNvPr>
+          <p:cNvSpPr/>
+          <p:nvPr/>
+        </p:nvSpPr>
+        <p:spPr>
+          <a:xfrm>
+            <a:off x="809224" y="5616926"/>
+            <a:ext cx="58723" cy="58723"/>
+          </a:xfrm>
+          <a:prstGeom prst="ellipse">
+            <a:avLst/>
+          </a:prstGeom>
+          <a:solidFill>
+            <a:srgbClr val="00B050"/>
+          </a:solidFill>
+          <a:ln w="6350">
+            <a:solidFill>
+              <a:schemeClr val="bg1"/>
+            </a:solidFill>
+          </a:ln>
+        </p:spPr>
+        <p:style>
+          <a:lnRef idx="2">
+            <a:schemeClr val="accent1">
+              <a:shade val="50000"/>
+            </a:schemeClr>
+          </a:lnRef>
+          <a:fillRef idx="1">
+            <a:schemeClr val="accent1"/>
+          </a:fillRef>
+          <a:effectRef idx="0">
+            <a:schemeClr val="accent1"/>
+          </a:effectRef>
+          <a:fontRef idx="minor">
+            <a:schemeClr val="lt1"/>
+          </a:fontRef>
+        </p:style>
+        <p:txBody>
+          <a:bodyPr rtlCol="0" anchor="ctr"/>
+          <a:lstStyle/>
+          <a:p>
+            <a:pPr algn="ctr"/>
+            <a:endParaRPr lang="ko-KR" altLang="en-US"/>
+          </a:p>
+        </p:txBody>
+      </p:sp>
+      <p:sp>
+        <p:nvSpPr>
+          <p:cNvPr id="31" name="타원 30">
+            <a:extLst>
+              <a:ext uri="{FF2B5EF4-FFF2-40B4-BE49-F238E27FC236}">
+                <a16:creationId xmlns:a16="http://schemas.microsoft.com/office/drawing/2014/main" id="{8CF507AA-CB23-D52A-CA95-D9D1406B2137}"/>
+              </a:ext>
+            </a:extLst>
+          </p:cNvPr>
+          <p:cNvSpPr/>
+          <p:nvPr/>
+        </p:nvSpPr>
+        <p:spPr>
+          <a:xfrm>
+            <a:off x="809223" y="5918930"/>
+            <a:ext cx="58723" cy="58723"/>
+          </a:xfrm>
+          <a:prstGeom prst="ellipse">
+            <a:avLst/>
+          </a:prstGeom>
+          <a:solidFill>
+            <a:srgbClr val="0070C0"/>
+          </a:solidFill>
+          <a:ln w="6350">
+            <a:solidFill>
+              <a:schemeClr val="bg1"/>
+            </a:solidFill>
+          </a:ln>
+        </p:spPr>
+        <p:style>
+          <a:lnRef idx="2">
+            <a:schemeClr val="accent1">
+              <a:shade val="50000"/>
+            </a:schemeClr>
+          </a:lnRef>
+          <a:fillRef idx="1">
+            <a:schemeClr val="accent1"/>
+          </a:fillRef>
+          <a:effectRef idx="0">
+            <a:schemeClr val="accent1"/>
+          </a:effectRef>
+          <a:fontRef idx="minor">
+            <a:schemeClr val="lt1"/>
+          </a:fontRef>
+        </p:style>
+        <p:txBody>
+          <a:bodyPr rtlCol="0" anchor="ctr"/>
+          <a:lstStyle/>
+          <a:p>
+            <a:pPr algn="ctr"/>
+            <a:endParaRPr lang="ko-KR" altLang="en-US"/>
+          </a:p>
+        </p:txBody>
+      </p:sp>
+      <p:sp>
+        <p:nvSpPr>
+          <p:cNvPr id="32" name="타원 31">
+            <a:extLst>
+              <a:ext uri="{FF2B5EF4-FFF2-40B4-BE49-F238E27FC236}">
+                <a16:creationId xmlns:a16="http://schemas.microsoft.com/office/drawing/2014/main" id="{2DE98EE1-A164-7999-3E58-714200EB1EBD}"/>
+              </a:ext>
+            </a:extLst>
+          </p:cNvPr>
+          <p:cNvSpPr/>
+          <p:nvPr/>
+        </p:nvSpPr>
+        <p:spPr>
+          <a:xfrm>
+            <a:off x="809223" y="6220934"/>
+            <a:ext cx="58723" cy="58723"/>
+          </a:xfrm>
+          <a:prstGeom prst="ellipse">
+            <a:avLst/>
+          </a:prstGeom>
+          <a:solidFill>
+            <a:schemeClr val="tx1"/>
+          </a:solidFill>
+          <a:ln w="6350">
+            <a:solidFill>
+              <a:schemeClr val="bg1"/>
+            </a:solidFill>
+          </a:ln>
+        </p:spPr>
+        <p:style>
+          <a:lnRef idx="2">
+            <a:schemeClr val="accent1">
+              <a:shade val="50000"/>
+            </a:schemeClr>
+          </a:lnRef>
+          <a:fillRef idx="1">
+            <a:schemeClr val="accent1"/>
+          </a:fillRef>
+          <a:effectRef idx="0">
+            <a:schemeClr val="accent1"/>
+          </a:effectRef>
+          <a:fontRef idx="minor">
+            <a:schemeClr val="lt1"/>
+          </a:fontRef>
+        </p:style>
+        <p:txBody>
+          <a:bodyPr rtlCol="0" anchor="ctr"/>
+          <a:lstStyle/>
+          <a:p>
+            <a:pPr algn="ctr"/>
+            <a:endParaRPr lang="ko-KR" altLang="en-US"/>
+          </a:p>
+        </p:txBody>
+      </p:sp>
+      <p:sp>
+        <p:nvSpPr>
+          <p:cNvPr id="33" name="타원 32">
+            <a:extLst>
+              <a:ext uri="{FF2B5EF4-FFF2-40B4-BE49-F238E27FC236}">
+                <a16:creationId xmlns:a16="http://schemas.microsoft.com/office/drawing/2014/main" id="{EAC708FD-F72B-C553-5C2B-2001436214C9}"/>
+              </a:ext>
+            </a:extLst>
+          </p:cNvPr>
+          <p:cNvSpPr/>
+          <p:nvPr/>
+        </p:nvSpPr>
+        <p:spPr>
+          <a:xfrm>
+            <a:off x="809222" y="6522938"/>
+            <a:ext cx="58723" cy="58723"/>
+          </a:xfrm>
+          <a:prstGeom prst="ellipse">
+            <a:avLst/>
+          </a:prstGeom>
+          <a:solidFill>
+            <a:srgbClr val="0070C0"/>
+          </a:solidFill>
+          <a:ln w="6350">
+            <a:solidFill>
+              <a:schemeClr val="bg1"/>
+            </a:solidFill>
+          </a:ln>
+        </p:spPr>
+        <p:style>
+          <a:lnRef idx="2">
+            <a:schemeClr val="accent1">
+              <a:shade val="50000"/>
+            </a:schemeClr>
+          </a:lnRef>
+          <a:fillRef idx="1">
+            <a:schemeClr val="accent1"/>
+          </a:fillRef>
+          <a:effectRef idx="0">
+            <a:schemeClr val="accent1"/>
+          </a:effectRef>
+          <a:fontRef idx="minor">
+            <a:schemeClr val="lt1"/>
+          </a:fontRef>
+        </p:style>
+        <p:txBody>
+          <a:bodyPr rtlCol="0" anchor="ctr"/>
+          <a:lstStyle/>
+          <a:p>
+            <a:pPr algn="ctr"/>
+            <a:endParaRPr lang="ko-KR" altLang="en-US"/>
+          </a:p>
+        </p:txBody>
+      </p:sp>
+      <p:pic>
+        <p:nvPicPr>
+          <p:cNvPr id="36" name="그림 35">
+            <a:extLst>
+              <a:ext uri="{FF2B5EF4-FFF2-40B4-BE49-F238E27FC236}">
+                <a16:creationId xmlns:a16="http://schemas.microsoft.com/office/drawing/2014/main" id="{83B8663E-79B2-1AD4-9966-4039AADAD8A5}"/>
+              </a:ext>
+            </a:extLst>
+          </p:cNvPr>
+          <p:cNvPicPr>
+            <a:picLocks noChangeAspect="1"/>
+          </p:cNvPicPr>
+          <p:nvPr/>
+        </p:nvPicPr>
+        <p:blipFill>
+          <a:blip r:embed="rId2"/>
+          <a:stretch>
+            <a:fillRect/>
+          </a:stretch>
+        </p:blipFill>
+        <p:spPr>
+          <a:xfrm rot="10800000">
+            <a:off x="12046085" y="14157"/>
+            <a:ext cx="145915" cy="6858000"/>
+          </a:xfrm>
+          <a:prstGeom prst="rect">
+            <a:avLst/>
+          </a:prstGeom>
+        </p:spPr>
+      </p:pic>
+      <p:sp>
+        <p:nvSpPr>
+          <p:cNvPr id="38" name="직사각형 37">
+            <a:extLst>
+              <a:ext uri="{FF2B5EF4-FFF2-40B4-BE49-F238E27FC236}">
+                <a16:creationId xmlns:a16="http://schemas.microsoft.com/office/drawing/2014/main" id="{467AD130-CFA3-CE68-4FDD-E56EDAA3C5FD}"/>
+              </a:ext>
+            </a:extLst>
+          </p:cNvPr>
+          <p:cNvSpPr/>
+          <p:nvPr/>
+        </p:nvSpPr>
+        <p:spPr>
+          <a:xfrm>
+            <a:off x="2428875" y="687898"/>
+            <a:ext cx="8687726" cy="1523388"/>
+          </a:xfrm>
+          <a:prstGeom prst="rect">
+            <a:avLst/>
+          </a:prstGeom>
+          <a:noFill/>
+        </p:spPr>
+        <p:style>
+          <a:lnRef idx="2">
+            <a:schemeClr val="accent1">
+              <a:shade val="50000"/>
+            </a:schemeClr>
+          </a:lnRef>
+          <a:fillRef idx="1">
+            <a:schemeClr val="accent1"/>
+          </a:fillRef>
+          <a:effectRef idx="0">
+            <a:schemeClr val="accent1"/>
+          </a:effectRef>
+          <a:fontRef idx="minor">
+            <a:schemeClr val="lt1"/>
+          </a:fontRef>
+        </p:style>
+        <p:txBody>
+          <a:bodyPr rtlCol="0" anchor="ctr"/>
+          <a:lstStyle/>
+          <a:p>
+            <a:pPr algn="ctr"/>
+            <a:endParaRPr lang="ko-KR" altLang="en-US"/>
+          </a:p>
+        </p:txBody>
+      </p:sp>
+      <p:sp>
+        <p:nvSpPr>
+          <p:cNvPr id="39" name="직사각형 38">
+            <a:extLst>
+              <a:ext uri="{FF2B5EF4-FFF2-40B4-BE49-F238E27FC236}">
+                <a16:creationId xmlns:a16="http://schemas.microsoft.com/office/drawing/2014/main" id="{584DFCD1-EB4C-C800-C253-015777222D49}"/>
+              </a:ext>
+            </a:extLst>
+          </p:cNvPr>
+          <p:cNvSpPr/>
+          <p:nvPr/>
+        </p:nvSpPr>
+        <p:spPr>
+          <a:xfrm>
+            <a:off x="2428875" y="687897"/>
+            <a:ext cx="866775" cy="302004"/>
+          </a:xfrm>
+          <a:prstGeom prst="rect">
+            <a:avLst/>
+          </a:prstGeom>
+          <a:noFill/>
+        </p:spPr>
+        <p:style>
+          <a:lnRef idx="2">
+            <a:schemeClr val="accent1">
+              <a:shade val="50000"/>
+            </a:schemeClr>
+          </a:lnRef>
+          <a:fillRef idx="1">
+            <a:schemeClr val="accent1"/>
+          </a:fillRef>
+          <a:effectRef idx="0">
+            <a:schemeClr val="accent1"/>
+          </a:effectRef>
+          <a:fontRef idx="minor">
+            <a:schemeClr val="lt1"/>
+          </a:fontRef>
+        </p:style>
+        <p:txBody>
+          <a:bodyPr rtlCol="0" anchor="ctr"/>
+          <a:lstStyle/>
+          <a:p>
+            <a:pPr algn="ctr"/>
+            <a:r>
+              <a:rPr lang="ko-KR" altLang="en-US" sz="1100" dirty="0">
+                <a:solidFill>
+                  <a:schemeClr val="tx1"/>
+                </a:solidFill>
+              </a:rPr>
+              <a:t>사용여부</a:t>
+            </a:r>
+          </a:p>
+        </p:txBody>
+      </p:sp>
+      <p:sp>
+        <p:nvSpPr>
+          <p:cNvPr id="40" name="직사각형 39">
+            <a:extLst>
+              <a:ext uri="{FF2B5EF4-FFF2-40B4-BE49-F238E27FC236}">
+                <a16:creationId xmlns:a16="http://schemas.microsoft.com/office/drawing/2014/main" id="{8F1E003C-8609-266E-44DC-43AC3540FD15}"/>
+              </a:ext>
+            </a:extLst>
+          </p:cNvPr>
+          <p:cNvSpPr/>
+          <p:nvPr/>
+        </p:nvSpPr>
+        <p:spPr>
+          <a:xfrm>
+            <a:off x="3295650" y="687897"/>
+            <a:ext cx="6562725" cy="302004"/>
+          </a:xfrm>
+          <a:prstGeom prst="rect">
+            <a:avLst/>
+          </a:prstGeom>
+          <a:noFill/>
+        </p:spPr>
+        <p:style>
+          <a:lnRef idx="2">
+            <a:schemeClr val="accent1">
+              <a:shade val="50000"/>
+            </a:schemeClr>
+          </a:lnRef>
+          <a:fillRef idx="1">
+            <a:schemeClr val="accent1"/>
+          </a:fillRef>
+          <a:effectRef idx="0">
+            <a:schemeClr val="accent1"/>
+          </a:effectRef>
+          <a:fontRef idx="minor">
+            <a:schemeClr val="lt1"/>
+          </a:fontRef>
+        </p:style>
+        <p:txBody>
+          <a:bodyPr rtlCol="0" anchor="ctr"/>
+          <a:lstStyle/>
+          <a:p>
+            <a:pPr algn="ctr"/>
+            <a:r>
+              <a:rPr lang="ko-KR" altLang="en-US" sz="1100" dirty="0">
+                <a:solidFill>
+                  <a:schemeClr val="tx1"/>
+                </a:solidFill>
+              </a:rPr>
+              <a:t>서버</a:t>
+            </a:r>
+          </a:p>
+        </p:txBody>
+      </p:sp>
+      <p:sp>
+        <p:nvSpPr>
+          <p:cNvPr id="44" name="직사각형 43">
+            <a:extLst>
+              <a:ext uri="{FF2B5EF4-FFF2-40B4-BE49-F238E27FC236}">
+                <a16:creationId xmlns:a16="http://schemas.microsoft.com/office/drawing/2014/main" id="{19BF3E5C-5158-6D57-A2FA-8B4AB7B4A623}"/>
+              </a:ext>
+            </a:extLst>
+          </p:cNvPr>
+          <p:cNvSpPr/>
+          <p:nvPr/>
+        </p:nvSpPr>
+        <p:spPr>
+          <a:xfrm>
+            <a:off x="9859286" y="684054"/>
+            <a:ext cx="1257315" cy="302004"/>
+          </a:xfrm>
+          <a:prstGeom prst="rect">
+            <a:avLst/>
+          </a:prstGeom>
+          <a:noFill/>
+        </p:spPr>
+        <p:style>
+          <a:lnRef idx="2">
+            <a:schemeClr val="accent1">
+              <a:shade val="50000"/>
+            </a:schemeClr>
+          </a:lnRef>
+          <a:fillRef idx="1">
+            <a:schemeClr val="accent1"/>
+          </a:fillRef>
+          <a:effectRef idx="0">
+            <a:schemeClr val="accent1"/>
+          </a:effectRef>
+          <a:fontRef idx="minor">
+            <a:schemeClr val="lt1"/>
+          </a:fontRef>
+        </p:style>
+        <p:txBody>
+          <a:bodyPr rtlCol="0" anchor="ctr"/>
+          <a:lstStyle/>
+          <a:p>
+            <a:pPr algn="ctr"/>
+            <a:r>
+              <a:rPr lang="ko-KR" altLang="en-US" sz="1100" dirty="0">
+                <a:solidFill>
+                  <a:schemeClr val="tx1"/>
+                </a:solidFill>
+              </a:rPr>
+              <a:t>비고</a:t>
+            </a:r>
+          </a:p>
+        </p:txBody>
+      </p:sp>
+      <p:sp>
+        <p:nvSpPr>
+          <p:cNvPr id="45" name="직사각형 44">
+            <a:extLst>
+              <a:ext uri="{FF2B5EF4-FFF2-40B4-BE49-F238E27FC236}">
+                <a16:creationId xmlns:a16="http://schemas.microsoft.com/office/drawing/2014/main" id="{6D8EAF0F-AF70-43F9-18F3-5D00F9995E7F}"/>
+              </a:ext>
+            </a:extLst>
+          </p:cNvPr>
+          <p:cNvSpPr/>
+          <p:nvPr/>
+        </p:nvSpPr>
+        <p:spPr>
+          <a:xfrm>
+            <a:off x="2428419" y="992697"/>
+            <a:ext cx="866775" cy="302004"/>
+          </a:xfrm>
+          <a:prstGeom prst="rect">
+            <a:avLst/>
+          </a:prstGeom>
+          <a:noFill/>
+        </p:spPr>
+        <p:style>
+          <a:lnRef idx="2">
+            <a:schemeClr val="accent1">
+              <a:shade val="50000"/>
+            </a:schemeClr>
+          </a:lnRef>
+          <a:fillRef idx="1">
+            <a:schemeClr val="accent1"/>
+          </a:fillRef>
+          <a:effectRef idx="0">
+            <a:schemeClr val="accent1"/>
+          </a:effectRef>
+          <a:fontRef idx="minor">
+            <a:schemeClr val="lt1"/>
+          </a:fontRef>
+        </p:style>
+        <p:txBody>
+          <a:bodyPr rtlCol="0" anchor="ctr"/>
+          <a:lstStyle/>
+          <a:p>
+            <a:pPr algn="r"/>
+            <a:r>
+              <a:rPr lang="ko-KR" altLang="en-US" sz="800" dirty="0" err="1">
+                <a:solidFill>
+                  <a:schemeClr val="tx1"/>
+                </a:solidFill>
+              </a:rPr>
+              <a:t>사용중</a:t>
+            </a:r>
+            <a:endParaRPr lang="ko-KR" altLang="en-US" sz="800" dirty="0">
+              <a:solidFill>
+                <a:schemeClr val="tx1"/>
+              </a:solidFill>
+            </a:endParaRPr>
+          </a:p>
+        </p:txBody>
+      </p:sp>
+      <p:sp>
+        <p:nvSpPr>
+          <p:cNvPr id="46" name="직사각형 45">
+            <a:extLst>
+              <a:ext uri="{FF2B5EF4-FFF2-40B4-BE49-F238E27FC236}">
+                <a16:creationId xmlns:a16="http://schemas.microsoft.com/office/drawing/2014/main" id="{5E5781CC-40F9-6EC1-4BCC-F25F16839F63}"/>
+              </a:ext>
+            </a:extLst>
+          </p:cNvPr>
+          <p:cNvSpPr/>
+          <p:nvPr/>
+        </p:nvSpPr>
+        <p:spPr>
+          <a:xfrm>
+            <a:off x="2427963" y="1294412"/>
+            <a:ext cx="866775" cy="302004"/>
+          </a:xfrm>
+          <a:prstGeom prst="rect">
+            <a:avLst/>
+          </a:prstGeom>
+          <a:noFill/>
+        </p:spPr>
+        <p:style>
+          <a:lnRef idx="2">
+            <a:schemeClr val="accent1">
+              <a:shade val="50000"/>
+            </a:schemeClr>
+          </a:lnRef>
+          <a:fillRef idx="1">
+            <a:schemeClr val="accent1"/>
+          </a:fillRef>
+          <a:effectRef idx="0">
+            <a:schemeClr val="accent1"/>
+          </a:effectRef>
+          <a:fontRef idx="minor">
+            <a:schemeClr val="lt1"/>
+          </a:fontRef>
+        </p:style>
+        <p:txBody>
+          <a:bodyPr rtlCol="0" anchor="ctr"/>
+          <a:lstStyle/>
+          <a:p>
+            <a:pPr algn="r"/>
+            <a:r>
+              <a:rPr lang="ko-KR" altLang="en-US" sz="800" dirty="0" err="1">
+                <a:solidFill>
+                  <a:schemeClr val="tx1"/>
+                </a:solidFill>
+              </a:rPr>
+              <a:t>사용중</a:t>
+            </a:r>
+            <a:endParaRPr lang="ko-KR" altLang="en-US" sz="800" dirty="0">
+              <a:solidFill>
+                <a:schemeClr val="tx1"/>
+              </a:solidFill>
+            </a:endParaRPr>
+          </a:p>
+        </p:txBody>
+      </p:sp>
+      <p:sp>
+        <p:nvSpPr>
+          <p:cNvPr id="47" name="직사각형 46">
+            <a:extLst>
+              <a:ext uri="{FF2B5EF4-FFF2-40B4-BE49-F238E27FC236}">
+                <a16:creationId xmlns:a16="http://schemas.microsoft.com/office/drawing/2014/main" id="{29177328-EF12-BF25-7C8B-3108F8151100}"/>
+              </a:ext>
+            </a:extLst>
+          </p:cNvPr>
+          <p:cNvSpPr/>
+          <p:nvPr/>
+        </p:nvSpPr>
+        <p:spPr>
+          <a:xfrm>
+            <a:off x="2427963" y="1600759"/>
+            <a:ext cx="866775" cy="302004"/>
+          </a:xfrm>
+          <a:prstGeom prst="rect">
+            <a:avLst/>
+          </a:prstGeom>
+          <a:noFill/>
+        </p:spPr>
+        <p:style>
+          <a:lnRef idx="2">
+            <a:schemeClr val="accent1">
+              <a:shade val="50000"/>
+            </a:schemeClr>
+          </a:lnRef>
+          <a:fillRef idx="1">
+            <a:schemeClr val="accent1"/>
+          </a:fillRef>
+          <a:effectRef idx="0">
+            <a:schemeClr val="accent1"/>
+          </a:effectRef>
+          <a:fontRef idx="minor">
+            <a:schemeClr val="lt1"/>
+          </a:fontRef>
+        </p:style>
+        <p:txBody>
+          <a:bodyPr rtlCol="0" anchor="ctr"/>
+          <a:lstStyle/>
+          <a:p>
+            <a:pPr algn="r"/>
+            <a:r>
+              <a:rPr lang="ko-KR" altLang="en-US" sz="800" dirty="0" err="1">
+                <a:solidFill>
+                  <a:schemeClr val="tx1"/>
+                </a:solidFill>
+              </a:rPr>
+              <a:t>사용안함</a:t>
+            </a:r>
+            <a:endParaRPr lang="ko-KR" altLang="en-US" sz="800" dirty="0">
+              <a:solidFill>
+                <a:schemeClr val="tx1"/>
+              </a:solidFill>
+            </a:endParaRPr>
+          </a:p>
+        </p:txBody>
+      </p:sp>
+      <p:sp>
+        <p:nvSpPr>
+          <p:cNvPr id="48" name="직사각형 47">
+            <a:extLst>
+              <a:ext uri="{FF2B5EF4-FFF2-40B4-BE49-F238E27FC236}">
+                <a16:creationId xmlns:a16="http://schemas.microsoft.com/office/drawing/2014/main" id="{AC68EB51-AF8C-0CC8-A25B-C615FA10063C}"/>
+              </a:ext>
+            </a:extLst>
+          </p:cNvPr>
+          <p:cNvSpPr/>
+          <p:nvPr/>
+        </p:nvSpPr>
+        <p:spPr>
+          <a:xfrm>
+            <a:off x="2427963" y="1907106"/>
+            <a:ext cx="866775" cy="302004"/>
+          </a:xfrm>
+          <a:prstGeom prst="rect">
+            <a:avLst/>
+          </a:prstGeom>
+          <a:noFill/>
+        </p:spPr>
+        <p:style>
+          <a:lnRef idx="2">
+            <a:schemeClr val="accent1">
+              <a:shade val="50000"/>
+            </a:schemeClr>
+          </a:lnRef>
+          <a:fillRef idx="1">
+            <a:schemeClr val="accent1"/>
+          </a:fillRef>
+          <a:effectRef idx="0">
+            <a:schemeClr val="accent1"/>
+          </a:effectRef>
+          <a:fontRef idx="minor">
+            <a:schemeClr val="lt1"/>
+          </a:fontRef>
+        </p:style>
+        <p:txBody>
+          <a:bodyPr rtlCol="0" anchor="ctr"/>
+          <a:lstStyle/>
+          <a:p>
+            <a:pPr algn="r"/>
+            <a:r>
+              <a:rPr lang="ko-KR" altLang="en-US" sz="800" dirty="0" err="1">
+                <a:solidFill>
+                  <a:schemeClr val="tx1"/>
+                </a:solidFill>
+              </a:rPr>
+              <a:t>사용중</a:t>
+            </a:r>
+            <a:endParaRPr lang="ko-KR" altLang="en-US" sz="800" dirty="0">
+              <a:solidFill>
+                <a:schemeClr val="tx1"/>
+              </a:solidFill>
+            </a:endParaRPr>
+          </a:p>
+        </p:txBody>
+      </p:sp>
+      <p:sp>
+        <p:nvSpPr>
+          <p:cNvPr id="49" name="타원 48">
+            <a:extLst>
+              <a:ext uri="{FF2B5EF4-FFF2-40B4-BE49-F238E27FC236}">
+                <a16:creationId xmlns:a16="http://schemas.microsoft.com/office/drawing/2014/main" id="{5D16321A-66EE-187A-80AA-D5D9C3681834}"/>
+              </a:ext>
+            </a:extLst>
+          </p:cNvPr>
+          <p:cNvSpPr/>
+          <p:nvPr/>
+        </p:nvSpPr>
+        <p:spPr>
+          <a:xfrm>
+            <a:off x="2531446" y="1050560"/>
+            <a:ext cx="141904" cy="141904"/>
+          </a:xfrm>
+          <a:prstGeom prst="ellipse">
+            <a:avLst/>
+          </a:prstGeom>
+          <a:solidFill>
+            <a:srgbClr val="00B050"/>
+          </a:solidFill>
+          <a:ln w="6350">
+            <a:solidFill>
+              <a:schemeClr val="bg1"/>
+            </a:solidFill>
+          </a:ln>
+        </p:spPr>
+        <p:style>
+          <a:lnRef idx="2">
+            <a:schemeClr val="accent1">
+              <a:shade val="50000"/>
+            </a:schemeClr>
+          </a:lnRef>
+          <a:fillRef idx="1">
+            <a:schemeClr val="accent1"/>
+          </a:fillRef>
+          <a:effectRef idx="0">
+            <a:schemeClr val="accent1"/>
+          </a:effectRef>
+          <a:fontRef idx="minor">
+            <a:schemeClr val="lt1"/>
+          </a:fontRef>
+        </p:style>
+        <p:txBody>
+          <a:bodyPr rtlCol="0" anchor="ctr"/>
+          <a:lstStyle/>
+          <a:p>
+            <a:pPr algn="ctr"/>
+            <a:endParaRPr lang="ko-KR" altLang="en-US"/>
+          </a:p>
+        </p:txBody>
+      </p:sp>
+      <p:sp>
+        <p:nvSpPr>
+          <p:cNvPr id="50" name="타원 49">
+            <a:extLst>
+              <a:ext uri="{FF2B5EF4-FFF2-40B4-BE49-F238E27FC236}">
+                <a16:creationId xmlns:a16="http://schemas.microsoft.com/office/drawing/2014/main" id="{1384E437-AF39-7266-52D4-F1EA1A42A2FE}"/>
+              </a:ext>
+            </a:extLst>
+          </p:cNvPr>
+          <p:cNvSpPr/>
+          <p:nvPr/>
+        </p:nvSpPr>
+        <p:spPr>
+          <a:xfrm>
+            <a:off x="2531446" y="1374462"/>
+            <a:ext cx="141904" cy="141904"/>
+          </a:xfrm>
+          <a:prstGeom prst="ellipse">
+            <a:avLst/>
+          </a:prstGeom>
+          <a:solidFill>
+            <a:srgbClr val="0070C0"/>
+          </a:solidFill>
+          <a:ln w="6350">
+            <a:solidFill>
+              <a:schemeClr val="bg1"/>
+            </a:solidFill>
+          </a:ln>
+        </p:spPr>
+        <p:style>
+          <a:lnRef idx="2">
+            <a:schemeClr val="accent1">
+              <a:shade val="50000"/>
+            </a:schemeClr>
+          </a:lnRef>
+          <a:fillRef idx="1">
+            <a:schemeClr val="accent1"/>
+          </a:fillRef>
+          <a:effectRef idx="0">
+            <a:schemeClr val="accent1"/>
+          </a:effectRef>
+          <a:fontRef idx="minor">
+            <a:schemeClr val="lt1"/>
+          </a:fontRef>
+        </p:style>
+        <p:txBody>
+          <a:bodyPr rtlCol="0" anchor="ctr"/>
+          <a:lstStyle/>
+          <a:p>
+            <a:pPr algn="ctr"/>
+            <a:endParaRPr lang="ko-KR" altLang="en-US"/>
+          </a:p>
+        </p:txBody>
+      </p:sp>
+      <p:sp>
+        <p:nvSpPr>
+          <p:cNvPr id="51" name="타원 50">
+            <a:extLst>
+              <a:ext uri="{FF2B5EF4-FFF2-40B4-BE49-F238E27FC236}">
+                <a16:creationId xmlns:a16="http://schemas.microsoft.com/office/drawing/2014/main" id="{5400F196-F9D4-F1E0-F1C0-89AB7033A159}"/>
+              </a:ext>
+            </a:extLst>
+          </p:cNvPr>
+          <p:cNvSpPr/>
+          <p:nvPr/>
+        </p:nvSpPr>
+        <p:spPr>
+          <a:xfrm>
+            <a:off x="2527859" y="1676755"/>
+            <a:ext cx="141904" cy="141904"/>
+          </a:xfrm>
+          <a:prstGeom prst="ellipse">
+            <a:avLst/>
+          </a:prstGeom>
+          <a:solidFill>
+            <a:schemeClr val="tx1"/>
+          </a:solidFill>
+          <a:ln w="6350">
+            <a:solidFill>
+              <a:schemeClr val="bg1"/>
+            </a:solidFill>
+          </a:ln>
+        </p:spPr>
+        <p:style>
+          <a:lnRef idx="2">
+            <a:schemeClr val="accent1">
+              <a:shade val="50000"/>
+            </a:schemeClr>
+          </a:lnRef>
+          <a:fillRef idx="1">
+            <a:schemeClr val="accent1"/>
+          </a:fillRef>
+          <a:effectRef idx="0">
+            <a:schemeClr val="accent1"/>
+          </a:effectRef>
+          <a:fontRef idx="minor">
+            <a:schemeClr val="lt1"/>
+          </a:fontRef>
+        </p:style>
+        <p:txBody>
+          <a:bodyPr rtlCol="0" anchor="ctr"/>
+          <a:lstStyle/>
+          <a:p>
+            <a:pPr algn="ctr"/>
+            <a:endParaRPr lang="ko-KR" altLang="en-US"/>
+          </a:p>
+        </p:txBody>
+      </p:sp>
+      <p:sp>
+        <p:nvSpPr>
+          <p:cNvPr id="52" name="타원 51">
+            <a:extLst>
+              <a:ext uri="{FF2B5EF4-FFF2-40B4-BE49-F238E27FC236}">
+                <a16:creationId xmlns:a16="http://schemas.microsoft.com/office/drawing/2014/main" id="{A49464F1-2266-44FA-3135-B115853C7767}"/>
+              </a:ext>
+            </a:extLst>
+          </p:cNvPr>
+          <p:cNvSpPr/>
+          <p:nvPr/>
+        </p:nvSpPr>
+        <p:spPr>
+          <a:xfrm>
+            <a:off x="2527859" y="1978759"/>
+            <a:ext cx="141904" cy="141904"/>
+          </a:xfrm>
+          <a:prstGeom prst="ellipse">
+            <a:avLst/>
+          </a:prstGeom>
+          <a:solidFill>
+            <a:srgbClr val="0070C0"/>
+          </a:solidFill>
+          <a:ln w="6350">
+            <a:solidFill>
+              <a:schemeClr val="bg1"/>
+            </a:solidFill>
+          </a:ln>
+        </p:spPr>
+        <p:style>
+          <a:lnRef idx="2">
+            <a:schemeClr val="accent1">
+              <a:shade val="50000"/>
+            </a:schemeClr>
+          </a:lnRef>
+          <a:fillRef idx="1">
+            <a:schemeClr val="accent1"/>
+          </a:fillRef>
+          <a:effectRef idx="0">
+            <a:schemeClr val="accent1"/>
+          </a:effectRef>
+          <a:fontRef idx="minor">
+            <a:schemeClr val="lt1"/>
+          </a:fontRef>
+        </p:style>
+        <p:txBody>
+          <a:bodyPr rtlCol="0" anchor="ctr"/>
+          <a:lstStyle/>
+          <a:p>
+            <a:pPr algn="ctr"/>
+            <a:endParaRPr lang="ko-KR" altLang="en-US"/>
+          </a:p>
+        </p:txBody>
+      </p:sp>
+      <p:sp>
+        <p:nvSpPr>
+          <p:cNvPr id="53" name="직사각형 52">
+            <a:extLst>
+              <a:ext uri="{FF2B5EF4-FFF2-40B4-BE49-F238E27FC236}">
+                <a16:creationId xmlns:a16="http://schemas.microsoft.com/office/drawing/2014/main" id="{3CAAB5F6-2F75-C6BD-9552-2EB2BDD479BB}"/>
+              </a:ext>
+            </a:extLst>
+          </p:cNvPr>
+          <p:cNvSpPr/>
+          <p:nvPr/>
+        </p:nvSpPr>
+        <p:spPr>
+          <a:xfrm>
+            <a:off x="3295271" y="992697"/>
+            <a:ext cx="6562725" cy="302004"/>
+          </a:xfrm>
+          <a:prstGeom prst="rect">
+            <a:avLst/>
+          </a:prstGeom>
+          <a:noFill/>
+        </p:spPr>
+        <p:style>
+          <a:lnRef idx="2">
+            <a:schemeClr val="accent1">
+              <a:shade val="50000"/>
+            </a:schemeClr>
+          </a:lnRef>
+          <a:fillRef idx="1">
+            <a:schemeClr val="accent1"/>
+          </a:fillRef>
+          <a:effectRef idx="0">
+            <a:schemeClr val="accent1"/>
+          </a:effectRef>
+          <a:fontRef idx="minor">
+            <a:schemeClr val="lt1"/>
+          </a:fontRef>
+        </p:style>
+        <p:txBody>
+          <a:bodyPr rtlCol="0" anchor="ctr"/>
+          <a:lstStyle/>
+          <a:p>
+            <a:pPr algn="ctr"/>
+            <a:r>
+              <a:rPr lang="en-US" altLang="ko-KR" sz="1100" b="1" dirty="0">
+                <a:solidFill>
+                  <a:schemeClr val="tx1"/>
+                </a:solidFill>
+              </a:rPr>
+              <a:t>220</a:t>
+            </a:r>
+            <a:r>
+              <a:rPr lang="ko-KR" altLang="en-US" sz="1100" b="1" dirty="0">
+                <a:solidFill>
+                  <a:schemeClr val="tx1"/>
+                </a:solidFill>
+              </a:rPr>
+              <a:t> </a:t>
+            </a:r>
+            <a:r>
+              <a:rPr lang="en-US" altLang="ko-KR" sz="1100" b="1" dirty="0">
+                <a:solidFill>
+                  <a:schemeClr val="tx1"/>
+                </a:solidFill>
+              </a:rPr>
+              <a:t>(IP : 192.168.2.220)    </a:t>
+            </a:r>
+            <a:r>
+              <a:rPr lang="en-US" altLang="ko-KR" sz="1100" dirty="0">
+                <a:solidFill>
+                  <a:schemeClr val="tx1"/>
+                </a:solidFill>
+              </a:rPr>
+              <a:t>CPU : 94.1% / 80</a:t>
+            </a:r>
+            <a:r>
+              <a:rPr lang="en-US" altLang="ko-KR" sz="1100" b="1" i="0" dirty="0">
+                <a:solidFill>
+                  <a:srgbClr val="202124"/>
+                </a:solidFill>
+                <a:effectLst/>
+                <a:latin typeface="Apple SD Gothic Neo"/>
+              </a:rPr>
+              <a:t>°C</a:t>
+            </a:r>
+            <a:r>
+              <a:rPr lang="en-US" altLang="ko-KR" sz="1100" dirty="0">
+                <a:solidFill>
+                  <a:schemeClr val="tx1"/>
+                </a:solidFill>
+              </a:rPr>
+              <a:t>    RAM : 0.04% (1234/5000)</a:t>
+            </a:r>
+            <a:endParaRPr lang="ko-KR" altLang="en-US" sz="1100" dirty="0">
+              <a:solidFill>
+                <a:schemeClr val="tx1"/>
+              </a:solidFill>
+            </a:endParaRPr>
+          </a:p>
+        </p:txBody>
+      </p:sp>
+      <p:sp>
+        <p:nvSpPr>
+          <p:cNvPr id="54" name="직사각형 53">
+            <a:extLst>
+              <a:ext uri="{FF2B5EF4-FFF2-40B4-BE49-F238E27FC236}">
+                <a16:creationId xmlns:a16="http://schemas.microsoft.com/office/drawing/2014/main" id="{93444E85-BE2B-97DF-1BBE-9CAF8109B629}"/>
+              </a:ext>
+            </a:extLst>
+          </p:cNvPr>
+          <p:cNvSpPr/>
+          <p:nvPr/>
+        </p:nvSpPr>
+        <p:spPr>
+          <a:xfrm>
+            <a:off x="3295271" y="1297225"/>
+            <a:ext cx="6562725" cy="302004"/>
+          </a:xfrm>
+          <a:prstGeom prst="rect">
+            <a:avLst/>
+          </a:prstGeom>
+          <a:noFill/>
+        </p:spPr>
+        <p:style>
+          <a:lnRef idx="2">
+            <a:schemeClr val="accent1">
+              <a:shade val="50000"/>
+            </a:schemeClr>
+          </a:lnRef>
+          <a:fillRef idx="1">
+            <a:schemeClr val="accent1"/>
+          </a:fillRef>
+          <a:effectRef idx="0">
+            <a:schemeClr val="accent1"/>
+          </a:effectRef>
+          <a:fontRef idx="minor">
+            <a:schemeClr val="lt1"/>
+          </a:fontRef>
+        </p:style>
+        <p:txBody>
+          <a:bodyPr rtlCol="0" anchor="ctr"/>
+          <a:lstStyle/>
+          <a:p>
+            <a:pPr algn="ctr"/>
+            <a:r>
+              <a:rPr lang="en-US" altLang="ko-KR" sz="1100" b="1" dirty="0">
+                <a:solidFill>
+                  <a:schemeClr val="tx1"/>
+                </a:solidFill>
+              </a:rPr>
+              <a:t>221</a:t>
+            </a:r>
+            <a:r>
+              <a:rPr lang="ko-KR" altLang="en-US" sz="1100" b="1" dirty="0">
+                <a:solidFill>
+                  <a:schemeClr val="tx1"/>
+                </a:solidFill>
+              </a:rPr>
+              <a:t> </a:t>
+            </a:r>
+            <a:r>
+              <a:rPr lang="en-US" altLang="ko-KR" sz="1100" b="1" dirty="0">
+                <a:solidFill>
+                  <a:schemeClr val="tx1"/>
+                </a:solidFill>
+              </a:rPr>
+              <a:t>(IP : 192.168.2.221)    </a:t>
+            </a:r>
+            <a:r>
+              <a:rPr lang="en-US" altLang="ko-KR" sz="1100" dirty="0">
+                <a:solidFill>
+                  <a:schemeClr val="tx1"/>
+                </a:solidFill>
+              </a:rPr>
+              <a:t>CPU : 94.1% / 80</a:t>
+            </a:r>
+            <a:r>
+              <a:rPr lang="en-US" altLang="ko-KR" sz="1100" b="1" i="0" dirty="0">
+                <a:solidFill>
+                  <a:srgbClr val="202124"/>
+                </a:solidFill>
+                <a:effectLst/>
+                <a:latin typeface="Apple SD Gothic Neo"/>
+              </a:rPr>
+              <a:t>°C</a:t>
+            </a:r>
+            <a:r>
+              <a:rPr lang="en-US" altLang="ko-KR" sz="1100" dirty="0">
+                <a:solidFill>
+                  <a:schemeClr val="tx1"/>
+                </a:solidFill>
+              </a:rPr>
+              <a:t>    RAM : 0.04% (1234/5000)</a:t>
+            </a:r>
+            <a:endParaRPr lang="ko-KR" altLang="en-US" sz="1100" dirty="0">
+              <a:solidFill>
+                <a:schemeClr val="tx1"/>
+              </a:solidFill>
+            </a:endParaRPr>
+          </a:p>
+        </p:txBody>
+      </p:sp>
+      <p:sp>
+        <p:nvSpPr>
+          <p:cNvPr id="55" name="직사각형 54">
+            <a:extLst>
+              <a:ext uri="{FF2B5EF4-FFF2-40B4-BE49-F238E27FC236}">
+                <a16:creationId xmlns:a16="http://schemas.microsoft.com/office/drawing/2014/main" id="{F1C46C90-1D19-99A5-656F-55F9A165B378}"/>
+              </a:ext>
+            </a:extLst>
+          </p:cNvPr>
+          <p:cNvSpPr/>
+          <p:nvPr/>
+        </p:nvSpPr>
+        <p:spPr>
+          <a:xfrm>
+            <a:off x="3295271" y="1602017"/>
+            <a:ext cx="6562725" cy="302004"/>
+          </a:xfrm>
+          <a:prstGeom prst="rect">
+            <a:avLst/>
+          </a:prstGeom>
+          <a:noFill/>
+        </p:spPr>
+        <p:style>
+          <a:lnRef idx="2">
+            <a:schemeClr val="accent1">
+              <a:shade val="50000"/>
+            </a:schemeClr>
+          </a:lnRef>
+          <a:fillRef idx="1">
+            <a:schemeClr val="accent1"/>
+          </a:fillRef>
+          <a:effectRef idx="0">
+            <a:schemeClr val="accent1"/>
+          </a:effectRef>
+          <a:fontRef idx="minor">
+            <a:schemeClr val="lt1"/>
+          </a:fontRef>
+        </p:style>
+        <p:txBody>
+          <a:bodyPr rtlCol="0" anchor="ctr"/>
+          <a:lstStyle/>
+          <a:p>
+            <a:pPr algn="ctr"/>
+            <a:r>
+              <a:rPr lang="en-US" altLang="ko-KR" sz="1100" b="1" dirty="0">
+                <a:solidFill>
+                  <a:schemeClr val="tx1"/>
+                </a:solidFill>
+              </a:rPr>
+              <a:t>222</a:t>
+            </a:r>
+            <a:r>
+              <a:rPr lang="ko-KR" altLang="en-US" sz="1100" b="1" dirty="0">
+                <a:solidFill>
+                  <a:schemeClr val="tx1"/>
+                </a:solidFill>
+              </a:rPr>
+              <a:t> </a:t>
+            </a:r>
+            <a:r>
+              <a:rPr lang="en-US" altLang="ko-KR" sz="1100" b="1" dirty="0">
+                <a:solidFill>
+                  <a:schemeClr val="tx1"/>
+                </a:solidFill>
+              </a:rPr>
+              <a:t>(IP : 192.168.2.222)     </a:t>
+            </a:r>
+            <a:r>
+              <a:rPr lang="en-US" altLang="ko-KR" sz="1100" dirty="0">
+                <a:solidFill>
+                  <a:schemeClr val="tx1"/>
+                </a:solidFill>
+              </a:rPr>
+              <a:t>CPU : 94.1% / 80</a:t>
+            </a:r>
+            <a:r>
+              <a:rPr lang="en-US" altLang="ko-KR" sz="1100" b="1" i="0" dirty="0">
+                <a:solidFill>
+                  <a:srgbClr val="202124"/>
+                </a:solidFill>
+                <a:effectLst/>
+                <a:latin typeface="Apple SD Gothic Neo"/>
+              </a:rPr>
+              <a:t>°C</a:t>
+            </a:r>
+            <a:r>
+              <a:rPr lang="en-US" altLang="ko-KR" sz="1100" dirty="0">
+                <a:solidFill>
+                  <a:schemeClr val="tx1"/>
+                </a:solidFill>
+              </a:rPr>
+              <a:t>    RAM : 0.04% (1234/5000)</a:t>
+            </a:r>
+            <a:endParaRPr lang="ko-KR" altLang="en-US" sz="1100" dirty="0">
+              <a:solidFill>
+                <a:schemeClr val="tx1"/>
+              </a:solidFill>
+            </a:endParaRPr>
+          </a:p>
+        </p:txBody>
+      </p:sp>
+      <p:sp>
+        <p:nvSpPr>
+          <p:cNvPr id="56" name="직사각형 55">
+            <a:extLst>
+              <a:ext uri="{FF2B5EF4-FFF2-40B4-BE49-F238E27FC236}">
+                <a16:creationId xmlns:a16="http://schemas.microsoft.com/office/drawing/2014/main" id="{EA5CD865-39AE-8E7D-EFBB-52F26CBCAA84}"/>
+              </a:ext>
+            </a:extLst>
+          </p:cNvPr>
+          <p:cNvSpPr/>
+          <p:nvPr/>
+        </p:nvSpPr>
+        <p:spPr>
+          <a:xfrm>
+            <a:off x="3295649" y="1907106"/>
+            <a:ext cx="6562725" cy="302004"/>
+          </a:xfrm>
+          <a:prstGeom prst="rect">
+            <a:avLst/>
+          </a:prstGeom>
+          <a:noFill/>
+        </p:spPr>
+        <p:style>
+          <a:lnRef idx="2">
+            <a:schemeClr val="accent1">
+              <a:shade val="50000"/>
+            </a:schemeClr>
+          </a:lnRef>
+          <a:fillRef idx="1">
+            <a:schemeClr val="accent1"/>
+          </a:fillRef>
+          <a:effectRef idx="0">
+            <a:schemeClr val="accent1"/>
+          </a:effectRef>
+          <a:fontRef idx="minor">
+            <a:schemeClr val="lt1"/>
+          </a:fontRef>
+        </p:style>
+        <p:txBody>
+          <a:bodyPr rtlCol="0" anchor="ctr"/>
+          <a:lstStyle/>
+          <a:p>
+            <a:pPr algn="ctr"/>
+            <a:r>
+              <a:rPr lang="en-US" altLang="ko-KR" sz="1100" b="1" dirty="0">
+                <a:solidFill>
+                  <a:schemeClr val="tx1"/>
+                </a:solidFill>
+              </a:rPr>
+              <a:t>223</a:t>
+            </a:r>
+            <a:r>
+              <a:rPr lang="ko-KR" altLang="en-US" sz="1100" b="1" dirty="0">
+                <a:solidFill>
+                  <a:schemeClr val="tx1"/>
+                </a:solidFill>
+              </a:rPr>
+              <a:t> </a:t>
+            </a:r>
+            <a:r>
+              <a:rPr lang="en-US" altLang="ko-KR" sz="1100" b="1" dirty="0">
+                <a:solidFill>
+                  <a:schemeClr val="tx1"/>
+                </a:solidFill>
+              </a:rPr>
+              <a:t>(IP : 192.168.2.223)     </a:t>
+            </a:r>
+            <a:r>
+              <a:rPr lang="en-US" altLang="ko-KR" sz="1100" dirty="0">
+                <a:solidFill>
+                  <a:schemeClr val="tx1"/>
+                </a:solidFill>
+              </a:rPr>
+              <a:t>CPU : 94.1% / 80</a:t>
+            </a:r>
+            <a:r>
+              <a:rPr lang="en-US" altLang="ko-KR" sz="1100" b="1" i="0" dirty="0">
+                <a:solidFill>
+                  <a:srgbClr val="202124"/>
+                </a:solidFill>
+                <a:effectLst/>
+                <a:latin typeface="Apple SD Gothic Neo"/>
+              </a:rPr>
+              <a:t>°C</a:t>
+            </a:r>
+            <a:r>
+              <a:rPr lang="en-US" altLang="ko-KR" sz="1100" dirty="0">
+                <a:solidFill>
+                  <a:schemeClr val="tx1"/>
+                </a:solidFill>
+              </a:rPr>
+              <a:t>    RAM : 0.04% (1234/5000) </a:t>
+            </a:r>
+            <a:endParaRPr lang="ko-KR" altLang="en-US" sz="1100" dirty="0">
+              <a:solidFill>
+                <a:schemeClr val="tx1"/>
+              </a:solidFill>
+            </a:endParaRPr>
+          </a:p>
+        </p:txBody>
+      </p:sp>
+      <p:sp>
+        <p:nvSpPr>
+          <p:cNvPr id="57" name="이등변 삼각형 56">
+            <a:extLst>
+              <a:ext uri="{FF2B5EF4-FFF2-40B4-BE49-F238E27FC236}">
+                <a16:creationId xmlns:a16="http://schemas.microsoft.com/office/drawing/2014/main" id="{29F480C9-51E8-219D-5B19-36207E7C1233}"/>
+              </a:ext>
+            </a:extLst>
+          </p:cNvPr>
+          <p:cNvSpPr/>
+          <p:nvPr/>
+        </p:nvSpPr>
+        <p:spPr>
+          <a:xfrm rot="10800000">
+            <a:off x="9644247" y="1115050"/>
+            <a:ext cx="142500" cy="122845"/>
+          </a:xfrm>
+          <a:prstGeom prst="triangle">
+            <a:avLst/>
+          </a:prstGeom>
+          <a:solidFill>
+            <a:schemeClr val="tx1"/>
+          </a:solidFill>
+        </p:spPr>
+        <p:style>
+          <a:lnRef idx="2">
+            <a:schemeClr val="accent1">
+              <a:shade val="50000"/>
+            </a:schemeClr>
+          </a:lnRef>
+          <a:fillRef idx="1">
+            <a:schemeClr val="accent1"/>
+          </a:fillRef>
+          <a:effectRef idx="0">
+            <a:schemeClr val="accent1"/>
+          </a:effectRef>
+          <a:fontRef idx="minor">
+            <a:schemeClr val="lt1"/>
+          </a:fontRef>
+        </p:style>
+        <p:txBody>
+          <a:bodyPr rtlCol="0" anchor="ctr"/>
+          <a:lstStyle/>
+          <a:p>
+            <a:pPr algn="ctr"/>
+            <a:endParaRPr lang="ko-KR" altLang="en-US"/>
+          </a:p>
+        </p:txBody>
+      </p:sp>
+      <p:sp>
+        <p:nvSpPr>
+          <p:cNvPr id="58" name="이등변 삼각형 57">
+            <a:extLst>
+              <a:ext uri="{FF2B5EF4-FFF2-40B4-BE49-F238E27FC236}">
+                <a16:creationId xmlns:a16="http://schemas.microsoft.com/office/drawing/2014/main" id="{6F76AFF9-7F1B-79F1-80E9-2EF5CA5290CC}"/>
+              </a:ext>
+            </a:extLst>
+          </p:cNvPr>
+          <p:cNvSpPr/>
+          <p:nvPr/>
+        </p:nvSpPr>
+        <p:spPr>
+          <a:xfrm rot="10800000">
+            <a:off x="9644247" y="1408031"/>
+            <a:ext cx="142500" cy="122845"/>
+          </a:xfrm>
+          <a:prstGeom prst="triangle">
+            <a:avLst/>
+          </a:prstGeom>
+          <a:solidFill>
+            <a:schemeClr val="tx1"/>
+          </a:solidFill>
+        </p:spPr>
+        <p:style>
+          <a:lnRef idx="2">
+            <a:schemeClr val="accent1">
+              <a:shade val="50000"/>
+            </a:schemeClr>
+          </a:lnRef>
+          <a:fillRef idx="1">
+            <a:schemeClr val="accent1"/>
+          </a:fillRef>
+          <a:effectRef idx="0">
+            <a:schemeClr val="accent1"/>
+          </a:effectRef>
+          <a:fontRef idx="minor">
+            <a:schemeClr val="lt1"/>
+          </a:fontRef>
+        </p:style>
+        <p:txBody>
+          <a:bodyPr rtlCol="0" anchor="ctr"/>
+          <a:lstStyle/>
+          <a:p>
+            <a:pPr algn="ctr"/>
+            <a:endParaRPr lang="ko-KR" altLang="en-US"/>
+          </a:p>
+        </p:txBody>
+      </p:sp>
+      <p:sp>
+        <p:nvSpPr>
+          <p:cNvPr id="59" name="이등변 삼각형 58">
+            <a:extLst>
+              <a:ext uri="{FF2B5EF4-FFF2-40B4-BE49-F238E27FC236}">
+                <a16:creationId xmlns:a16="http://schemas.microsoft.com/office/drawing/2014/main" id="{84483B63-667C-7317-D631-336E3F1A5E30}"/>
+              </a:ext>
+            </a:extLst>
+          </p:cNvPr>
+          <p:cNvSpPr/>
+          <p:nvPr/>
+        </p:nvSpPr>
+        <p:spPr>
+          <a:xfrm rot="10800000">
+            <a:off x="9644247" y="1712248"/>
+            <a:ext cx="142500" cy="122845"/>
+          </a:xfrm>
+          <a:prstGeom prst="triangle">
+            <a:avLst/>
+          </a:prstGeom>
+          <a:solidFill>
+            <a:schemeClr val="tx1"/>
+          </a:solidFill>
+        </p:spPr>
+        <p:style>
+          <a:lnRef idx="2">
+            <a:schemeClr val="accent1">
+              <a:shade val="50000"/>
+            </a:schemeClr>
+          </a:lnRef>
+          <a:fillRef idx="1">
+            <a:schemeClr val="accent1"/>
+          </a:fillRef>
+          <a:effectRef idx="0">
+            <a:schemeClr val="accent1"/>
+          </a:effectRef>
+          <a:fontRef idx="minor">
+            <a:schemeClr val="lt1"/>
+          </a:fontRef>
+        </p:style>
+        <p:txBody>
+          <a:bodyPr rtlCol="0" anchor="ctr"/>
+          <a:lstStyle/>
+          <a:p>
+            <a:pPr algn="ctr"/>
+            <a:endParaRPr lang="ko-KR" altLang="en-US"/>
+          </a:p>
+        </p:txBody>
+      </p:sp>
+      <p:sp>
+        <p:nvSpPr>
+          <p:cNvPr id="60" name="이등변 삼각형 59">
+            <a:extLst>
+              <a:ext uri="{FF2B5EF4-FFF2-40B4-BE49-F238E27FC236}">
+                <a16:creationId xmlns:a16="http://schemas.microsoft.com/office/drawing/2014/main" id="{7B5A3B5B-66CF-7C18-1606-21900D1001E3}"/>
+              </a:ext>
+            </a:extLst>
+          </p:cNvPr>
+          <p:cNvSpPr/>
+          <p:nvPr/>
+        </p:nvSpPr>
+        <p:spPr>
+          <a:xfrm rot="10800000">
+            <a:off x="9644247" y="2027011"/>
+            <a:ext cx="142500" cy="122845"/>
+          </a:xfrm>
+          <a:prstGeom prst="triangle">
+            <a:avLst/>
+          </a:prstGeom>
+          <a:solidFill>
+            <a:schemeClr val="tx1"/>
+          </a:solidFill>
+        </p:spPr>
+        <p:style>
+          <a:lnRef idx="2">
+            <a:schemeClr val="accent1">
+              <a:shade val="50000"/>
+            </a:schemeClr>
+          </a:lnRef>
+          <a:fillRef idx="1">
+            <a:schemeClr val="accent1"/>
+          </a:fillRef>
+          <a:effectRef idx="0">
+            <a:schemeClr val="accent1"/>
+          </a:effectRef>
+          <a:fontRef idx="minor">
+            <a:schemeClr val="lt1"/>
+          </a:fontRef>
+        </p:style>
+        <p:txBody>
+          <a:bodyPr rtlCol="0" anchor="ctr"/>
+          <a:lstStyle/>
+          <a:p>
+            <a:pPr algn="ctr"/>
+            <a:endParaRPr lang="ko-KR" altLang="en-US"/>
+          </a:p>
+        </p:txBody>
+      </p:sp>
+      <p:sp>
+        <p:nvSpPr>
+          <p:cNvPr id="61" name="직사각형 60">
+            <a:extLst>
+              <a:ext uri="{FF2B5EF4-FFF2-40B4-BE49-F238E27FC236}">
+                <a16:creationId xmlns:a16="http://schemas.microsoft.com/office/drawing/2014/main" id="{308AC4E6-B926-907E-BB46-EE2093F82FC9}"/>
+              </a:ext>
+            </a:extLst>
+          </p:cNvPr>
+          <p:cNvSpPr/>
+          <p:nvPr/>
+        </p:nvSpPr>
+        <p:spPr>
+          <a:xfrm>
+            <a:off x="732027" y="4248328"/>
+            <a:ext cx="1065402" cy="302004"/>
+          </a:xfrm>
+          <a:prstGeom prst="rect">
+            <a:avLst/>
+          </a:prstGeom>
+          <a:solidFill>
+            <a:schemeClr val="bg2">
+              <a:lumMod val="25000"/>
+            </a:schemeClr>
+          </a:solidFill>
+          <a:ln>
+            <a:solidFill>
+              <a:schemeClr val="tx1">
+                <a:lumMod val="50000"/>
+                <a:lumOff val="50000"/>
+              </a:schemeClr>
+            </a:solidFill>
+          </a:ln>
+        </p:spPr>
+        <p:style>
+          <a:lnRef idx="2">
+            <a:schemeClr val="accent1">
+              <a:shade val="50000"/>
+            </a:schemeClr>
+          </a:lnRef>
+          <a:fillRef idx="1">
+            <a:schemeClr val="accent1"/>
+          </a:fillRef>
+          <a:effectRef idx="0">
+            <a:schemeClr val="accent1"/>
+          </a:effectRef>
+          <a:fontRef idx="minor">
+            <a:schemeClr val="lt1"/>
+          </a:fontRef>
+        </p:style>
+        <p:txBody>
+          <a:bodyPr rtlCol="0" anchor="ctr"/>
+          <a:lstStyle/>
+          <a:p>
+            <a:pPr algn="ctr"/>
+            <a:endParaRPr lang="ko-KR" altLang="en-US"/>
+          </a:p>
+        </p:txBody>
+      </p:sp>
+      <p:sp>
+        <p:nvSpPr>
+          <p:cNvPr id="62" name="타원 61">
+            <a:extLst>
+              <a:ext uri="{FF2B5EF4-FFF2-40B4-BE49-F238E27FC236}">
+                <a16:creationId xmlns:a16="http://schemas.microsoft.com/office/drawing/2014/main" id="{9595F8BA-8FDA-DE25-E7F5-79A0F3021927}"/>
+              </a:ext>
+            </a:extLst>
+          </p:cNvPr>
+          <p:cNvSpPr/>
+          <p:nvPr/>
+        </p:nvSpPr>
+        <p:spPr>
+          <a:xfrm>
+            <a:off x="809221" y="4437150"/>
+            <a:ext cx="58723" cy="58723"/>
+          </a:xfrm>
+          <a:prstGeom prst="ellipse">
+            <a:avLst/>
+          </a:prstGeom>
+          <a:solidFill>
+            <a:srgbClr val="0070C0"/>
+          </a:solidFill>
+          <a:ln w="6350">
+            <a:solidFill>
+              <a:schemeClr val="bg1"/>
+            </a:solidFill>
+          </a:ln>
+        </p:spPr>
+        <p:style>
+          <a:lnRef idx="2">
+            <a:schemeClr val="accent1">
+              <a:shade val="50000"/>
+            </a:schemeClr>
+          </a:lnRef>
+          <a:fillRef idx="1">
+            <a:schemeClr val="accent1"/>
+          </a:fillRef>
+          <a:effectRef idx="0">
+            <a:schemeClr val="accent1"/>
+          </a:effectRef>
+          <a:fontRef idx="minor">
+            <a:schemeClr val="lt1"/>
+          </a:fontRef>
+        </p:style>
+        <p:txBody>
+          <a:bodyPr rtlCol="0" anchor="ctr"/>
+          <a:lstStyle/>
+          <a:p>
+            <a:pPr algn="ctr"/>
+            <a:endParaRPr lang="ko-KR" altLang="en-US"/>
+          </a:p>
+        </p:txBody>
+      </p:sp>
+      <p:sp>
+        <p:nvSpPr>
+          <p:cNvPr id="63" name="직사각형 62">
+            <a:extLst>
+              <a:ext uri="{FF2B5EF4-FFF2-40B4-BE49-F238E27FC236}">
+                <a16:creationId xmlns:a16="http://schemas.microsoft.com/office/drawing/2014/main" id="{1E4ECB7A-F82C-3880-C411-D5DD45CFE9B6}"/>
+              </a:ext>
+            </a:extLst>
+          </p:cNvPr>
+          <p:cNvSpPr/>
+          <p:nvPr/>
+        </p:nvSpPr>
+        <p:spPr>
+          <a:xfrm>
+            <a:off x="732027" y="6634031"/>
+            <a:ext cx="1065402" cy="217623"/>
+          </a:xfrm>
+          <a:prstGeom prst="rect">
+            <a:avLst/>
+          </a:prstGeom>
+          <a:solidFill>
+            <a:schemeClr val="bg2">
+              <a:lumMod val="25000"/>
+            </a:schemeClr>
+          </a:solidFill>
+          <a:ln>
+            <a:solidFill>
+              <a:schemeClr val="tx1">
+                <a:lumMod val="50000"/>
+                <a:lumOff val="50000"/>
+              </a:schemeClr>
+            </a:solidFill>
+          </a:ln>
+        </p:spPr>
+        <p:style>
+          <a:lnRef idx="2">
+            <a:schemeClr val="accent1">
+              <a:shade val="50000"/>
+            </a:schemeClr>
+          </a:lnRef>
+          <a:fillRef idx="1">
+            <a:schemeClr val="accent1"/>
+          </a:fillRef>
+          <a:effectRef idx="0">
+            <a:schemeClr val="accent1"/>
+          </a:effectRef>
+          <a:fontRef idx="minor">
+            <a:schemeClr val="lt1"/>
+          </a:fontRef>
+        </p:style>
+        <p:txBody>
+          <a:bodyPr rtlCol="0" anchor="ctr"/>
+          <a:lstStyle/>
+          <a:p>
+            <a:pPr algn="ctr"/>
+            <a:endParaRPr lang="ko-KR" altLang="en-US"/>
+          </a:p>
+        </p:txBody>
+      </p:sp>
+      <p:sp>
+        <p:nvSpPr>
+          <p:cNvPr id="64" name="타원 63">
+            <a:extLst>
+              <a:ext uri="{FF2B5EF4-FFF2-40B4-BE49-F238E27FC236}">
+                <a16:creationId xmlns:a16="http://schemas.microsoft.com/office/drawing/2014/main" id="{27B685DD-B82F-8841-6CC7-C1CADA7FD7D7}"/>
+              </a:ext>
+            </a:extLst>
+          </p:cNvPr>
+          <p:cNvSpPr/>
+          <p:nvPr/>
+        </p:nvSpPr>
+        <p:spPr>
+          <a:xfrm>
+            <a:off x="809221" y="6822853"/>
+            <a:ext cx="58723" cy="58723"/>
+          </a:xfrm>
+          <a:prstGeom prst="ellipse">
+            <a:avLst/>
+          </a:prstGeom>
+          <a:solidFill>
+            <a:srgbClr val="00B050"/>
+          </a:solidFill>
+          <a:ln w="6350">
+            <a:solidFill>
+              <a:schemeClr val="bg1"/>
+            </a:solidFill>
+          </a:ln>
+        </p:spPr>
+        <p:style>
+          <a:lnRef idx="2">
+            <a:schemeClr val="accent1">
+              <a:shade val="50000"/>
+            </a:schemeClr>
+          </a:lnRef>
+          <a:fillRef idx="1">
+            <a:schemeClr val="accent1"/>
+          </a:fillRef>
+          <a:effectRef idx="0">
+            <a:schemeClr val="accent1"/>
+          </a:effectRef>
+          <a:fontRef idx="minor">
+            <a:schemeClr val="lt1"/>
+          </a:fontRef>
+        </p:style>
+        <p:txBody>
+          <a:bodyPr rtlCol="0" anchor="ctr"/>
+          <a:lstStyle/>
+          <a:p>
+            <a:pPr algn="ctr"/>
+            <a:endParaRPr lang="ko-KR" altLang="en-US"/>
+          </a:p>
+        </p:txBody>
+      </p:sp>
+      <p:sp>
+        <p:nvSpPr>
+          <p:cNvPr id="65" name="직사각형 64">
+            <a:extLst>
+              <a:ext uri="{FF2B5EF4-FFF2-40B4-BE49-F238E27FC236}">
+                <a16:creationId xmlns:a16="http://schemas.microsoft.com/office/drawing/2014/main" id="{EB960753-680A-5203-81BD-6407D2659DD2}"/>
+              </a:ext>
+            </a:extLst>
+          </p:cNvPr>
+          <p:cNvSpPr/>
+          <p:nvPr/>
+        </p:nvSpPr>
+        <p:spPr>
+          <a:xfrm>
+            <a:off x="2428875" y="3042057"/>
+            <a:ext cx="8687726" cy="1833002"/>
+          </a:xfrm>
+          <a:prstGeom prst="rect">
+            <a:avLst/>
+          </a:prstGeom>
+          <a:noFill/>
+        </p:spPr>
+        <p:style>
+          <a:lnRef idx="2">
+            <a:schemeClr val="accent1">
+              <a:shade val="50000"/>
+            </a:schemeClr>
+          </a:lnRef>
+          <a:fillRef idx="1">
+            <a:schemeClr val="accent1"/>
+          </a:fillRef>
+          <a:effectRef idx="0">
+            <a:schemeClr val="accent1"/>
+          </a:effectRef>
+          <a:fontRef idx="minor">
+            <a:schemeClr val="lt1"/>
+          </a:fontRef>
+        </p:style>
+        <p:txBody>
+          <a:bodyPr rtlCol="0" anchor="ctr"/>
+          <a:lstStyle/>
+          <a:p>
+            <a:pPr algn="ctr"/>
+            <a:endParaRPr lang="ko-KR" altLang="en-US"/>
+          </a:p>
+        </p:txBody>
+      </p:sp>
+      <p:sp>
+        <p:nvSpPr>
+          <p:cNvPr id="66" name="직사각형 65">
+            <a:extLst>
+              <a:ext uri="{FF2B5EF4-FFF2-40B4-BE49-F238E27FC236}">
+                <a16:creationId xmlns:a16="http://schemas.microsoft.com/office/drawing/2014/main" id="{1A7752F9-27EA-D5C8-07D0-588171FD0F92}"/>
+              </a:ext>
+            </a:extLst>
+          </p:cNvPr>
+          <p:cNvSpPr/>
+          <p:nvPr/>
+        </p:nvSpPr>
+        <p:spPr>
+          <a:xfrm>
+            <a:off x="2428875" y="3042056"/>
+            <a:ext cx="866775" cy="302004"/>
+          </a:xfrm>
+          <a:prstGeom prst="rect">
+            <a:avLst/>
+          </a:prstGeom>
+          <a:noFill/>
+        </p:spPr>
+        <p:style>
+          <a:lnRef idx="2">
+            <a:schemeClr val="accent1">
+              <a:shade val="50000"/>
+            </a:schemeClr>
+          </a:lnRef>
+          <a:fillRef idx="1">
+            <a:schemeClr val="accent1"/>
+          </a:fillRef>
+          <a:effectRef idx="0">
+            <a:schemeClr val="accent1"/>
+          </a:effectRef>
+          <a:fontRef idx="minor">
+            <a:schemeClr val="lt1"/>
+          </a:fontRef>
+        </p:style>
+        <p:txBody>
+          <a:bodyPr rtlCol="0" anchor="ctr"/>
+          <a:lstStyle/>
+          <a:p>
+            <a:pPr algn="ctr"/>
+            <a:r>
+              <a:rPr lang="ko-KR" altLang="en-US" sz="1100" dirty="0">
+                <a:solidFill>
+                  <a:schemeClr val="tx1"/>
+                </a:solidFill>
+              </a:rPr>
+              <a:t>사용여부</a:t>
+            </a:r>
+          </a:p>
+        </p:txBody>
+      </p:sp>
+      <p:sp>
+        <p:nvSpPr>
+          <p:cNvPr id="67" name="직사각형 66">
+            <a:extLst>
+              <a:ext uri="{FF2B5EF4-FFF2-40B4-BE49-F238E27FC236}">
+                <a16:creationId xmlns:a16="http://schemas.microsoft.com/office/drawing/2014/main" id="{07DFDCB7-5F05-55A8-BFD4-87FB7D8E43EF}"/>
+              </a:ext>
+            </a:extLst>
+          </p:cNvPr>
+          <p:cNvSpPr/>
+          <p:nvPr/>
+        </p:nvSpPr>
+        <p:spPr>
+          <a:xfrm>
+            <a:off x="3295650" y="3042056"/>
+            <a:ext cx="6562725" cy="302004"/>
+          </a:xfrm>
+          <a:prstGeom prst="rect">
+            <a:avLst/>
+          </a:prstGeom>
+          <a:noFill/>
+        </p:spPr>
+        <p:style>
+          <a:lnRef idx="2">
+            <a:schemeClr val="accent1">
+              <a:shade val="50000"/>
+            </a:schemeClr>
+          </a:lnRef>
+          <a:fillRef idx="1">
+            <a:schemeClr val="accent1"/>
+          </a:fillRef>
+          <a:effectRef idx="0">
+            <a:schemeClr val="accent1"/>
+          </a:effectRef>
+          <a:fontRef idx="minor">
+            <a:schemeClr val="lt1"/>
+          </a:fontRef>
+        </p:style>
+        <p:txBody>
+          <a:bodyPr rtlCol="0" anchor="ctr"/>
+          <a:lstStyle/>
+          <a:p>
+            <a:pPr algn="ctr"/>
+            <a:r>
+              <a:rPr lang="ko-KR" altLang="en-US" sz="1100" dirty="0">
+                <a:solidFill>
+                  <a:schemeClr val="tx1"/>
+                </a:solidFill>
+              </a:rPr>
+              <a:t>서버</a:t>
+            </a:r>
+          </a:p>
+        </p:txBody>
+      </p:sp>
+      <p:sp>
+        <p:nvSpPr>
+          <p:cNvPr id="70" name="직사각형 69">
+            <a:extLst>
+              <a:ext uri="{FF2B5EF4-FFF2-40B4-BE49-F238E27FC236}">
+                <a16:creationId xmlns:a16="http://schemas.microsoft.com/office/drawing/2014/main" id="{557EDB87-5E0D-A776-DF01-4C89752934A9}"/>
+              </a:ext>
+            </a:extLst>
+          </p:cNvPr>
+          <p:cNvSpPr/>
+          <p:nvPr/>
+        </p:nvSpPr>
+        <p:spPr>
+          <a:xfrm>
+            <a:off x="9859286" y="3038213"/>
+            <a:ext cx="1257315" cy="302004"/>
+          </a:xfrm>
+          <a:prstGeom prst="rect">
+            <a:avLst/>
+          </a:prstGeom>
+          <a:noFill/>
+        </p:spPr>
+        <p:style>
+          <a:lnRef idx="2">
+            <a:schemeClr val="accent1">
+              <a:shade val="50000"/>
+            </a:schemeClr>
+          </a:lnRef>
+          <a:fillRef idx="1">
+            <a:schemeClr val="accent1"/>
+          </a:fillRef>
+          <a:effectRef idx="0">
+            <a:schemeClr val="accent1"/>
+          </a:effectRef>
+          <a:fontRef idx="minor">
+            <a:schemeClr val="lt1"/>
+          </a:fontRef>
+        </p:style>
+        <p:txBody>
+          <a:bodyPr rtlCol="0" anchor="ctr"/>
+          <a:lstStyle/>
+          <a:p>
+            <a:pPr algn="ctr"/>
+            <a:r>
+              <a:rPr lang="ko-KR" altLang="en-US" sz="1100" dirty="0">
+                <a:solidFill>
+                  <a:schemeClr val="tx1"/>
+                </a:solidFill>
+              </a:rPr>
+              <a:t>비고</a:t>
+            </a:r>
+          </a:p>
+        </p:txBody>
+      </p:sp>
+      <p:sp>
+        <p:nvSpPr>
+          <p:cNvPr id="71" name="직사각형 70">
+            <a:extLst>
+              <a:ext uri="{FF2B5EF4-FFF2-40B4-BE49-F238E27FC236}">
+                <a16:creationId xmlns:a16="http://schemas.microsoft.com/office/drawing/2014/main" id="{B38DCE71-6E78-81DE-B169-8B23952E3940}"/>
+              </a:ext>
+            </a:extLst>
+          </p:cNvPr>
+          <p:cNvSpPr/>
+          <p:nvPr/>
+        </p:nvSpPr>
+        <p:spPr>
+          <a:xfrm>
+            <a:off x="2428419" y="3346856"/>
+            <a:ext cx="866775" cy="302004"/>
+          </a:xfrm>
+          <a:prstGeom prst="rect">
+            <a:avLst/>
+          </a:prstGeom>
+          <a:noFill/>
+        </p:spPr>
+        <p:style>
+          <a:lnRef idx="2">
+            <a:schemeClr val="accent1">
+              <a:shade val="50000"/>
+            </a:schemeClr>
+          </a:lnRef>
+          <a:fillRef idx="1">
+            <a:schemeClr val="accent1"/>
+          </a:fillRef>
+          <a:effectRef idx="0">
+            <a:schemeClr val="accent1"/>
+          </a:effectRef>
+          <a:fontRef idx="minor">
+            <a:schemeClr val="lt1"/>
+          </a:fontRef>
+        </p:style>
+        <p:txBody>
+          <a:bodyPr rtlCol="0" anchor="ctr"/>
+          <a:lstStyle/>
+          <a:p>
+            <a:pPr algn="r"/>
+            <a:r>
+              <a:rPr lang="ko-KR" altLang="en-US" sz="800" dirty="0" err="1">
+                <a:solidFill>
+                  <a:schemeClr val="tx1"/>
+                </a:solidFill>
+              </a:rPr>
+              <a:t>사용중</a:t>
+            </a:r>
+            <a:endParaRPr lang="ko-KR" altLang="en-US" sz="800" dirty="0">
+              <a:solidFill>
+                <a:schemeClr val="tx1"/>
+              </a:solidFill>
+            </a:endParaRPr>
+          </a:p>
+        </p:txBody>
+      </p:sp>
+      <p:sp>
+        <p:nvSpPr>
+          <p:cNvPr id="72" name="직사각형 71">
+            <a:extLst>
+              <a:ext uri="{FF2B5EF4-FFF2-40B4-BE49-F238E27FC236}">
+                <a16:creationId xmlns:a16="http://schemas.microsoft.com/office/drawing/2014/main" id="{2D61D5A8-E9BC-58D4-84D7-6DC600D1542E}"/>
+              </a:ext>
+            </a:extLst>
+          </p:cNvPr>
+          <p:cNvSpPr/>
+          <p:nvPr/>
+        </p:nvSpPr>
+        <p:spPr>
+          <a:xfrm>
+            <a:off x="2427963" y="3648571"/>
+            <a:ext cx="866775" cy="302004"/>
+          </a:xfrm>
+          <a:prstGeom prst="rect">
+            <a:avLst/>
+          </a:prstGeom>
+          <a:noFill/>
+        </p:spPr>
+        <p:style>
+          <a:lnRef idx="2">
+            <a:schemeClr val="accent1">
+              <a:shade val="50000"/>
+            </a:schemeClr>
+          </a:lnRef>
+          <a:fillRef idx="1">
+            <a:schemeClr val="accent1"/>
+          </a:fillRef>
+          <a:effectRef idx="0">
+            <a:schemeClr val="accent1"/>
+          </a:effectRef>
+          <a:fontRef idx="minor">
+            <a:schemeClr val="lt1"/>
+          </a:fontRef>
+        </p:style>
+        <p:txBody>
+          <a:bodyPr rtlCol="0" anchor="ctr"/>
+          <a:lstStyle/>
+          <a:p>
+            <a:pPr algn="r"/>
+            <a:r>
+              <a:rPr lang="ko-KR" altLang="en-US" sz="800" dirty="0" err="1">
+                <a:solidFill>
+                  <a:schemeClr val="tx1"/>
+                </a:solidFill>
+              </a:rPr>
+              <a:t>사용중</a:t>
+            </a:r>
+            <a:endParaRPr lang="ko-KR" altLang="en-US" sz="800" dirty="0">
+              <a:solidFill>
+                <a:schemeClr val="tx1"/>
+              </a:solidFill>
+            </a:endParaRPr>
+          </a:p>
+        </p:txBody>
+      </p:sp>
+      <p:sp>
+        <p:nvSpPr>
+          <p:cNvPr id="73" name="직사각형 72">
+            <a:extLst>
+              <a:ext uri="{FF2B5EF4-FFF2-40B4-BE49-F238E27FC236}">
+                <a16:creationId xmlns:a16="http://schemas.microsoft.com/office/drawing/2014/main" id="{95663E3A-E11F-1AF2-8963-AE13840E2FA0}"/>
+              </a:ext>
+            </a:extLst>
+          </p:cNvPr>
+          <p:cNvSpPr/>
+          <p:nvPr/>
+        </p:nvSpPr>
+        <p:spPr>
+          <a:xfrm>
+            <a:off x="2427963" y="3954918"/>
+            <a:ext cx="866775" cy="302004"/>
+          </a:xfrm>
+          <a:prstGeom prst="rect">
+            <a:avLst/>
+          </a:prstGeom>
+          <a:noFill/>
+        </p:spPr>
+        <p:style>
+          <a:lnRef idx="2">
+            <a:schemeClr val="accent1">
+              <a:shade val="50000"/>
+            </a:schemeClr>
+          </a:lnRef>
+          <a:fillRef idx="1">
+            <a:schemeClr val="accent1"/>
+          </a:fillRef>
+          <a:effectRef idx="0">
+            <a:schemeClr val="accent1"/>
+          </a:effectRef>
+          <a:fontRef idx="minor">
+            <a:schemeClr val="lt1"/>
+          </a:fontRef>
+        </p:style>
+        <p:txBody>
+          <a:bodyPr rtlCol="0" anchor="ctr"/>
+          <a:lstStyle/>
+          <a:p>
+            <a:pPr algn="r"/>
+            <a:r>
+              <a:rPr lang="ko-KR" altLang="en-US" sz="800" dirty="0" err="1">
+                <a:solidFill>
+                  <a:schemeClr val="tx1"/>
+                </a:solidFill>
+              </a:rPr>
+              <a:t>사용안함</a:t>
+            </a:r>
+            <a:endParaRPr lang="ko-KR" altLang="en-US" sz="800" dirty="0">
+              <a:solidFill>
+                <a:schemeClr val="tx1"/>
+              </a:solidFill>
+            </a:endParaRPr>
+          </a:p>
+        </p:txBody>
+      </p:sp>
+      <p:sp>
+        <p:nvSpPr>
+          <p:cNvPr id="74" name="직사각형 73">
+            <a:extLst>
+              <a:ext uri="{FF2B5EF4-FFF2-40B4-BE49-F238E27FC236}">
+                <a16:creationId xmlns:a16="http://schemas.microsoft.com/office/drawing/2014/main" id="{7DCD5E47-9D1D-7753-92B3-9A5AA98AA158}"/>
+              </a:ext>
+            </a:extLst>
+          </p:cNvPr>
+          <p:cNvSpPr/>
+          <p:nvPr/>
+        </p:nvSpPr>
+        <p:spPr>
+          <a:xfrm>
+            <a:off x="2427963" y="4261265"/>
+            <a:ext cx="866775" cy="302004"/>
+          </a:xfrm>
+          <a:prstGeom prst="rect">
+            <a:avLst/>
+          </a:prstGeom>
+          <a:noFill/>
+        </p:spPr>
+        <p:style>
+          <a:lnRef idx="2">
+            <a:schemeClr val="accent1">
+              <a:shade val="50000"/>
+            </a:schemeClr>
+          </a:lnRef>
+          <a:fillRef idx="1">
+            <a:schemeClr val="accent1"/>
+          </a:fillRef>
+          <a:effectRef idx="0">
+            <a:schemeClr val="accent1"/>
+          </a:effectRef>
+          <a:fontRef idx="minor">
+            <a:schemeClr val="lt1"/>
+          </a:fontRef>
+        </p:style>
+        <p:txBody>
+          <a:bodyPr rtlCol="0" anchor="ctr"/>
+          <a:lstStyle/>
+          <a:p>
+            <a:pPr algn="r"/>
+            <a:r>
+              <a:rPr lang="ko-KR" altLang="en-US" sz="800" dirty="0" err="1">
+                <a:solidFill>
+                  <a:schemeClr val="tx1"/>
+                </a:solidFill>
+              </a:rPr>
+              <a:t>사용중</a:t>
+            </a:r>
+            <a:endParaRPr lang="ko-KR" altLang="en-US" sz="800" dirty="0">
+              <a:solidFill>
+                <a:schemeClr val="tx1"/>
+              </a:solidFill>
+            </a:endParaRPr>
+          </a:p>
+        </p:txBody>
+      </p:sp>
+      <p:sp>
+        <p:nvSpPr>
+          <p:cNvPr id="75" name="타원 74">
+            <a:extLst>
+              <a:ext uri="{FF2B5EF4-FFF2-40B4-BE49-F238E27FC236}">
+                <a16:creationId xmlns:a16="http://schemas.microsoft.com/office/drawing/2014/main" id="{5E9AE252-52DC-2728-673A-548DA77CFC15}"/>
+              </a:ext>
+            </a:extLst>
+          </p:cNvPr>
+          <p:cNvSpPr/>
+          <p:nvPr/>
+        </p:nvSpPr>
+        <p:spPr>
+          <a:xfrm>
+            <a:off x="2531446" y="3404719"/>
+            <a:ext cx="141904" cy="141904"/>
+          </a:xfrm>
+          <a:prstGeom prst="ellipse">
+            <a:avLst/>
+          </a:prstGeom>
+          <a:solidFill>
+            <a:srgbClr val="00B050"/>
+          </a:solidFill>
+          <a:ln w="6350">
+            <a:solidFill>
+              <a:schemeClr val="bg1"/>
+            </a:solidFill>
+          </a:ln>
+        </p:spPr>
+        <p:style>
+          <a:lnRef idx="2">
+            <a:schemeClr val="accent1">
+              <a:shade val="50000"/>
+            </a:schemeClr>
+          </a:lnRef>
+          <a:fillRef idx="1">
+            <a:schemeClr val="accent1"/>
+          </a:fillRef>
+          <a:effectRef idx="0">
+            <a:schemeClr val="accent1"/>
+          </a:effectRef>
+          <a:fontRef idx="minor">
+            <a:schemeClr val="lt1"/>
+          </a:fontRef>
+        </p:style>
+        <p:txBody>
+          <a:bodyPr rtlCol="0" anchor="ctr"/>
+          <a:lstStyle/>
+          <a:p>
+            <a:pPr algn="ctr"/>
+            <a:endParaRPr lang="ko-KR" altLang="en-US"/>
+          </a:p>
+        </p:txBody>
+      </p:sp>
+      <p:sp>
+        <p:nvSpPr>
+          <p:cNvPr id="76" name="타원 75">
+            <a:extLst>
+              <a:ext uri="{FF2B5EF4-FFF2-40B4-BE49-F238E27FC236}">
+                <a16:creationId xmlns:a16="http://schemas.microsoft.com/office/drawing/2014/main" id="{010C07C1-4253-F32C-DB1F-20BA8BA6F273}"/>
+              </a:ext>
+            </a:extLst>
+          </p:cNvPr>
+          <p:cNvSpPr/>
+          <p:nvPr/>
+        </p:nvSpPr>
+        <p:spPr>
+          <a:xfrm>
+            <a:off x="2531446" y="3728621"/>
+            <a:ext cx="141904" cy="141904"/>
+          </a:xfrm>
+          <a:prstGeom prst="ellipse">
+            <a:avLst/>
+          </a:prstGeom>
+          <a:solidFill>
+            <a:srgbClr val="0070C0"/>
+          </a:solidFill>
+          <a:ln w="6350">
+            <a:solidFill>
+              <a:schemeClr val="bg1"/>
+            </a:solidFill>
+          </a:ln>
+        </p:spPr>
+        <p:style>
+          <a:lnRef idx="2">
+            <a:schemeClr val="accent1">
+              <a:shade val="50000"/>
+            </a:schemeClr>
+          </a:lnRef>
+          <a:fillRef idx="1">
+            <a:schemeClr val="accent1"/>
+          </a:fillRef>
+          <a:effectRef idx="0">
+            <a:schemeClr val="accent1"/>
+          </a:effectRef>
+          <a:fontRef idx="minor">
+            <a:schemeClr val="lt1"/>
+          </a:fontRef>
+        </p:style>
+        <p:txBody>
+          <a:bodyPr rtlCol="0" anchor="ctr"/>
+          <a:lstStyle/>
+          <a:p>
+            <a:pPr algn="ctr"/>
+            <a:endParaRPr lang="ko-KR" altLang="en-US"/>
+          </a:p>
+        </p:txBody>
+      </p:sp>
+      <p:sp>
+        <p:nvSpPr>
+          <p:cNvPr id="77" name="타원 76">
+            <a:extLst>
+              <a:ext uri="{FF2B5EF4-FFF2-40B4-BE49-F238E27FC236}">
+                <a16:creationId xmlns:a16="http://schemas.microsoft.com/office/drawing/2014/main" id="{492ED92B-59AA-1A21-8EF4-6E244B27B423}"/>
+              </a:ext>
+            </a:extLst>
+          </p:cNvPr>
+          <p:cNvSpPr/>
+          <p:nvPr/>
+        </p:nvSpPr>
+        <p:spPr>
+          <a:xfrm>
+            <a:off x="2527859" y="4030914"/>
+            <a:ext cx="141904" cy="141904"/>
+          </a:xfrm>
+          <a:prstGeom prst="ellipse">
+            <a:avLst/>
+          </a:prstGeom>
+          <a:solidFill>
+            <a:schemeClr val="tx1"/>
+          </a:solidFill>
+          <a:ln w="6350">
+            <a:solidFill>
+              <a:schemeClr val="bg1"/>
+            </a:solidFill>
+          </a:ln>
+        </p:spPr>
+        <p:style>
+          <a:lnRef idx="2">
+            <a:schemeClr val="accent1">
+              <a:shade val="50000"/>
+            </a:schemeClr>
+          </a:lnRef>
+          <a:fillRef idx="1">
+            <a:schemeClr val="accent1"/>
+          </a:fillRef>
+          <a:effectRef idx="0">
+            <a:schemeClr val="accent1"/>
+          </a:effectRef>
+          <a:fontRef idx="minor">
+            <a:schemeClr val="lt1"/>
+          </a:fontRef>
+        </p:style>
+        <p:txBody>
+          <a:bodyPr rtlCol="0" anchor="ctr"/>
+          <a:lstStyle/>
+          <a:p>
+            <a:pPr algn="ctr"/>
+            <a:endParaRPr lang="ko-KR" altLang="en-US"/>
+          </a:p>
+        </p:txBody>
+      </p:sp>
+      <p:sp>
+        <p:nvSpPr>
+          <p:cNvPr id="78" name="타원 77">
+            <a:extLst>
+              <a:ext uri="{FF2B5EF4-FFF2-40B4-BE49-F238E27FC236}">
+                <a16:creationId xmlns:a16="http://schemas.microsoft.com/office/drawing/2014/main" id="{40B1EBF7-6924-A111-C5BF-21A7C80D6C7C}"/>
+              </a:ext>
+            </a:extLst>
+          </p:cNvPr>
+          <p:cNvSpPr/>
+          <p:nvPr/>
+        </p:nvSpPr>
+        <p:spPr>
+          <a:xfrm>
+            <a:off x="2527859" y="4332918"/>
+            <a:ext cx="141904" cy="141904"/>
+          </a:xfrm>
+          <a:prstGeom prst="ellipse">
+            <a:avLst/>
+          </a:prstGeom>
+          <a:solidFill>
+            <a:srgbClr val="0070C0"/>
+          </a:solidFill>
+          <a:ln w="6350">
+            <a:solidFill>
+              <a:schemeClr val="bg1"/>
+            </a:solidFill>
+          </a:ln>
+        </p:spPr>
+        <p:style>
+          <a:lnRef idx="2">
+            <a:schemeClr val="accent1">
+              <a:shade val="50000"/>
+            </a:schemeClr>
+          </a:lnRef>
+          <a:fillRef idx="1">
+            <a:schemeClr val="accent1"/>
+          </a:fillRef>
+          <a:effectRef idx="0">
+            <a:schemeClr val="accent1"/>
+          </a:effectRef>
+          <a:fontRef idx="minor">
+            <a:schemeClr val="lt1"/>
+          </a:fontRef>
+        </p:style>
+        <p:txBody>
+          <a:bodyPr rtlCol="0" anchor="ctr"/>
+          <a:lstStyle/>
+          <a:p>
+            <a:pPr algn="ctr"/>
+            <a:endParaRPr lang="ko-KR" altLang="en-US"/>
+          </a:p>
+        </p:txBody>
+      </p:sp>
+      <p:sp>
+        <p:nvSpPr>
+          <p:cNvPr id="79" name="직사각형 78">
+            <a:extLst>
+              <a:ext uri="{FF2B5EF4-FFF2-40B4-BE49-F238E27FC236}">
+                <a16:creationId xmlns:a16="http://schemas.microsoft.com/office/drawing/2014/main" id="{B690324D-BD10-C33C-AFFB-165955CA9BE4}"/>
+              </a:ext>
+            </a:extLst>
+          </p:cNvPr>
+          <p:cNvSpPr/>
+          <p:nvPr/>
+        </p:nvSpPr>
+        <p:spPr>
+          <a:xfrm>
+            <a:off x="3295271" y="3346856"/>
+            <a:ext cx="6562725" cy="302004"/>
+          </a:xfrm>
+          <a:prstGeom prst="rect">
+            <a:avLst/>
+          </a:prstGeom>
+          <a:noFill/>
+        </p:spPr>
+        <p:style>
+          <a:lnRef idx="2">
+            <a:schemeClr val="accent1">
+              <a:shade val="50000"/>
+            </a:schemeClr>
+          </a:lnRef>
+          <a:fillRef idx="1">
+            <a:schemeClr val="accent1"/>
+          </a:fillRef>
+          <a:effectRef idx="0">
+            <a:schemeClr val="accent1"/>
+          </a:effectRef>
+          <a:fontRef idx="minor">
+            <a:schemeClr val="lt1"/>
+          </a:fontRef>
+        </p:style>
+        <p:txBody>
+          <a:bodyPr rtlCol="0" anchor="ctr"/>
+          <a:lstStyle/>
+          <a:p>
+            <a:pPr algn="ctr"/>
+            <a:r>
+              <a:rPr lang="en-US" altLang="ko-KR" sz="1100" b="1" dirty="0">
+                <a:solidFill>
+                  <a:schemeClr val="tx1"/>
+                </a:solidFill>
+              </a:rPr>
+              <a:t>200</a:t>
+            </a:r>
+            <a:r>
+              <a:rPr lang="ko-KR" altLang="en-US" sz="1100" b="1" dirty="0">
+                <a:solidFill>
+                  <a:schemeClr val="tx1"/>
+                </a:solidFill>
+              </a:rPr>
+              <a:t> </a:t>
+            </a:r>
+            <a:r>
+              <a:rPr lang="en-US" altLang="ko-KR" sz="1100" b="1" dirty="0">
+                <a:solidFill>
+                  <a:schemeClr val="tx1"/>
+                </a:solidFill>
+              </a:rPr>
+              <a:t>(IP : 192.168.2.200)    </a:t>
+            </a:r>
+            <a:r>
+              <a:rPr lang="en-US" altLang="ko-KR" sz="1100" dirty="0">
+                <a:solidFill>
+                  <a:schemeClr val="tx1"/>
+                </a:solidFill>
+              </a:rPr>
+              <a:t>CPU : 94.1% / 80</a:t>
+            </a:r>
+            <a:r>
+              <a:rPr lang="en-US" altLang="ko-KR" sz="1100" b="1" i="0" dirty="0">
+                <a:solidFill>
+                  <a:srgbClr val="202124"/>
+                </a:solidFill>
+                <a:effectLst/>
+                <a:latin typeface="Apple SD Gothic Neo"/>
+              </a:rPr>
+              <a:t>°C</a:t>
+            </a:r>
+            <a:r>
+              <a:rPr lang="en-US" altLang="ko-KR" sz="1100" dirty="0">
+                <a:solidFill>
+                  <a:schemeClr val="tx1"/>
+                </a:solidFill>
+              </a:rPr>
+              <a:t>    RAM : 0.04% (1234/5000)</a:t>
+            </a:r>
+            <a:endParaRPr lang="ko-KR" altLang="en-US" sz="1100" dirty="0">
+              <a:solidFill>
+                <a:schemeClr val="tx1"/>
+              </a:solidFill>
+            </a:endParaRPr>
+          </a:p>
+        </p:txBody>
+      </p:sp>
+      <p:sp>
+        <p:nvSpPr>
+          <p:cNvPr id="80" name="직사각형 79">
+            <a:extLst>
+              <a:ext uri="{FF2B5EF4-FFF2-40B4-BE49-F238E27FC236}">
+                <a16:creationId xmlns:a16="http://schemas.microsoft.com/office/drawing/2014/main" id="{48A090D5-907F-C943-A316-76EAEFD5A003}"/>
+              </a:ext>
+            </a:extLst>
+          </p:cNvPr>
+          <p:cNvSpPr/>
+          <p:nvPr/>
+        </p:nvSpPr>
+        <p:spPr>
+          <a:xfrm>
+            <a:off x="3295271" y="3651384"/>
+            <a:ext cx="6562725" cy="302004"/>
+          </a:xfrm>
+          <a:prstGeom prst="rect">
+            <a:avLst/>
+          </a:prstGeom>
+          <a:noFill/>
+        </p:spPr>
+        <p:style>
+          <a:lnRef idx="2">
+            <a:schemeClr val="accent1">
+              <a:shade val="50000"/>
+            </a:schemeClr>
+          </a:lnRef>
+          <a:fillRef idx="1">
+            <a:schemeClr val="accent1"/>
+          </a:fillRef>
+          <a:effectRef idx="0">
+            <a:schemeClr val="accent1"/>
+          </a:effectRef>
+          <a:fontRef idx="minor">
+            <a:schemeClr val="lt1"/>
+          </a:fontRef>
+        </p:style>
+        <p:txBody>
+          <a:bodyPr rtlCol="0" anchor="ctr"/>
+          <a:lstStyle/>
+          <a:p>
+            <a:pPr algn="ctr"/>
+            <a:r>
+              <a:rPr lang="en-US" altLang="ko-KR" sz="1100" b="1" dirty="0">
+                <a:solidFill>
+                  <a:schemeClr val="tx1"/>
+                </a:solidFill>
+              </a:rPr>
+              <a:t>201</a:t>
+            </a:r>
+            <a:r>
+              <a:rPr lang="ko-KR" altLang="en-US" sz="1100" b="1" dirty="0">
+                <a:solidFill>
+                  <a:schemeClr val="tx1"/>
+                </a:solidFill>
+              </a:rPr>
+              <a:t> </a:t>
+            </a:r>
+            <a:r>
+              <a:rPr lang="en-US" altLang="ko-KR" sz="1100" b="1" dirty="0">
+                <a:solidFill>
+                  <a:schemeClr val="tx1"/>
+                </a:solidFill>
+              </a:rPr>
+              <a:t>(IP : 192.168.2.201)    </a:t>
+            </a:r>
+            <a:r>
+              <a:rPr lang="en-US" altLang="ko-KR" sz="1100" dirty="0">
+                <a:solidFill>
+                  <a:schemeClr val="tx1"/>
+                </a:solidFill>
+              </a:rPr>
+              <a:t>CPU : 94.1% / 80</a:t>
+            </a:r>
+            <a:r>
+              <a:rPr lang="en-US" altLang="ko-KR" sz="1100" b="1" i="0" dirty="0">
+                <a:solidFill>
+                  <a:srgbClr val="202124"/>
+                </a:solidFill>
+                <a:effectLst/>
+                <a:latin typeface="Apple SD Gothic Neo"/>
+              </a:rPr>
+              <a:t>°C</a:t>
+            </a:r>
+            <a:r>
+              <a:rPr lang="en-US" altLang="ko-KR" sz="1100" dirty="0">
+                <a:solidFill>
+                  <a:schemeClr val="tx1"/>
+                </a:solidFill>
+              </a:rPr>
+              <a:t>    RAM : 0.04% (1234/5000)</a:t>
+            </a:r>
+            <a:endParaRPr lang="ko-KR" altLang="en-US" sz="1100" dirty="0">
+              <a:solidFill>
+                <a:schemeClr val="tx1"/>
+              </a:solidFill>
+            </a:endParaRPr>
+          </a:p>
+        </p:txBody>
+      </p:sp>
+      <p:sp>
+        <p:nvSpPr>
+          <p:cNvPr id="81" name="직사각형 80">
+            <a:extLst>
+              <a:ext uri="{FF2B5EF4-FFF2-40B4-BE49-F238E27FC236}">
+                <a16:creationId xmlns:a16="http://schemas.microsoft.com/office/drawing/2014/main" id="{8E586FCF-3CD9-FEC8-3860-CD8A39CA25EA}"/>
+              </a:ext>
+            </a:extLst>
+          </p:cNvPr>
+          <p:cNvSpPr/>
+          <p:nvPr/>
+        </p:nvSpPr>
+        <p:spPr>
+          <a:xfrm>
+            <a:off x="3295271" y="3956176"/>
+            <a:ext cx="6562725" cy="302004"/>
+          </a:xfrm>
+          <a:prstGeom prst="rect">
+            <a:avLst/>
+          </a:prstGeom>
+          <a:noFill/>
+        </p:spPr>
+        <p:style>
+          <a:lnRef idx="2">
+            <a:schemeClr val="accent1">
+              <a:shade val="50000"/>
+            </a:schemeClr>
+          </a:lnRef>
+          <a:fillRef idx="1">
+            <a:schemeClr val="accent1"/>
+          </a:fillRef>
+          <a:effectRef idx="0">
+            <a:schemeClr val="accent1"/>
+          </a:effectRef>
+          <a:fontRef idx="minor">
+            <a:schemeClr val="lt1"/>
+          </a:fontRef>
+        </p:style>
+        <p:txBody>
+          <a:bodyPr rtlCol="0" anchor="ctr"/>
+          <a:lstStyle/>
+          <a:p>
+            <a:pPr algn="ctr"/>
+            <a:r>
+              <a:rPr lang="en-US" altLang="ko-KR" sz="1100" b="1" dirty="0">
+                <a:solidFill>
+                  <a:schemeClr val="tx1"/>
+                </a:solidFill>
+              </a:rPr>
+              <a:t>202</a:t>
+            </a:r>
+            <a:r>
+              <a:rPr lang="ko-KR" altLang="en-US" sz="1100" b="1" dirty="0">
+                <a:solidFill>
+                  <a:schemeClr val="tx1"/>
+                </a:solidFill>
+              </a:rPr>
+              <a:t> </a:t>
+            </a:r>
+            <a:r>
+              <a:rPr lang="en-US" altLang="ko-KR" sz="1100" b="1" dirty="0">
+                <a:solidFill>
+                  <a:schemeClr val="tx1"/>
+                </a:solidFill>
+              </a:rPr>
+              <a:t>(IP : 192.168.2.202)    </a:t>
+            </a:r>
+            <a:r>
+              <a:rPr lang="en-US" altLang="ko-KR" sz="1100" dirty="0">
+                <a:solidFill>
+                  <a:schemeClr val="tx1"/>
+                </a:solidFill>
+              </a:rPr>
+              <a:t>CPU : 94.1% / 80</a:t>
+            </a:r>
+            <a:r>
+              <a:rPr lang="en-US" altLang="ko-KR" sz="1100" b="1" i="0" dirty="0">
+                <a:solidFill>
+                  <a:srgbClr val="202124"/>
+                </a:solidFill>
+                <a:effectLst/>
+                <a:latin typeface="Apple SD Gothic Neo"/>
+              </a:rPr>
+              <a:t>°C</a:t>
+            </a:r>
+            <a:r>
+              <a:rPr lang="en-US" altLang="ko-KR" sz="1100" dirty="0">
+                <a:solidFill>
+                  <a:schemeClr val="tx1"/>
+                </a:solidFill>
+              </a:rPr>
+              <a:t>    RAM : 0.04% (1234/5000) </a:t>
+            </a:r>
+            <a:endParaRPr lang="ko-KR" altLang="en-US" sz="1100" dirty="0">
+              <a:solidFill>
+                <a:schemeClr val="tx1"/>
+              </a:solidFill>
+            </a:endParaRPr>
+          </a:p>
+        </p:txBody>
+      </p:sp>
+      <p:sp>
+        <p:nvSpPr>
+          <p:cNvPr id="82" name="직사각형 81">
+            <a:extLst>
+              <a:ext uri="{FF2B5EF4-FFF2-40B4-BE49-F238E27FC236}">
+                <a16:creationId xmlns:a16="http://schemas.microsoft.com/office/drawing/2014/main" id="{3AB0391F-DE1D-8A5E-058F-A1465AE57E01}"/>
+              </a:ext>
+            </a:extLst>
+          </p:cNvPr>
+          <p:cNvSpPr/>
+          <p:nvPr/>
+        </p:nvSpPr>
+        <p:spPr>
+          <a:xfrm>
+            <a:off x="3295649" y="4261265"/>
+            <a:ext cx="6562725" cy="302004"/>
+          </a:xfrm>
+          <a:prstGeom prst="rect">
+            <a:avLst/>
+          </a:prstGeom>
+          <a:noFill/>
+        </p:spPr>
+        <p:style>
+          <a:lnRef idx="2">
+            <a:schemeClr val="accent1">
+              <a:shade val="50000"/>
+            </a:schemeClr>
+          </a:lnRef>
+          <a:fillRef idx="1">
+            <a:schemeClr val="accent1"/>
+          </a:fillRef>
+          <a:effectRef idx="0">
+            <a:schemeClr val="accent1"/>
+          </a:effectRef>
+          <a:fontRef idx="minor">
+            <a:schemeClr val="lt1"/>
+          </a:fontRef>
+        </p:style>
+        <p:txBody>
+          <a:bodyPr rtlCol="0" anchor="ctr"/>
+          <a:lstStyle/>
+          <a:p>
+            <a:pPr algn="ctr"/>
+            <a:r>
+              <a:rPr lang="en-US" altLang="ko-KR" sz="1100" b="1" dirty="0">
+                <a:solidFill>
+                  <a:schemeClr val="tx1"/>
+                </a:solidFill>
+              </a:rPr>
+              <a:t>203</a:t>
+            </a:r>
+            <a:r>
+              <a:rPr lang="ko-KR" altLang="en-US" sz="1100" b="1" dirty="0">
+                <a:solidFill>
+                  <a:schemeClr val="tx1"/>
+                </a:solidFill>
+              </a:rPr>
+              <a:t> </a:t>
+            </a:r>
+            <a:r>
+              <a:rPr lang="en-US" altLang="ko-KR" sz="1100" b="1" dirty="0">
+                <a:solidFill>
+                  <a:schemeClr val="tx1"/>
+                </a:solidFill>
+              </a:rPr>
+              <a:t>(IP : 192.168.2.203)    </a:t>
+            </a:r>
+            <a:r>
+              <a:rPr lang="en-US" altLang="ko-KR" sz="1100" dirty="0">
+                <a:solidFill>
+                  <a:schemeClr val="tx1"/>
+                </a:solidFill>
+              </a:rPr>
+              <a:t>CPU : 94.1% / 80</a:t>
+            </a:r>
+            <a:r>
+              <a:rPr lang="en-US" altLang="ko-KR" sz="1100" b="1" i="0" dirty="0">
+                <a:solidFill>
+                  <a:srgbClr val="202124"/>
+                </a:solidFill>
+                <a:effectLst/>
+                <a:latin typeface="Apple SD Gothic Neo"/>
+              </a:rPr>
+              <a:t>°C</a:t>
+            </a:r>
+            <a:r>
+              <a:rPr lang="en-US" altLang="ko-KR" sz="1100" dirty="0">
+                <a:solidFill>
+                  <a:schemeClr val="tx1"/>
+                </a:solidFill>
+              </a:rPr>
+              <a:t>    RAM : 0.04% (1234/5000) </a:t>
+            </a:r>
+            <a:endParaRPr lang="ko-KR" altLang="en-US" sz="1100" dirty="0">
+              <a:solidFill>
+                <a:schemeClr val="tx1"/>
+              </a:solidFill>
+            </a:endParaRPr>
+          </a:p>
+        </p:txBody>
+      </p:sp>
+      <p:sp>
+        <p:nvSpPr>
+          <p:cNvPr id="83" name="이등변 삼각형 82">
+            <a:extLst>
+              <a:ext uri="{FF2B5EF4-FFF2-40B4-BE49-F238E27FC236}">
+                <a16:creationId xmlns:a16="http://schemas.microsoft.com/office/drawing/2014/main" id="{DB90B7A2-A536-52E6-2F2E-AD6EBB598DAF}"/>
+              </a:ext>
+            </a:extLst>
+          </p:cNvPr>
+          <p:cNvSpPr/>
+          <p:nvPr/>
+        </p:nvSpPr>
+        <p:spPr>
+          <a:xfrm rot="10800000">
+            <a:off x="9644247" y="3469209"/>
+            <a:ext cx="142500" cy="122845"/>
+          </a:xfrm>
+          <a:prstGeom prst="triangle">
+            <a:avLst/>
+          </a:prstGeom>
+          <a:solidFill>
+            <a:schemeClr val="tx1"/>
+          </a:solidFill>
+        </p:spPr>
+        <p:style>
+          <a:lnRef idx="2">
+            <a:schemeClr val="accent1">
+              <a:shade val="50000"/>
+            </a:schemeClr>
+          </a:lnRef>
+          <a:fillRef idx="1">
+            <a:schemeClr val="accent1"/>
+          </a:fillRef>
+          <a:effectRef idx="0">
+            <a:schemeClr val="accent1"/>
+          </a:effectRef>
+          <a:fontRef idx="minor">
+            <a:schemeClr val="lt1"/>
+          </a:fontRef>
+        </p:style>
+        <p:txBody>
+          <a:bodyPr rtlCol="0" anchor="ctr"/>
+          <a:lstStyle/>
+          <a:p>
+            <a:pPr algn="ctr"/>
+            <a:endParaRPr lang="ko-KR" altLang="en-US"/>
+          </a:p>
+        </p:txBody>
+      </p:sp>
+      <p:sp>
+        <p:nvSpPr>
+          <p:cNvPr id="84" name="이등변 삼각형 83">
+            <a:extLst>
+              <a:ext uri="{FF2B5EF4-FFF2-40B4-BE49-F238E27FC236}">
+                <a16:creationId xmlns:a16="http://schemas.microsoft.com/office/drawing/2014/main" id="{F892723A-EA4E-D1DE-B740-19DCBFBCCD01}"/>
+              </a:ext>
+            </a:extLst>
+          </p:cNvPr>
+          <p:cNvSpPr/>
+          <p:nvPr/>
+        </p:nvSpPr>
+        <p:spPr>
+          <a:xfrm rot="10800000">
+            <a:off x="9644247" y="3762190"/>
+            <a:ext cx="142500" cy="122845"/>
+          </a:xfrm>
+          <a:prstGeom prst="triangle">
+            <a:avLst/>
+          </a:prstGeom>
+          <a:solidFill>
+            <a:schemeClr val="tx1"/>
+          </a:solidFill>
+        </p:spPr>
+        <p:style>
+          <a:lnRef idx="2">
+            <a:schemeClr val="accent1">
+              <a:shade val="50000"/>
+            </a:schemeClr>
+          </a:lnRef>
+          <a:fillRef idx="1">
+            <a:schemeClr val="accent1"/>
+          </a:fillRef>
+          <a:effectRef idx="0">
+            <a:schemeClr val="accent1"/>
+          </a:effectRef>
+          <a:fontRef idx="minor">
+            <a:schemeClr val="lt1"/>
+          </a:fontRef>
+        </p:style>
+        <p:txBody>
+          <a:bodyPr rtlCol="0" anchor="ctr"/>
+          <a:lstStyle/>
+          <a:p>
+            <a:pPr algn="ctr"/>
+            <a:endParaRPr lang="ko-KR" altLang="en-US"/>
+          </a:p>
+        </p:txBody>
+      </p:sp>
+      <p:sp>
+        <p:nvSpPr>
+          <p:cNvPr id="85" name="이등변 삼각형 84">
+            <a:extLst>
+              <a:ext uri="{FF2B5EF4-FFF2-40B4-BE49-F238E27FC236}">
+                <a16:creationId xmlns:a16="http://schemas.microsoft.com/office/drawing/2014/main" id="{FFD9F8C4-5D95-1D89-ECC5-A53BD16198BE}"/>
+              </a:ext>
+            </a:extLst>
+          </p:cNvPr>
+          <p:cNvSpPr/>
+          <p:nvPr/>
+        </p:nvSpPr>
+        <p:spPr>
+          <a:xfrm rot="10800000">
+            <a:off x="9644247" y="4066407"/>
+            <a:ext cx="142500" cy="122845"/>
+          </a:xfrm>
+          <a:prstGeom prst="triangle">
+            <a:avLst/>
+          </a:prstGeom>
+          <a:solidFill>
+            <a:schemeClr val="tx1"/>
+          </a:solidFill>
+        </p:spPr>
+        <p:style>
+          <a:lnRef idx="2">
+            <a:schemeClr val="accent1">
+              <a:shade val="50000"/>
+            </a:schemeClr>
+          </a:lnRef>
+          <a:fillRef idx="1">
+            <a:schemeClr val="accent1"/>
+          </a:fillRef>
+          <a:effectRef idx="0">
+            <a:schemeClr val="accent1"/>
+          </a:effectRef>
+          <a:fontRef idx="minor">
+            <a:schemeClr val="lt1"/>
+          </a:fontRef>
+        </p:style>
+        <p:txBody>
+          <a:bodyPr rtlCol="0" anchor="ctr"/>
+          <a:lstStyle/>
+          <a:p>
+            <a:pPr algn="ctr"/>
+            <a:endParaRPr lang="ko-KR" altLang="en-US"/>
+          </a:p>
+        </p:txBody>
+      </p:sp>
+      <p:sp>
+        <p:nvSpPr>
+          <p:cNvPr id="86" name="이등변 삼각형 85">
+            <a:extLst>
+              <a:ext uri="{FF2B5EF4-FFF2-40B4-BE49-F238E27FC236}">
+                <a16:creationId xmlns:a16="http://schemas.microsoft.com/office/drawing/2014/main" id="{988FF844-3EAD-E9BA-BF20-EB85128B5979}"/>
+              </a:ext>
+            </a:extLst>
+          </p:cNvPr>
+          <p:cNvSpPr/>
+          <p:nvPr/>
+        </p:nvSpPr>
+        <p:spPr>
+          <a:xfrm rot="10800000">
+            <a:off x="9644247" y="4381170"/>
+            <a:ext cx="142500" cy="122845"/>
+          </a:xfrm>
+          <a:prstGeom prst="triangle">
+            <a:avLst/>
+          </a:prstGeom>
+          <a:solidFill>
+            <a:schemeClr val="tx1"/>
+          </a:solidFill>
+        </p:spPr>
+        <p:style>
+          <a:lnRef idx="2">
+            <a:schemeClr val="accent1">
+              <a:shade val="50000"/>
+            </a:schemeClr>
+          </a:lnRef>
+          <a:fillRef idx="1">
+            <a:schemeClr val="accent1"/>
+          </a:fillRef>
+          <a:effectRef idx="0">
+            <a:schemeClr val="accent1"/>
+          </a:effectRef>
+          <a:fontRef idx="minor">
+            <a:schemeClr val="lt1"/>
+          </a:fontRef>
+        </p:style>
+        <p:txBody>
+          <a:bodyPr rtlCol="0" anchor="ctr"/>
+          <a:lstStyle/>
+          <a:p>
+            <a:pPr algn="ctr"/>
+            <a:endParaRPr lang="ko-KR" altLang="en-US"/>
+          </a:p>
+        </p:txBody>
+      </p:sp>
+      <p:sp>
+        <p:nvSpPr>
+          <p:cNvPr id="87" name="직사각형 86">
+            <a:extLst>
+              <a:ext uri="{FF2B5EF4-FFF2-40B4-BE49-F238E27FC236}">
+                <a16:creationId xmlns:a16="http://schemas.microsoft.com/office/drawing/2014/main" id="{A52B7700-CCE1-30AD-66ED-CCA51E8A4692}"/>
+              </a:ext>
+            </a:extLst>
+          </p:cNvPr>
+          <p:cNvSpPr/>
+          <p:nvPr/>
+        </p:nvSpPr>
+        <p:spPr>
+          <a:xfrm>
+            <a:off x="2428875" y="5418888"/>
+            <a:ext cx="8687726" cy="1596144"/>
+          </a:xfrm>
+          <a:prstGeom prst="rect">
+            <a:avLst/>
+          </a:prstGeom>
+          <a:noFill/>
+        </p:spPr>
+        <p:style>
+          <a:lnRef idx="2">
+            <a:schemeClr val="accent1">
+              <a:shade val="50000"/>
+            </a:schemeClr>
+          </a:lnRef>
+          <a:fillRef idx="1">
+            <a:schemeClr val="accent1"/>
+          </a:fillRef>
+          <a:effectRef idx="0">
+            <a:schemeClr val="accent1"/>
+          </a:effectRef>
+          <a:fontRef idx="minor">
+            <a:schemeClr val="lt1"/>
+          </a:fontRef>
+        </p:style>
+        <p:txBody>
+          <a:bodyPr rtlCol="0" anchor="ctr"/>
+          <a:lstStyle/>
+          <a:p>
+            <a:pPr algn="ctr"/>
+            <a:endParaRPr lang="ko-KR" altLang="en-US"/>
+          </a:p>
+        </p:txBody>
+      </p:sp>
+      <p:sp>
+        <p:nvSpPr>
+          <p:cNvPr id="88" name="직사각형 87">
+            <a:extLst>
+              <a:ext uri="{FF2B5EF4-FFF2-40B4-BE49-F238E27FC236}">
+                <a16:creationId xmlns:a16="http://schemas.microsoft.com/office/drawing/2014/main" id="{97921746-293F-E893-494E-F99CB43A1793}"/>
+              </a:ext>
+            </a:extLst>
+          </p:cNvPr>
+          <p:cNvSpPr/>
+          <p:nvPr/>
+        </p:nvSpPr>
+        <p:spPr>
+          <a:xfrm>
+            <a:off x="2428875" y="5418888"/>
+            <a:ext cx="866775" cy="302004"/>
+          </a:xfrm>
+          <a:prstGeom prst="rect">
+            <a:avLst/>
+          </a:prstGeom>
+          <a:noFill/>
+        </p:spPr>
+        <p:style>
+          <a:lnRef idx="2">
+            <a:schemeClr val="accent1">
+              <a:shade val="50000"/>
+            </a:schemeClr>
+          </a:lnRef>
+          <a:fillRef idx="1">
+            <a:schemeClr val="accent1"/>
+          </a:fillRef>
+          <a:effectRef idx="0">
+            <a:schemeClr val="accent1"/>
+          </a:effectRef>
+          <a:fontRef idx="minor">
+            <a:schemeClr val="lt1"/>
+          </a:fontRef>
+        </p:style>
+        <p:txBody>
+          <a:bodyPr rtlCol="0" anchor="ctr"/>
+          <a:lstStyle/>
+          <a:p>
+            <a:pPr algn="ctr"/>
+            <a:r>
+              <a:rPr lang="ko-KR" altLang="en-US" sz="1100" dirty="0">
+                <a:solidFill>
+                  <a:schemeClr val="tx1"/>
+                </a:solidFill>
+              </a:rPr>
+              <a:t>사용여부</a:t>
+            </a:r>
+          </a:p>
+        </p:txBody>
+      </p:sp>
+      <p:sp>
+        <p:nvSpPr>
+          <p:cNvPr id="89" name="직사각형 88">
+            <a:extLst>
+              <a:ext uri="{FF2B5EF4-FFF2-40B4-BE49-F238E27FC236}">
+                <a16:creationId xmlns:a16="http://schemas.microsoft.com/office/drawing/2014/main" id="{59BCB8CB-0721-56F0-713E-7C7A4A8833E3}"/>
+              </a:ext>
+            </a:extLst>
+          </p:cNvPr>
+          <p:cNvSpPr/>
+          <p:nvPr/>
+        </p:nvSpPr>
+        <p:spPr>
+          <a:xfrm>
+            <a:off x="3295650" y="5418888"/>
+            <a:ext cx="6562725" cy="302004"/>
+          </a:xfrm>
+          <a:prstGeom prst="rect">
+            <a:avLst/>
+          </a:prstGeom>
+          <a:noFill/>
+        </p:spPr>
+        <p:style>
+          <a:lnRef idx="2">
+            <a:schemeClr val="accent1">
+              <a:shade val="50000"/>
+            </a:schemeClr>
+          </a:lnRef>
+          <a:fillRef idx="1">
+            <a:schemeClr val="accent1"/>
+          </a:fillRef>
+          <a:effectRef idx="0">
+            <a:schemeClr val="accent1"/>
+          </a:effectRef>
+          <a:fontRef idx="minor">
+            <a:schemeClr val="lt1"/>
+          </a:fontRef>
+        </p:style>
+        <p:txBody>
+          <a:bodyPr rtlCol="0" anchor="ctr"/>
+          <a:lstStyle/>
+          <a:p>
+            <a:pPr algn="ctr"/>
+            <a:r>
+              <a:rPr lang="ko-KR" altLang="en-US" sz="1100" dirty="0">
+                <a:solidFill>
+                  <a:schemeClr val="tx1"/>
+                </a:solidFill>
+              </a:rPr>
+              <a:t>서버</a:t>
+            </a:r>
+          </a:p>
+        </p:txBody>
+      </p:sp>
+      <p:sp>
+        <p:nvSpPr>
+          <p:cNvPr id="92" name="직사각형 91">
+            <a:extLst>
+              <a:ext uri="{FF2B5EF4-FFF2-40B4-BE49-F238E27FC236}">
+                <a16:creationId xmlns:a16="http://schemas.microsoft.com/office/drawing/2014/main" id="{370390BB-8158-7546-35A5-471F3989194D}"/>
+              </a:ext>
+            </a:extLst>
+          </p:cNvPr>
+          <p:cNvSpPr/>
+          <p:nvPr/>
+        </p:nvSpPr>
+        <p:spPr>
+          <a:xfrm>
+            <a:off x="9859286" y="5415045"/>
+            <a:ext cx="1257315" cy="302004"/>
+          </a:xfrm>
+          <a:prstGeom prst="rect">
+            <a:avLst/>
+          </a:prstGeom>
+          <a:noFill/>
+        </p:spPr>
+        <p:style>
+          <a:lnRef idx="2">
+            <a:schemeClr val="accent1">
+              <a:shade val="50000"/>
+            </a:schemeClr>
+          </a:lnRef>
+          <a:fillRef idx="1">
+            <a:schemeClr val="accent1"/>
+          </a:fillRef>
+          <a:effectRef idx="0">
+            <a:schemeClr val="accent1"/>
+          </a:effectRef>
+          <a:fontRef idx="minor">
+            <a:schemeClr val="lt1"/>
+          </a:fontRef>
+        </p:style>
+        <p:txBody>
+          <a:bodyPr rtlCol="0" anchor="ctr"/>
+          <a:lstStyle/>
+          <a:p>
+            <a:pPr algn="ctr"/>
+            <a:r>
+              <a:rPr lang="ko-KR" altLang="en-US" sz="1100" dirty="0">
+                <a:solidFill>
+                  <a:schemeClr val="tx1"/>
+                </a:solidFill>
+              </a:rPr>
+              <a:t>비고</a:t>
+            </a:r>
+          </a:p>
+        </p:txBody>
+      </p:sp>
+      <p:sp>
+        <p:nvSpPr>
+          <p:cNvPr id="93" name="직사각형 92">
+            <a:extLst>
+              <a:ext uri="{FF2B5EF4-FFF2-40B4-BE49-F238E27FC236}">
+                <a16:creationId xmlns:a16="http://schemas.microsoft.com/office/drawing/2014/main" id="{29B2CA7E-6F55-2EDC-A222-00AD96BC4FE3}"/>
+              </a:ext>
+            </a:extLst>
+          </p:cNvPr>
+          <p:cNvSpPr/>
+          <p:nvPr/>
+        </p:nvSpPr>
+        <p:spPr>
+          <a:xfrm>
+            <a:off x="2428419" y="5723688"/>
+            <a:ext cx="866775" cy="302004"/>
+          </a:xfrm>
+          <a:prstGeom prst="rect">
+            <a:avLst/>
+          </a:prstGeom>
+          <a:noFill/>
+        </p:spPr>
+        <p:style>
+          <a:lnRef idx="2">
+            <a:schemeClr val="accent1">
+              <a:shade val="50000"/>
+            </a:schemeClr>
+          </a:lnRef>
+          <a:fillRef idx="1">
+            <a:schemeClr val="accent1"/>
+          </a:fillRef>
+          <a:effectRef idx="0">
+            <a:schemeClr val="accent1"/>
+          </a:effectRef>
+          <a:fontRef idx="minor">
+            <a:schemeClr val="lt1"/>
+          </a:fontRef>
+        </p:style>
+        <p:txBody>
+          <a:bodyPr rtlCol="0" anchor="ctr"/>
+          <a:lstStyle/>
+          <a:p>
+            <a:pPr algn="r"/>
+            <a:r>
+              <a:rPr lang="ko-KR" altLang="en-US" sz="800" dirty="0" err="1">
+                <a:solidFill>
+                  <a:schemeClr val="tx1"/>
+                </a:solidFill>
+              </a:rPr>
+              <a:t>사용중</a:t>
+            </a:r>
+            <a:endParaRPr lang="ko-KR" altLang="en-US" sz="800" dirty="0">
+              <a:solidFill>
+                <a:schemeClr val="tx1"/>
+              </a:solidFill>
+            </a:endParaRPr>
+          </a:p>
+        </p:txBody>
+      </p:sp>
+      <p:sp>
+        <p:nvSpPr>
+          <p:cNvPr id="94" name="직사각형 93">
+            <a:extLst>
+              <a:ext uri="{FF2B5EF4-FFF2-40B4-BE49-F238E27FC236}">
+                <a16:creationId xmlns:a16="http://schemas.microsoft.com/office/drawing/2014/main" id="{D856406B-C682-4D1B-BBFB-FFD4CD142055}"/>
+              </a:ext>
+            </a:extLst>
+          </p:cNvPr>
+          <p:cNvSpPr/>
+          <p:nvPr/>
+        </p:nvSpPr>
+        <p:spPr>
+          <a:xfrm>
+            <a:off x="2427963" y="6025403"/>
+            <a:ext cx="866775" cy="302004"/>
+          </a:xfrm>
+          <a:prstGeom prst="rect">
+            <a:avLst/>
+          </a:prstGeom>
+          <a:noFill/>
+        </p:spPr>
+        <p:style>
+          <a:lnRef idx="2">
+            <a:schemeClr val="accent1">
+              <a:shade val="50000"/>
+            </a:schemeClr>
+          </a:lnRef>
+          <a:fillRef idx="1">
+            <a:schemeClr val="accent1"/>
+          </a:fillRef>
+          <a:effectRef idx="0">
+            <a:schemeClr val="accent1"/>
+          </a:effectRef>
+          <a:fontRef idx="minor">
+            <a:schemeClr val="lt1"/>
+          </a:fontRef>
+        </p:style>
+        <p:txBody>
+          <a:bodyPr rtlCol="0" anchor="ctr"/>
+          <a:lstStyle/>
+          <a:p>
+            <a:pPr algn="r"/>
+            <a:r>
+              <a:rPr lang="ko-KR" altLang="en-US" sz="800" dirty="0" err="1">
+                <a:solidFill>
+                  <a:schemeClr val="tx1"/>
+                </a:solidFill>
+              </a:rPr>
+              <a:t>사용중</a:t>
+            </a:r>
+            <a:endParaRPr lang="ko-KR" altLang="en-US" sz="800" dirty="0">
+              <a:solidFill>
+                <a:schemeClr val="tx1"/>
+              </a:solidFill>
+            </a:endParaRPr>
+          </a:p>
+        </p:txBody>
+      </p:sp>
+      <p:sp>
+        <p:nvSpPr>
+          <p:cNvPr id="95" name="직사각형 94">
+            <a:extLst>
+              <a:ext uri="{FF2B5EF4-FFF2-40B4-BE49-F238E27FC236}">
+                <a16:creationId xmlns:a16="http://schemas.microsoft.com/office/drawing/2014/main" id="{737ED099-1B36-1F35-35B1-CE233B06E765}"/>
+              </a:ext>
+            </a:extLst>
+          </p:cNvPr>
+          <p:cNvSpPr/>
+          <p:nvPr/>
+        </p:nvSpPr>
+        <p:spPr>
+          <a:xfrm>
+            <a:off x="2427963" y="6331750"/>
+            <a:ext cx="866775" cy="302004"/>
+          </a:xfrm>
+          <a:prstGeom prst="rect">
+            <a:avLst/>
+          </a:prstGeom>
+          <a:noFill/>
+        </p:spPr>
+        <p:style>
+          <a:lnRef idx="2">
+            <a:schemeClr val="accent1">
+              <a:shade val="50000"/>
+            </a:schemeClr>
+          </a:lnRef>
+          <a:fillRef idx="1">
+            <a:schemeClr val="accent1"/>
+          </a:fillRef>
+          <a:effectRef idx="0">
+            <a:schemeClr val="accent1"/>
+          </a:effectRef>
+          <a:fontRef idx="minor">
+            <a:schemeClr val="lt1"/>
+          </a:fontRef>
+        </p:style>
+        <p:txBody>
+          <a:bodyPr rtlCol="0" anchor="ctr"/>
+          <a:lstStyle/>
+          <a:p>
+            <a:pPr algn="r"/>
+            <a:r>
+              <a:rPr lang="ko-KR" altLang="en-US" sz="800" dirty="0" err="1">
+                <a:solidFill>
+                  <a:schemeClr val="tx1"/>
+                </a:solidFill>
+              </a:rPr>
+              <a:t>사용안함</a:t>
+            </a:r>
+            <a:endParaRPr lang="ko-KR" altLang="en-US" sz="800" dirty="0">
+              <a:solidFill>
+                <a:schemeClr val="tx1"/>
+              </a:solidFill>
+            </a:endParaRPr>
+          </a:p>
+        </p:txBody>
+      </p:sp>
+      <p:sp>
+        <p:nvSpPr>
+          <p:cNvPr id="96" name="직사각형 95">
+            <a:extLst>
+              <a:ext uri="{FF2B5EF4-FFF2-40B4-BE49-F238E27FC236}">
+                <a16:creationId xmlns:a16="http://schemas.microsoft.com/office/drawing/2014/main" id="{BF53745B-F922-D4A1-26CD-CFAF0EEACDC7}"/>
+              </a:ext>
+            </a:extLst>
+          </p:cNvPr>
+          <p:cNvSpPr/>
+          <p:nvPr/>
+        </p:nvSpPr>
+        <p:spPr>
+          <a:xfrm>
+            <a:off x="2427963" y="6638097"/>
+            <a:ext cx="866775" cy="302004"/>
+          </a:xfrm>
+          <a:prstGeom prst="rect">
+            <a:avLst/>
+          </a:prstGeom>
+          <a:noFill/>
+        </p:spPr>
+        <p:style>
+          <a:lnRef idx="2">
+            <a:schemeClr val="accent1">
+              <a:shade val="50000"/>
+            </a:schemeClr>
+          </a:lnRef>
+          <a:fillRef idx="1">
+            <a:schemeClr val="accent1"/>
+          </a:fillRef>
+          <a:effectRef idx="0">
+            <a:schemeClr val="accent1"/>
+          </a:effectRef>
+          <a:fontRef idx="minor">
+            <a:schemeClr val="lt1"/>
+          </a:fontRef>
+        </p:style>
+        <p:txBody>
+          <a:bodyPr rtlCol="0" anchor="ctr"/>
+          <a:lstStyle/>
+          <a:p>
+            <a:pPr algn="r"/>
+            <a:r>
+              <a:rPr lang="ko-KR" altLang="en-US" sz="800" dirty="0" err="1">
+                <a:solidFill>
+                  <a:schemeClr val="tx1"/>
+                </a:solidFill>
+              </a:rPr>
+              <a:t>사용중</a:t>
+            </a:r>
+            <a:endParaRPr lang="ko-KR" altLang="en-US" sz="800" dirty="0">
+              <a:solidFill>
+                <a:schemeClr val="tx1"/>
+              </a:solidFill>
+            </a:endParaRPr>
+          </a:p>
+        </p:txBody>
+      </p:sp>
+      <p:sp>
+        <p:nvSpPr>
+          <p:cNvPr id="97" name="타원 96">
+            <a:extLst>
+              <a:ext uri="{FF2B5EF4-FFF2-40B4-BE49-F238E27FC236}">
+                <a16:creationId xmlns:a16="http://schemas.microsoft.com/office/drawing/2014/main" id="{1289CE60-5A3B-FF39-6ADA-B651CB16103C}"/>
+              </a:ext>
+            </a:extLst>
+          </p:cNvPr>
+          <p:cNvSpPr/>
+          <p:nvPr/>
+        </p:nvSpPr>
+        <p:spPr>
+          <a:xfrm>
+            <a:off x="2531446" y="5781551"/>
+            <a:ext cx="141904" cy="141904"/>
+          </a:xfrm>
+          <a:prstGeom prst="ellipse">
+            <a:avLst/>
+          </a:prstGeom>
+          <a:solidFill>
+            <a:srgbClr val="00B050"/>
+          </a:solidFill>
+          <a:ln w="6350">
+            <a:solidFill>
+              <a:schemeClr val="bg1"/>
+            </a:solidFill>
+          </a:ln>
+        </p:spPr>
+        <p:style>
+          <a:lnRef idx="2">
+            <a:schemeClr val="accent1">
+              <a:shade val="50000"/>
+            </a:schemeClr>
+          </a:lnRef>
+          <a:fillRef idx="1">
+            <a:schemeClr val="accent1"/>
+          </a:fillRef>
+          <a:effectRef idx="0">
+            <a:schemeClr val="accent1"/>
+          </a:effectRef>
+          <a:fontRef idx="minor">
+            <a:schemeClr val="lt1"/>
+          </a:fontRef>
+        </p:style>
+        <p:txBody>
+          <a:bodyPr rtlCol="0" anchor="ctr"/>
+          <a:lstStyle/>
+          <a:p>
+            <a:pPr algn="ctr"/>
+            <a:endParaRPr lang="ko-KR" altLang="en-US"/>
+          </a:p>
+        </p:txBody>
+      </p:sp>
+      <p:sp>
+        <p:nvSpPr>
+          <p:cNvPr id="98" name="타원 97">
+            <a:extLst>
+              <a:ext uri="{FF2B5EF4-FFF2-40B4-BE49-F238E27FC236}">
+                <a16:creationId xmlns:a16="http://schemas.microsoft.com/office/drawing/2014/main" id="{AD03D905-5DBD-7FBD-6536-99B98487EF54}"/>
+              </a:ext>
+            </a:extLst>
+          </p:cNvPr>
+          <p:cNvSpPr/>
+          <p:nvPr/>
+        </p:nvSpPr>
+        <p:spPr>
+          <a:xfrm>
+            <a:off x="2531446" y="6105453"/>
+            <a:ext cx="141904" cy="141904"/>
+          </a:xfrm>
+          <a:prstGeom prst="ellipse">
+            <a:avLst/>
+          </a:prstGeom>
+          <a:solidFill>
+            <a:srgbClr val="0070C0"/>
+          </a:solidFill>
+          <a:ln w="6350">
+            <a:solidFill>
+              <a:schemeClr val="bg1"/>
+            </a:solidFill>
+          </a:ln>
+        </p:spPr>
+        <p:style>
+          <a:lnRef idx="2">
+            <a:schemeClr val="accent1">
+              <a:shade val="50000"/>
+            </a:schemeClr>
+          </a:lnRef>
+          <a:fillRef idx="1">
+            <a:schemeClr val="accent1"/>
+          </a:fillRef>
+          <a:effectRef idx="0">
+            <a:schemeClr val="accent1"/>
+          </a:effectRef>
+          <a:fontRef idx="minor">
+            <a:schemeClr val="lt1"/>
+          </a:fontRef>
+        </p:style>
+        <p:txBody>
+          <a:bodyPr rtlCol="0" anchor="ctr"/>
+          <a:lstStyle/>
+          <a:p>
+            <a:pPr algn="ctr"/>
+            <a:endParaRPr lang="ko-KR" altLang="en-US"/>
+          </a:p>
+        </p:txBody>
+      </p:sp>
+      <p:sp>
+        <p:nvSpPr>
+          <p:cNvPr id="99" name="타원 98">
+            <a:extLst>
+              <a:ext uri="{FF2B5EF4-FFF2-40B4-BE49-F238E27FC236}">
+                <a16:creationId xmlns:a16="http://schemas.microsoft.com/office/drawing/2014/main" id="{D40CE17F-CC1A-E41C-F0C1-67E82C7403E8}"/>
+              </a:ext>
+            </a:extLst>
+          </p:cNvPr>
+          <p:cNvSpPr/>
+          <p:nvPr/>
+        </p:nvSpPr>
+        <p:spPr>
+          <a:xfrm>
+            <a:off x="2527859" y="6407746"/>
+            <a:ext cx="141904" cy="141904"/>
+          </a:xfrm>
+          <a:prstGeom prst="ellipse">
+            <a:avLst/>
+          </a:prstGeom>
+          <a:solidFill>
+            <a:schemeClr val="tx1"/>
+          </a:solidFill>
+          <a:ln w="6350">
+            <a:solidFill>
+              <a:schemeClr val="bg1"/>
+            </a:solidFill>
+          </a:ln>
+        </p:spPr>
+        <p:style>
+          <a:lnRef idx="2">
+            <a:schemeClr val="accent1">
+              <a:shade val="50000"/>
+            </a:schemeClr>
+          </a:lnRef>
+          <a:fillRef idx="1">
+            <a:schemeClr val="accent1"/>
+          </a:fillRef>
+          <a:effectRef idx="0">
+            <a:schemeClr val="accent1"/>
+          </a:effectRef>
+          <a:fontRef idx="minor">
+            <a:schemeClr val="lt1"/>
+          </a:fontRef>
+        </p:style>
+        <p:txBody>
+          <a:bodyPr rtlCol="0" anchor="ctr"/>
+          <a:lstStyle/>
+          <a:p>
+            <a:pPr algn="ctr"/>
+            <a:endParaRPr lang="ko-KR" altLang="en-US"/>
+          </a:p>
+        </p:txBody>
+      </p:sp>
+      <p:sp>
+        <p:nvSpPr>
+          <p:cNvPr id="100" name="타원 99">
+            <a:extLst>
+              <a:ext uri="{FF2B5EF4-FFF2-40B4-BE49-F238E27FC236}">
+                <a16:creationId xmlns:a16="http://schemas.microsoft.com/office/drawing/2014/main" id="{342E9972-4350-5170-E0A3-DA349A49C51A}"/>
+              </a:ext>
+            </a:extLst>
+          </p:cNvPr>
+          <p:cNvSpPr/>
+          <p:nvPr/>
+        </p:nvSpPr>
+        <p:spPr>
+          <a:xfrm>
+            <a:off x="2527859" y="6709750"/>
+            <a:ext cx="141904" cy="141904"/>
+          </a:xfrm>
+          <a:prstGeom prst="ellipse">
+            <a:avLst/>
+          </a:prstGeom>
+          <a:solidFill>
+            <a:srgbClr val="0070C0"/>
+          </a:solidFill>
+          <a:ln w="6350">
+            <a:solidFill>
+              <a:schemeClr val="bg1"/>
+            </a:solidFill>
+          </a:ln>
+        </p:spPr>
+        <p:style>
+          <a:lnRef idx="2">
+            <a:schemeClr val="accent1">
+              <a:shade val="50000"/>
+            </a:schemeClr>
+          </a:lnRef>
+          <a:fillRef idx="1">
+            <a:schemeClr val="accent1"/>
+          </a:fillRef>
+          <a:effectRef idx="0">
+            <a:schemeClr val="accent1"/>
+          </a:effectRef>
+          <a:fontRef idx="minor">
+            <a:schemeClr val="lt1"/>
+          </a:fontRef>
+        </p:style>
+        <p:txBody>
+          <a:bodyPr rtlCol="0" anchor="ctr"/>
+          <a:lstStyle/>
+          <a:p>
+            <a:pPr algn="ctr"/>
+            <a:endParaRPr lang="ko-KR" altLang="en-US"/>
+          </a:p>
+        </p:txBody>
+      </p:sp>
+      <p:sp>
+        <p:nvSpPr>
+          <p:cNvPr id="101" name="직사각형 100">
+            <a:extLst>
+              <a:ext uri="{FF2B5EF4-FFF2-40B4-BE49-F238E27FC236}">
+                <a16:creationId xmlns:a16="http://schemas.microsoft.com/office/drawing/2014/main" id="{86412142-1DC6-4816-A97D-10E8BC711CD1}"/>
+              </a:ext>
+            </a:extLst>
+          </p:cNvPr>
+          <p:cNvSpPr/>
+          <p:nvPr/>
+        </p:nvSpPr>
+        <p:spPr>
+          <a:xfrm>
+            <a:off x="3295271" y="5723688"/>
+            <a:ext cx="6562725" cy="302004"/>
+          </a:xfrm>
+          <a:prstGeom prst="rect">
+            <a:avLst/>
+          </a:prstGeom>
+          <a:noFill/>
+        </p:spPr>
+        <p:style>
+          <a:lnRef idx="2">
+            <a:schemeClr val="accent1">
+              <a:shade val="50000"/>
+            </a:schemeClr>
+          </a:lnRef>
+          <a:fillRef idx="1">
+            <a:schemeClr val="accent1"/>
+          </a:fillRef>
+          <a:effectRef idx="0">
+            <a:schemeClr val="accent1"/>
+          </a:effectRef>
+          <a:fontRef idx="minor">
+            <a:schemeClr val="lt1"/>
+          </a:fontRef>
+        </p:style>
+        <p:txBody>
+          <a:bodyPr rtlCol="0" anchor="ctr"/>
+          <a:lstStyle/>
+          <a:p>
+            <a:pPr algn="ctr"/>
+            <a:r>
+              <a:rPr lang="en-US" altLang="ko-KR" sz="1100" b="1" dirty="0">
+                <a:solidFill>
+                  <a:schemeClr val="tx1"/>
+                </a:solidFill>
+              </a:rPr>
+              <a:t>205</a:t>
+            </a:r>
+            <a:r>
+              <a:rPr lang="ko-KR" altLang="en-US" sz="1100" b="1" dirty="0">
+                <a:solidFill>
+                  <a:schemeClr val="tx1"/>
+                </a:solidFill>
+              </a:rPr>
+              <a:t> </a:t>
+            </a:r>
+            <a:r>
+              <a:rPr lang="en-US" altLang="ko-KR" sz="1100" b="1" dirty="0">
+                <a:solidFill>
+                  <a:schemeClr val="tx1"/>
+                </a:solidFill>
+              </a:rPr>
+              <a:t>(IP : 192.168.2.205)    </a:t>
+            </a:r>
+            <a:r>
+              <a:rPr lang="en-US" altLang="ko-KR" sz="1100" dirty="0">
+                <a:solidFill>
+                  <a:schemeClr val="tx1"/>
+                </a:solidFill>
+              </a:rPr>
+              <a:t>CPU : 94.1% / 80</a:t>
+            </a:r>
+            <a:r>
+              <a:rPr lang="en-US" altLang="ko-KR" sz="1100" b="1" i="0" dirty="0">
+                <a:solidFill>
+                  <a:srgbClr val="202124"/>
+                </a:solidFill>
+                <a:effectLst/>
+                <a:latin typeface="Apple SD Gothic Neo"/>
+              </a:rPr>
+              <a:t>°C</a:t>
+            </a:r>
+            <a:r>
+              <a:rPr lang="en-US" altLang="ko-KR" sz="1100" dirty="0">
+                <a:solidFill>
+                  <a:schemeClr val="tx1"/>
+                </a:solidFill>
+              </a:rPr>
+              <a:t>    RAM : 0.04% (1234/5000) </a:t>
+            </a:r>
+            <a:endParaRPr lang="ko-KR" altLang="en-US" sz="1100" dirty="0">
+              <a:solidFill>
+                <a:schemeClr val="tx1"/>
+              </a:solidFill>
+            </a:endParaRPr>
+          </a:p>
+        </p:txBody>
+      </p:sp>
+      <p:sp>
+        <p:nvSpPr>
+          <p:cNvPr id="102" name="직사각형 101">
+            <a:extLst>
+              <a:ext uri="{FF2B5EF4-FFF2-40B4-BE49-F238E27FC236}">
+                <a16:creationId xmlns:a16="http://schemas.microsoft.com/office/drawing/2014/main" id="{291052C3-EF2B-76C0-5A89-51438131A813}"/>
+              </a:ext>
+            </a:extLst>
+          </p:cNvPr>
+          <p:cNvSpPr/>
+          <p:nvPr/>
+        </p:nvSpPr>
+        <p:spPr>
+          <a:xfrm>
+            <a:off x="3295271" y="6028216"/>
+            <a:ext cx="6562725" cy="302004"/>
+          </a:xfrm>
+          <a:prstGeom prst="rect">
+            <a:avLst/>
+          </a:prstGeom>
+          <a:noFill/>
+        </p:spPr>
+        <p:style>
+          <a:lnRef idx="2">
+            <a:schemeClr val="accent1">
+              <a:shade val="50000"/>
+            </a:schemeClr>
+          </a:lnRef>
+          <a:fillRef idx="1">
+            <a:schemeClr val="accent1"/>
+          </a:fillRef>
+          <a:effectRef idx="0">
+            <a:schemeClr val="accent1"/>
+          </a:effectRef>
+          <a:fontRef idx="minor">
+            <a:schemeClr val="lt1"/>
+          </a:fontRef>
+        </p:style>
+        <p:txBody>
+          <a:bodyPr rtlCol="0" anchor="ctr"/>
+          <a:lstStyle/>
+          <a:p>
+            <a:pPr algn="ctr"/>
+            <a:r>
+              <a:rPr lang="en-US" altLang="ko-KR" sz="1100" b="1" dirty="0">
+                <a:solidFill>
+                  <a:schemeClr val="tx1"/>
+                </a:solidFill>
+              </a:rPr>
+              <a:t>206</a:t>
+            </a:r>
+            <a:r>
+              <a:rPr lang="ko-KR" altLang="en-US" sz="1100" b="1" dirty="0">
+                <a:solidFill>
+                  <a:schemeClr val="tx1"/>
+                </a:solidFill>
+              </a:rPr>
+              <a:t> </a:t>
+            </a:r>
+            <a:r>
+              <a:rPr lang="en-US" altLang="ko-KR" sz="1100" b="1" dirty="0">
+                <a:solidFill>
+                  <a:schemeClr val="tx1"/>
+                </a:solidFill>
+              </a:rPr>
+              <a:t>(IP : 192.168.2.206)    </a:t>
+            </a:r>
+            <a:r>
+              <a:rPr lang="en-US" altLang="ko-KR" sz="1100" dirty="0">
+                <a:solidFill>
+                  <a:schemeClr val="tx1"/>
+                </a:solidFill>
+              </a:rPr>
+              <a:t>CPU : 94.1% / 80</a:t>
+            </a:r>
+            <a:r>
+              <a:rPr lang="en-US" altLang="ko-KR" sz="1100" b="1" i="0" dirty="0">
+                <a:solidFill>
+                  <a:srgbClr val="202124"/>
+                </a:solidFill>
+                <a:effectLst/>
+                <a:latin typeface="Apple SD Gothic Neo"/>
+              </a:rPr>
+              <a:t>°C</a:t>
+            </a:r>
+            <a:r>
+              <a:rPr lang="en-US" altLang="ko-KR" sz="1100" dirty="0">
+                <a:solidFill>
+                  <a:schemeClr val="tx1"/>
+                </a:solidFill>
+              </a:rPr>
+              <a:t>    RAM : 0.04% (1234/5000) </a:t>
+            </a:r>
+            <a:endParaRPr lang="ko-KR" altLang="en-US" sz="1100" dirty="0">
+              <a:solidFill>
+                <a:schemeClr val="tx1"/>
+              </a:solidFill>
+            </a:endParaRPr>
+          </a:p>
+        </p:txBody>
+      </p:sp>
+      <p:sp>
+        <p:nvSpPr>
+          <p:cNvPr id="103" name="직사각형 102">
+            <a:extLst>
+              <a:ext uri="{FF2B5EF4-FFF2-40B4-BE49-F238E27FC236}">
+                <a16:creationId xmlns:a16="http://schemas.microsoft.com/office/drawing/2014/main" id="{0898ED65-5489-EB89-A783-3E85DF0EC136}"/>
+              </a:ext>
+            </a:extLst>
+          </p:cNvPr>
+          <p:cNvSpPr/>
+          <p:nvPr/>
+        </p:nvSpPr>
+        <p:spPr>
+          <a:xfrm>
+            <a:off x="3295271" y="6333008"/>
+            <a:ext cx="6562725" cy="302004"/>
+          </a:xfrm>
+          <a:prstGeom prst="rect">
+            <a:avLst/>
+          </a:prstGeom>
+          <a:noFill/>
+        </p:spPr>
+        <p:style>
+          <a:lnRef idx="2">
+            <a:schemeClr val="accent1">
+              <a:shade val="50000"/>
+            </a:schemeClr>
+          </a:lnRef>
+          <a:fillRef idx="1">
+            <a:schemeClr val="accent1"/>
+          </a:fillRef>
+          <a:effectRef idx="0">
+            <a:schemeClr val="accent1"/>
+          </a:effectRef>
+          <a:fontRef idx="minor">
+            <a:schemeClr val="lt1"/>
+          </a:fontRef>
+        </p:style>
+        <p:txBody>
+          <a:bodyPr rtlCol="0" anchor="ctr"/>
+          <a:lstStyle/>
+          <a:p>
+            <a:pPr algn="ctr"/>
+            <a:r>
+              <a:rPr lang="en-US" altLang="ko-KR" sz="1100" b="1" dirty="0">
+                <a:solidFill>
+                  <a:schemeClr val="tx1"/>
+                </a:solidFill>
+              </a:rPr>
+              <a:t>207</a:t>
+            </a:r>
+            <a:r>
+              <a:rPr lang="ko-KR" altLang="en-US" sz="1100" b="1" dirty="0">
+                <a:solidFill>
+                  <a:schemeClr val="tx1"/>
+                </a:solidFill>
+              </a:rPr>
+              <a:t> </a:t>
+            </a:r>
+            <a:r>
+              <a:rPr lang="en-US" altLang="ko-KR" sz="1100" b="1" dirty="0">
+                <a:solidFill>
+                  <a:schemeClr val="tx1"/>
+                </a:solidFill>
+              </a:rPr>
+              <a:t>(IP : 192.168.2.207)    </a:t>
+            </a:r>
+            <a:r>
+              <a:rPr lang="en-US" altLang="ko-KR" sz="1100" dirty="0">
+                <a:solidFill>
+                  <a:schemeClr val="tx1"/>
+                </a:solidFill>
+              </a:rPr>
+              <a:t>CPU : 94.1% / 80</a:t>
+            </a:r>
+            <a:r>
+              <a:rPr lang="en-US" altLang="ko-KR" sz="1100" b="1" i="0" dirty="0">
+                <a:solidFill>
+                  <a:srgbClr val="202124"/>
+                </a:solidFill>
+                <a:effectLst/>
+                <a:latin typeface="Apple SD Gothic Neo"/>
+              </a:rPr>
+              <a:t>°C</a:t>
+            </a:r>
+            <a:r>
+              <a:rPr lang="en-US" altLang="ko-KR" sz="1100" dirty="0">
+                <a:solidFill>
+                  <a:schemeClr val="tx1"/>
+                </a:solidFill>
+              </a:rPr>
+              <a:t>    RAM : 0.04% (1234/5000) </a:t>
+            </a:r>
+            <a:endParaRPr lang="ko-KR" altLang="en-US" sz="1100" dirty="0">
+              <a:solidFill>
+                <a:schemeClr val="tx1"/>
+              </a:solidFill>
+            </a:endParaRPr>
+          </a:p>
+        </p:txBody>
+      </p:sp>
+      <p:sp>
+        <p:nvSpPr>
+          <p:cNvPr id="104" name="직사각형 103">
+            <a:extLst>
+              <a:ext uri="{FF2B5EF4-FFF2-40B4-BE49-F238E27FC236}">
+                <a16:creationId xmlns:a16="http://schemas.microsoft.com/office/drawing/2014/main" id="{4FFD29DC-B502-9E95-BB06-2A0EA79B7CFB}"/>
+              </a:ext>
+            </a:extLst>
+          </p:cNvPr>
+          <p:cNvSpPr/>
+          <p:nvPr/>
+        </p:nvSpPr>
+        <p:spPr>
+          <a:xfrm>
+            <a:off x="3295649" y="6638097"/>
+            <a:ext cx="6562725" cy="302004"/>
+          </a:xfrm>
+          <a:prstGeom prst="rect">
+            <a:avLst/>
+          </a:prstGeom>
+          <a:noFill/>
+        </p:spPr>
+        <p:style>
+          <a:lnRef idx="2">
+            <a:schemeClr val="accent1">
+              <a:shade val="50000"/>
+            </a:schemeClr>
+          </a:lnRef>
+          <a:fillRef idx="1">
+            <a:schemeClr val="accent1"/>
+          </a:fillRef>
+          <a:effectRef idx="0">
+            <a:schemeClr val="accent1"/>
+          </a:effectRef>
+          <a:fontRef idx="minor">
+            <a:schemeClr val="lt1"/>
+          </a:fontRef>
+        </p:style>
+        <p:txBody>
+          <a:bodyPr rtlCol="0" anchor="ctr"/>
+          <a:lstStyle/>
+          <a:p>
+            <a:pPr algn="ctr"/>
+            <a:r>
+              <a:rPr lang="en-US" altLang="ko-KR" sz="1100" b="1" dirty="0">
+                <a:solidFill>
+                  <a:schemeClr val="tx1"/>
+                </a:solidFill>
+              </a:rPr>
+              <a:t>208</a:t>
+            </a:r>
+            <a:r>
+              <a:rPr lang="ko-KR" altLang="en-US" sz="1100" b="1" dirty="0">
+                <a:solidFill>
+                  <a:schemeClr val="tx1"/>
+                </a:solidFill>
+              </a:rPr>
+              <a:t> </a:t>
+            </a:r>
+            <a:r>
+              <a:rPr lang="en-US" altLang="ko-KR" sz="1100" b="1" dirty="0">
+                <a:solidFill>
+                  <a:schemeClr val="tx1"/>
+                </a:solidFill>
+              </a:rPr>
+              <a:t>(IP : 192.168.2.208)    </a:t>
+            </a:r>
+            <a:r>
+              <a:rPr lang="en-US" altLang="ko-KR" sz="1100" dirty="0">
+                <a:solidFill>
+                  <a:schemeClr val="tx1"/>
+                </a:solidFill>
+              </a:rPr>
+              <a:t>CPU : 94.1% / 80</a:t>
+            </a:r>
+            <a:r>
+              <a:rPr lang="en-US" altLang="ko-KR" sz="1100" b="1" i="0" dirty="0">
+                <a:solidFill>
+                  <a:srgbClr val="202124"/>
+                </a:solidFill>
+                <a:effectLst/>
+                <a:latin typeface="Apple SD Gothic Neo"/>
+              </a:rPr>
+              <a:t>°C</a:t>
+            </a:r>
+            <a:r>
+              <a:rPr lang="en-US" altLang="ko-KR" sz="1100" dirty="0">
+                <a:solidFill>
+                  <a:schemeClr val="tx1"/>
+                </a:solidFill>
+              </a:rPr>
+              <a:t>    RAM : 0.04% (1234/5000) </a:t>
+            </a:r>
+            <a:endParaRPr lang="ko-KR" altLang="en-US" sz="1100" dirty="0">
+              <a:solidFill>
+                <a:schemeClr val="tx1"/>
+              </a:solidFill>
+            </a:endParaRPr>
+          </a:p>
+        </p:txBody>
+      </p:sp>
+      <p:sp>
+        <p:nvSpPr>
+          <p:cNvPr id="105" name="이등변 삼각형 104">
+            <a:extLst>
+              <a:ext uri="{FF2B5EF4-FFF2-40B4-BE49-F238E27FC236}">
+                <a16:creationId xmlns:a16="http://schemas.microsoft.com/office/drawing/2014/main" id="{4C424593-9D29-CF3B-4ED7-9DD71EF13354}"/>
+              </a:ext>
+            </a:extLst>
+          </p:cNvPr>
+          <p:cNvSpPr/>
+          <p:nvPr/>
+        </p:nvSpPr>
+        <p:spPr>
+          <a:xfrm rot="10800000">
+            <a:off x="9644247" y="5846041"/>
+            <a:ext cx="142500" cy="122845"/>
+          </a:xfrm>
+          <a:prstGeom prst="triangle">
+            <a:avLst/>
+          </a:prstGeom>
+          <a:solidFill>
+            <a:schemeClr val="tx1"/>
+          </a:solidFill>
+        </p:spPr>
+        <p:style>
+          <a:lnRef idx="2">
+            <a:schemeClr val="accent1">
+              <a:shade val="50000"/>
+            </a:schemeClr>
+          </a:lnRef>
+          <a:fillRef idx="1">
+            <a:schemeClr val="accent1"/>
+          </a:fillRef>
+          <a:effectRef idx="0">
+            <a:schemeClr val="accent1"/>
+          </a:effectRef>
+          <a:fontRef idx="minor">
+            <a:schemeClr val="lt1"/>
+          </a:fontRef>
+        </p:style>
+        <p:txBody>
+          <a:bodyPr rtlCol="0" anchor="ctr"/>
+          <a:lstStyle/>
+          <a:p>
+            <a:pPr algn="ctr"/>
+            <a:endParaRPr lang="ko-KR" altLang="en-US"/>
+          </a:p>
+        </p:txBody>
+      </p:sp>
+      <p:sp>
+        <p:nvSpPr>
+          <p:cNvPr id="106" name="이등변 삼각형 105">
+            <a:extLst>
+              <a:ext uri="{FF2B5EF4-FFF2-40B4-BE49-F238E27FC236}">
+                <a16:creationId xmlns:a16="http://schemas.microsoft.com/office/drawing/2014/main" id="{DA029F21-5450-2159-C1AE-E61F4CCED1F9}"/>
+              </a:ext>
+            </a:extLst>
+          </p:cNvPr>
+          <p:cNvSpPr/>
+          <p:nvPr/>
+        </p:nvSpPr>
+        <p:spPr>
+          <a:xfrm rot="10800000">
+            <a:off x="9644247" y="6139022"/>
+            <a:ext cx="142500" cy="122845"/>
+          </a:xfrm>
+          <a:prstGeom prst="triangle">
+            <a:avLst/>
+          </a:prstGeom>
+          <a:solidFill>
+            <a:schemeClr val="tx1"/>
+          </a:solidFill>
+        </p:spPr>
+        <p:style>
+          <a:lnRef idx="2">
+            <a:schemeClr val="accent1">
+              <a:shade val="50000"/>
+            </a:schemeClr>
+          </a:lnRef>
+          <a:fillRef idx="1">
+            <a:schemeClr val="accent1"/>
+          </a:fillRef>
+          <a:effectRef idx="0">
+            <a:schemeClr val="accent1"/>
+          </a:effectRef>
+          <a:fontRef idx="minor">
+            <a:schemeClr val="lt1"/>
+          </a:fontRef>
+        </p:style>
+        <p:txBody>
+          <a:bodyPr rtlCol="0" anchor="ctr"/>
+          <a:lstStyle/>
+          <a:p>
+            <a:pPr algn="ctr"/>
+            <a:endParaRPr lang="ko-KR" altLang="en-US"/>
+          </a:p>
+        </p:txBody>
+      </p:sp>
+      <p:sp>
+        <p:nvSpPr>
+          <p:cNvPr id="107" name="이등변 삼각형 106">
+            <a:extLst>
+              <a:ext uri="{FF2B5EF4-FFF2-40B4-BE49-F238E27FC236}">
+                <a16:creationId xmlns:a16="http://schemas.microsoft.com/office/drawing/2014/main" id="{173783E7-7238-FF37-E7BC-19B10CA0F32E}"/>
+              </a:ext>
+            </a:extLst>
+          </p:cNvPr>
+          <p:cNvSpPr/>
+          <p:nvPr/>
+        </p:nvSpPr>
+        <p:spPr>
+          <a:xfrm rot="10800000">
+            <a:off x="9644247" y="6443239"/>
+            <a:ext cx="142500" cy="122845"/>
+          </a:xfrm>
+          <a:prstGeom prst="triangle">
+            <a:avLst/>
+          </a:prstGeom>
+          <a:solidFill>
+            <a:schemeClr val="tx1"/>
+          </a:solidFill>
+        </p:spPr>
+        <p:style>
+          <a:lnRef idx="2">
+            <a:schemeClr val="accent1">
+              <a:shade val="50000"/>
+            </a:schemeClr>
+          </a:lnRef>
+          <a:fillRef idx="1">
+            <a:schemeClr val="accent1"/>
+          </a:fillRef>
+          <a:effectRef idx="0">
+            <a:schemeClr val="accent1"/>
+          </a:effectRef>
+          <a:fontRef idx="minor">
+            <a:schemeClr val="lt1"/>
+          </a:fontRef>
+        </p:style>
+        <p:txBody>
+          <a:bodyPr rtlCol="0" anchor="ctr"/>
+          <a:lstStyle/>
+          <a:p>
+            <a:pPr algn="ctr"/>
+            <a:endParaRPr lang="ko-KR" altLang="en-US"/>
+          </a:p>
+        </p:txBody>
+      </p:sp>
+      <p:sp>
+        <p:nvSpPr>
+          <p:cNvPr id="108" name="이등변 삼각형 107">
+            <a:extLst>
+              <a:ext uri="{FF2B5EF4-FFF2-40B4-BE49-F238E27FC236}">
+                <a16:creationId xmlns:a16="http://schemas.microsoft.com/office/drawing/2014/main" id="{7D9D0201-F371-6EC2-EA16-01ABCBA7D70D}"/>
+              </a:ext>
+            </a:extLst>
+          </p:cNvPr>
+          <p:cNvSpPr/>
+          <p:nvPr/>
+        </p:nvSpPr>
+        <p:spPr>
+          <a:xfrm rot="10800000">
+            <a:off x="9644247" y="6758002"/>
+            <a:ext cx="142500" cy="122845"/>
+          </a:xfrm>
+          <a:prstGeom prst="triangle">
+            <a:avLst/>
+          </a:prstGeom>
+          <a:solidFill>
+            <a:schemeClr val="tx1"/>
+          </a:solidFill>
+        </p:spPr>
+        <p:style>
+          <a:lnRef idx="2">
+            <a:schemeClr val="accent1">
+              <a:shade val="50000"/>
+            </a:schemeClr>
+          </a:lnRef>
+          <a:fillRef idx="1">
+            <a:schemeClr val="accent1"/>
+          </a:fillRef>
+          <a:effectRef idx="0">
+            <a:schemeClr val="accent1"/>
+          </a:effectRef>
+          <a:fontRef idx="minor">
+            <a:schemeClr val="lt1"/>
+          </a:fontRef>
+        </p:style>
+        <p:txBody>
+          <a:bodyPr rtlCol="0" anchor="ctr"/>
+          <a:lstStyle/>
+          <a:p>
+            <a:pPr algn="ctr"/>
+            <a:endParaRPr lang="ko-KR" altLang="en-US"/>
+          </a:p>
+        </p:txBody>
+      </p:sp>
+      <p:sp>
+        <p:nvSpPr>
+          <p:cNvPr id="109" name="직사각형 108">
+            <a:extLst>
+              <a:ext uri="{FF2B5EF4-FFF2-40B4-BE49-F238E27FC236}">
+                <a16:creationId xmlns:a16="http://schemas.microsoft.com/office/drawing/2014/main" id="{00AF7718-A660-E08F-756B-8304CF58FA52}"/>
+              </a:ext>
+            </a:extLst>
+          </p:cNvPr>
+          <p:cNvSpPr/>
+          <p:nvPr/>
+        </p:nvSpPr>
+        <p:spPr>
+          <a:xfrm>
+            <a:off x="9857996" y="684054"/>
+            <a:ext cx="1257315" cy="1529756"/>
+          </a:xfrm>
+          <a:prstGeom prst="rect">
+            <a:avLst/>
+          </a:prstGeom>
+          <a:noFill/>
+        </p:spPr>
+        <p:style>
+          <a:lnRef idx="2">
+            <a:schemeClr val="accent1">
+              <a:shade val="50000"/>
+            </a:schemeClr>
+          </a:lnRef>
+          <a:fillRef idx="1">
+            <a:schemeClr val="accent1"/>
+          </a:fillRef>
+          <a:effectRef idx="0">
+            <a:schemeClr val="accent1"/>
+          </a:effectRef>
+          <a:fontRef idx="minor">
+            <a:schemeClr val="lt1"/>
+          </a:fontRef>
+        </p:style>
+        <p:txBody>
+          <a:bodyPr rtlCol="0" anchor="ctr"/>
+          <a:lstStyle/>
+          <a:p>
+            <a:pPr algn="ctr"/>
+            <a:endParaRPr lang="ko-KR" altLang="en-US"/>
+          </a:p>
+        </p:txBody>
+      </p:sp>
+      <p:sp>
+        <p:nvSpPr>
+          <p:cNvPr id="110" name="직사각형 109">
+            <a:extLst>
+              <a:ext uri="{FF2B5EF4-FFF2-40B4-BE49-F238E27FC236}">
+                <a16:creationId xmlns:a16="http://schemas.microsoft.com/office/drawing/2014/main" id="{BBDE9061-8A2A-1750-2408-626965374917}"/>
+              </a:ext>
+            </a:extLst>
+          </p:cNvPr>
+          <p:cNvSpPr/>
+          <p:nvPr/>
+        </p:nvSpPr>
+        <p:spPr>
+          <a:xfrm>
+            <a:off x="9857995" y="3036038"/>
+            <a:ext cx="1257315" cy="1839021"/>
+          </a:xfrm>
+          <a:prstGeom prst="rect">
+            <a:avLst/>
+          </a:prstGeom>
+          <a:noFill/>
+        </p:spPr>
+        <p:style>
+          <a:lnRef idx="2">
+            <a:schemeClr val="accent1">
+              <a:shade val="50000"/>
+            </a:schemeClr>
+          </a:lnRef>
+          <a:fillRef idx="1">
+            <a:schemeClr val="accent1"/>
+          </a:fillRef>
+          <a:effectRef idx="0">
+            <a:schemeClr val="accent1"/>
+          </a:effectRef>
+          <a:fontRef idx="minor">
+            <a:schemeClr val="lt1"/>
+          </a:fontRef>
+        </p:style>
+        <p:txBody>
+          <a:bodyPr rtlCol="0" anchor="ctr"/>
+          <a:lstStyle/>
+          <a:p>
+            <a:pPr algn="ctr"/>
+            <a:endParaRPr lang="ko-KR" altLang="en-US"/>
+          </a:p>
+        </p:txBody>
+      </p:sp>
+      <p:sp>
+        <p:nvSpPr>
+          <p:cNvPr id="111" name="직사각형 110">
+            <a:extLst>
+              <a:ext uri="{FF2B5EF4-FFF2-40B4-BE49-F238E27FC236}">
+                <a16:creationId xmlns:a16="http://schemas.microsoft.com/office/drawing/2014/main" id="{012D6382-D3A2-2ADC-661A-146F0437C851}"/>
+              </a:ext>
+            </a:extLst>
+          </p:cNvPr>
+          <p:cNvSpPr/>
+          <p:nvPr/>
+        </p:nvSpPr>
+        <p:spPr>
+          <a:xfrm>
+            <a:off x="9857994" y="5418888"/>
+            <a:ext cx="1257315" cy="1596144"/>
+          </a:xfrm>
+          <a:prstGeom prst="rect">
+            <a:avLst/>
+          </a:prstGeom>
+          <a:noFill/>
+        </p:spPr>
+        <p:style>
+          <a:lnRef idx="2">
+            <a:schemeClr val="accent1">
+              <a:shade val="50000"/>
+            </a:schemeClr>
+          </a:lnRef>
+          <a:fillRef idx="1">
+            <a:schemeClr val="accent1"/>
+          </a:fillRef>
+          <a:effectRef idx="0">
+            <a:schemeClr val="accent1"/>
+          </a:effectRef>
+          <a:fontRef idx="minor">
+            <a:schemeClr val="lt1"/>
+          </a:fontRef>
+        </p:style>
+        <p:txBody>
+          <a:bodyPr rtlCol="0" anchor="ctr"/>
+          <a:lstStyle/>
+          <a:p>
+            <a:pPr algn="ctr"/>
+            <a:endParaRPr lang="ko-KR" altLang="en-US"/>
+          </a:p>
+        </p:txBody>
+      </p:sp>
+      <p:sp>
+        <p:nvSpPr>
+          <p:cNvPr id="112" name="직사각형 111">
+            <a:extLst>
+              <a:ext uri="{FF2B5EF4-FFF2-40B4-BE49-F238E27FC236}">
+                <a16:creationId xmlns:a16="http://schemas.microsoft.com/office/drawing/2014/main" id="{9B7C13B9-2018-2083-0B26-B4285AD54380}"/>
+              </a:ext>
+            </a:extLst>
+          </p:cNvPr>
+          <p:cNvSpPr/>
+          <p:nvPr/>
+        </p:nvSpPr>
+        <p:spPr>
+          <a:xfrm>
+            <a:off x="2427963" y="4565896"/>
+            <a:ext cx="866775" cy="302004"/>
+          </a:xfrm>
+          <a:prstGeom prst="rect">
+            <a:avLst/>
+          </a:prstGeom>
+          <a:noFill/>
+        </p:spPr>
+        <p:style>
+          <a:lnRef idx="2">
+            <a:schemeClr val="accent1">
+              <a:shade val="50000"/>
+            </a:schemeClr>
+          </a:lnRef>
+          <a:fillRef idx="1">
+            <a:schemeClr val="accent1"/>
+          </a:fillRef>
+          <a:effectRef idx="0">
+            <a:schemeClr val="accent1"/>
+          </a:effectRef>
+          <a:fontRef idx="minor">
+            <a:schemeClr val="lt1"/>
+          </a:fontRef>
+        </p:style>
+        <p:txBody>
+          <a:bodyPr rtlCol="0" anchor="ctr"/>
+          <a:lstStyle/>
+          <a:p>
+            <a:pPr algn="r"/>
+            <a:r>
+              <a:rPr lang="ko-KR" altLang="en-US" sz="800" dirty="0" err="1">
+                <a:solidFill>
+                  <a:schemeClr val="tx1"/>
+                </a:solidFill>
+              </a:rPr>
+              <a:t>사용중</a:t>
+            </a:r>
+            <a:endParaRPr lang="ko-KR" altLang="en-US" sz="800" dirty="0">
+              <a:solidFill>
+                <a:schemeClr val="tx1"/>
+              </a:solidFill>
+            </a:endParaRPr>
+          </a:p>
+        </p:txBody>
+      </p:sp>
+      <p:sp>
+        <p:nvSpPr>
+          <p:cNvPr id="113" name="타원 112">
+            <a:extLst>
+              <a:ext uri="{FF2B5EF4-FFF2-40B4-BE49-F238E27FC236}">
+                <a16:creationId xmlns:a16="http://schemas.microsoft.com/office/drawing/2014/main" id="{7BE8BFA5-760A-299E-8C71-B05EE7214ADE}"/>
+              </a:ext>
+            </a:extLst>
+          </p:cNvPr>
+          <p:cNvSpPr/>
+          <p:nvPr/>
+        </p:nvSpPr>
+        <p:spPr>
+          <a:xfrm>
+            <a:off x="2527859" y="4637549"/>
+            <a:ext cx="141904" cy="141904"/>
+          </a:xfrm>
+          <a:prstGeom prst="ellipse">
+            <a:avLst/>
+          </a:prstGeom>
+          <a:solidFill>
+            <a:srgbClr val="0070C0"/>
+          </a:solidFill>
+          <a:ln w="6350">
+            <a:solidFill>
+              <a:schemeClr val="bg1"/>
+            </a:solidFill>
+          </a:ln>
+        </p:spPr>
+        <p:style>
+          <a:lnRef idx="2">
+            <a:schemeClr val="accent1">
+              <a:shade val="50000"/>
+            </a:schemeClr>
+          </a:lnRef>
+          <a:fillRef idx="1">
+            <a:schemeClr val="accent1"/>
+          </a:fillRef>
+          <a:effectRef idx="0">
+            <a:schemeClr val="accent1"/>
+          </a:effectRef>
+          <a:fontRef idx="minor">
+            <a:schemeClr val="lt1"/>
+          </a:fontRef>
+        </p:style>
+        <p:txBody>
+          <a:bodyPr rtlCol="0" anchor="ctr"/>
+          <a:lstStyle/>
+          <a:p>
+            <a:pPr algn="ctr"/>
+            <a:endParaRPr lang="ko-KR" altLang="en-US"/>
+          </a:p>
+        </p:txBody>
+      </p:sp>
+      <p:sp>
+        <p:nvSpPr>
+          <p:cNvPr id="114" name="직사각형 113">
+            <a:extLst>
+              <a:ext uri="{FF2B5EF4-FFF2-40B4-BE49-F238E27FC236}">
+                <a16:creationId xmlns:a16="http://schemas.microsoft.com/office/drawing/2014/main" id="{61F9E4E8-B53F-5C2C-64E7-86EB70426A93}"/>
+              </a:ext>
+            </a:extLst>
+          </p:cNvPr>
+          <p:cNvSpPr/>
+          <p:nvPr/>
+        </p:nvSpPr>
+        <p:spPr>
+          <a:xfrm>
+            <a:off x="3295649" y="4565896"/>
+            <a:ext cx="6562725" cy="302004"/>
+          </a:xfrm>
+          <a:prstGeom prst="rect">
+            <a:avLst/>
+          </a:prstGeom>
+          <a:noFill/>
+        </p:spPr>
+        <p:style>
+          <a:lnRef idx="2">
+            <a:schemeClr val="accent1">
+              <a:shade val="50000"/>
+            </a:schemeClr>
+          </a:lnRef>
+          <a:fillRef idx="1">
+            <a:schemeClr val="accent1"/>
+          </a:fillRef>
+          <a:effectRef idx="0">
+            <a:schemeClr val="accent1"/>
+          </a:effectRef>
+          <a:fontRef idx="minor">
+            <a:schemeClr val="lt1"/>
+          </a:fontRef>
+        </p:style>
+        <p:txBody>
+          <a:bodyPr rtlCol="0" anchor="ctr"/>
+          <a:lstStyle/>
+          <a:p>
+            <a:pPr algn="ctr"/>
+            <a:r>
+              <a:rPr lang="en-US" altLang="ko-KR" sz="1100" b="1" dirty="0">
+                <a:solidFill>
+                  <a:schemeClr val="tx1"/>
+                </a:solidFill>
+              </a:rPr>
+              <a:t>204</a:t>
+            </a:r>
+            <a:r>
+              <a:rPr lang="ko-KR" altLang="en-US" sz="1100" b="1" dirty="0">
+                <a:solidFill>
+                  <a:schemeClr val="tx1"/>
+                </a:solidFill>
+              </a:rPr>
+              <a:t> </a:t>
+            </a:r>
+            <a:r>
+              <a:rPr lang="en-US" altLang="ko-KR" sz="1100" b="1" dirty="0">
+                <a:solidFill>
+                  <a:schemeClr val="tx1"/>
+                </a:solidFill>
+              </a:rPr>
+              <a:t>(IP : 192.168.2.204)    </a:t>
+            </a:r>
+            <a:r>
+              <a:rPr lang="en-US" altLang="ko-KR" sz="1100" dirty="0">
+                <a:solidFill>
+                  <a:schemeClr val="tx1"/>
+                </a:solidFill>
+              </a:rPr>
+              <a:t>CPU : 94.1% / 80</a:t>
+            </a:r>
+            <a:r>
+              <a:rPr lang="en-US" altLang="ko-KR" sz="1100" b="1" i="0" dirty="0">
+                <a:solidFill>
+                  <a:srgbClr val="202124"/>
+                </a:solidFill>
+                <a:effectLst/>
+                <a:latin typeface="Apple SD Gothic Neo"/>
+              </a:rPr>
+              <a:t>°C</a:t>
+            </a:r>
+            <a:r>
+              <a:rPr lang="en-US" altLang="ko-KR" sz="1100" dirty="0">
+                <a:solidFill>
+                  <a:schemeClr val="tx1"/>
+                </a:solidFill>
+              </a:rPr>
+              <a:t>    RAM : 0.04% (1234/5000) </a:t>
+            </a:r>
+            <a:endParaRPr lang="ko-KR" altLang="en-US" sz="1100" dirty="0">
+              <a:solidFill>
+                <a:schemeClr val="tx1"/>
+              </a:solidFill>
+            </a:endParaRPr>
+          </a:p>
+        </p:txBody>
+      </p:sp>
+      <p:sp>
+        <p:nvSpPr>
+          <p:cNvPr id="115" name="이등변 삼각형 114">
+            <a:extLst>
+              <a:ext uri="{FF2B5EF4-FFF2-40B4-BE49-F238E27FC236}">
+                <a16:creationId xmlns:a16="http://schemas.microsoft.com/office/drawing/2014/main" id="{8D89C834-644F-A47F-9175-C9271A6BEBC2}"/>
+              </a:ext>
+            </a:extLst>
+          </p:cNvPr>
+          <p:cNvSpPr/>
+          <p:nvPr/>
+        </p:nvSpPr>
+        <p:spPr>
+          <a:xfrm rot="10800000">
+            <a:off x="9644247" y="4685801"/>
+            <a:ext cx="142500" cy="122845"/>
+          </a:xfrm>
+          <a:prstGeom prst="triangle">
+            <a:avLst/>
+          </a:prstGeom>
+          <a:solidFill>
+            <a:schemeClr val="tx1"/>
+          </a:solidFill>
+        </p:spPr>
+        <p:style>
+          <a:lnRef idx="2">
+            <a:schemeClr val="accent1">
+              <a:shade val="50000"/>
+            </a:schemeClr>
+          </a:lnRef>
+          <a:fillRef idx="1">
+            <a:schemeClr val="accent1"/>
+          </a:fillRef>
+          <a:effectRef idx="0">
+            <a:schemeClr val="accent1"/>
+          </a:effectRef>
+          <a:fontRef idx="minor">
+            <a:schemeClr val="lt1"/>
+          </a:fontRef>
+        </p:style>
+        <p:txBody>
+          <a:bodyPr rtlCol="0" anchor="ctr"/>
+          <a:lstStyle/>
+          <a:p>
+            <a:pPr algn="ctr"/>
+            <a:endParaRPr lang="ko-KR" altLang="en-US"/>
+          </a:p>
+        </p:txBody>
+      </p:sp>
+      <p:sp>
+        <p:nvSpPr>
+          <p:cNvPr id="116" name="TextBox 115">
+            <a:extLst>
+              <a:ext uri="{FF2B5EF4-FFF2-40B4-BE49-F238E27FC236}">
+                <a16:creationId xmlns:a16="http://schemas.microsoft.com/office/drawing/2014/main" id="{41683DAA-4EC8-0D82-861C-1AD1C6683649}"/>
+              </a:ext>
+            </a:extLst>
+          </p:cNvPr>
+          <p:cNvSpPr txBox="1"/>
+          <p:nvPr/>
+        </p:nvSpPr>
+        <p:spPr>
+          <a:xfrm>
+            <a:off x="867944" y="-781764"/>
+            <a:ext cx="2724150" cy="707886"/>
+          </a:xfrm>
+          <a:prstGeom prst="rect">
+            <a:avLst/>
+          </a:prstGeom>
+          <a:noFill/>
+        </p:spPr>
+        <p:txBody>
+          <a:bodyPr wrap="square" rtlCol="0">
+            <a:spAutoFit/>
+          </a:bodyPr>
+          <a:lstStyle/>
+          <a:p>
+            <a:r>
+              <a:rPr lang="ko-KR" altLang="en-US" sz="1000" dirty="0"/>
+              <a:t>사용여부 </a:t>
+            </a:r>
+            <a:r>
+              <a:rPr lang="en-US" altLang="ko-KR" sz="1000" dirty="0"/>
+              <a:t>:</a:t>
+            </a:r>
+            <a:br>
+              <a:rPr lang="en-US" altLang="ko-KR" sz="1000" dirty="0"/>
+            </a:br>
+            <a:r>
+              <a:rPr lang="en-US" altLang="ko-KR" sz="1000" dirty="0"/>
+              <a:t>	</a:t>
+            </a:r>
+            <a:r>
+              <a:rPr lang="ko-KR" altLang="en-US" sz="1000" dirty="0"/>
+              <a:t>초록 </a:t>
+            </a:r>
+            <a:r>
+              <a:rPr lang="en-US" altLang="ko-KR" sz="1000" dirty="0"/>
+              <a:t>– </a:t>
+            </a:r>
+            <a:r>
+              <a:rPr lang="ko-KR" altLang="en-US" sz="1000" dirty="0"/>
+              <a:t>모든 </a:t>
+            </a:r>
+            <a:r>
+              <a:rPr lang="en-US" altLang="ko-KR" sz="1000" dirty="0" err="1"/>
+              <a:t>gpu</a:t>
+            </a:r>
+            <a:r>
+              <a:rPr lang="ko-KR" altLang="en-US" sz="1000" dirty="0"/>
+              <a:t>사용</a:t>
+            </a:r>
+            <a:endParaRPr lang="en-US" altLang="ko-KR" sz="1000" dirty="0"/>
+          </a:p>
+          <a:p>
+            <a:r>
+              <a:rPr lang="en-US" altLang="ko-KR" sz="1000" dirty="0"/>
+              <a:t>	</a:t>
+            </a:r>
+            <a:r>
+              <a:rPr lang="ko-KR" altLang="en-US" sz="1000" dirty="0"/>
+              <a:t>파랑 </a:t>
+            </a:r>
+            <a:r>
+              <a:rPr lang="en-US" altLang="ko-KR" sz="1000" dirty="0"/>
+              <a:t>– </a:t>
+            </a:r>
+            <a:r>
+              <a:rPr lang="ko-KR" altLang="en-US" sz="1000" dirty="0"/>
+              <a:t>일부 </a:t>
+            </a:r>
+            <a:r>
+              <a:rPr lang="en-US" altLang="ko-KR" sz="1000" dirty="0" err="1"/>
+              <a:t>gpu</a:t>
+            </a:r>
+            <a:r>
+              <a:rPr lang="en-US" altLang="ko-KR" sz="1000" dirty="0"/>
+              <a:t> </a:t>
+            </a:r>
+            <a:r>
+              <a:rPr lang="ko-KR" altLang="en-US" sz="1000" dirty="0"/>
+              <a:t>사용</a:t>
+            </a:r>
+            <a:endParaRPr lang="en-US" altLang="ko-KR" sz="1000" dirty="0"/>
+          </a:p>
+          <a:p>
+            <a:r>
+              <a:rPr lang="en-US" altLang="ko-KR" sz="1000" dirty="0"/>
+              <a:t>	</a:t>
+            </a:r>
+            <a:r>
+              <a:rPr lang="ko-KR" altLang="en-US" sz="1000" dirty="0"/>
+              <a:t>검정 </a:t>
+            </a:r>
+            <a:r>
+              <a:rPr lang="en-US" altLang="ko-KR" sz="1000" dirty="0"/>
+              <a:t>– </a:t>
+            </a:r>
+            <a:r>
+              <a:rPr lang="en-US" altLang="ko-KR" sz="1000" dirty="0" err="1"/>
+              <a:t>gpu</a:t>
+            </a:r>
+            <a:r>
+              <a:rPr lang="en-US" altLang="ko-KR" sz="1000" dirty="0"/>
+              <a:t> </a:t>
+            </a:r>
+            <a:r>
+              <a:rPr lang="ko-KR" altLang="en-US" sz="1000" dirty="0"/>
+              <a:t>사용 안함</a:t>
+            </a:r>
+          </a:p>
+        </p:txBody>
+      </p:sp>
+      <p:sp>
+        <p:nvSpPr>
+          <p:cNvPr id="117" name="직사각형 116">
+            <a:extLst>
+              <a:ext uri="{FF2B5EF4-FFF2-40B4-BE49-F238E27FC236}">
+                <a16:creationId xmlns:a16="http://schemas.microsoft.com/office/drawing/2014/main" id="{85A08E2F-7166-4B1E-A4BE-EDBD755658DC}"/>
+              </a:ext>
+            </a:extLst>
+          </p:cNvPr>
+          <p:cNvSpPr/>
+          <p:nvPr/>
+        </p:nvSpPr>
+        <p:spPr>
+          <a:xfrm>
+            <a:off x="678656" y="6851654"/>
+            <a:ext cx="1224228" cy="284952"/>
+          </a:xfrm>
+          <a:prstGeom prst="rect">
+            <a:avLst/>
+          </a:prstGeom>
+          <a:solidFill>
+            <a:srgbClr val="E6E6E6"/>
+          </a:solidFill>
+          <a:ln>
+            <a:noFill/>
+          </a:ln>
+        </p:spPr>
+        <p:style>
+          <a:lnRef idx="2">
+            <a:schemeClr val="accent1">
+              <a:shade val="50000"/>
+            </a:schemeClr>
+          </a:lnRef>
+          <a:fillRef idx="1">
+            <a:schemeClr val="accent1"/>
+          </a:fillRef>
+          <a:effectRef idx="0">
+            <a:schemeClr val="accent1"/>
+          </a:effectRef>
+          <a:fontRef idx="minor">
+            <a:schemeClr val="lt1"/>
+          </a:fontRef>
+        </p:style>
+        <p:txBody>
+          <a:bodyPr rtlCol="0" anchor="ctr"/>
+          <a:lstStyle/>
+          <a:p>
+            <a:pPr algn="ctr"/>
+            <a:endParaRPr lang="ko-KR" altLang="en-US"/>
+          </a:p>
+        </p:txBody>
+      </p:sp>
+      <p:sp>
+        <p:nvSpPr>
+          <p:cNvPr id="118" name="직사각형 117">
+            <a:extLst>
+              <a:ext uri="{FF2B5EF4-FFF2-40B4-BE49-F238E27FC236}">
+                <a16:creationId xmlns:a16="http://schemas.microsoft.com/office/drawing/2014/main" id="{3EB71A0C-B929-67B3-C935-EAD00E43E6A4}"/>
+              </a:ext>
+            </a:extLst>
+          </p:cNvPr>
+          <p:cNvSpPr/>
+          <p:nvPr/>
+        </p:nvSpPr>
+        <p:spPr>
+          <a:xfrm>
+            <a:off x="1929675" y="6867394"/>
+            <a:ext cx="9366975" cy="284952"/>
+          </a:xfrm>
+          <a:prstGeom prst="rect">
+            <a:avLst/>
+          </a:prstGeom>
+          <a:solidFill>
+            <a:srgbClr val="E6E6E6"/>
+          </a:solidFill>
+          <a:ln>
+            <a:noFill/>
+          </a:ln>
+        </p:spPr>
+        <p:style>
+          <a:lnRef idx="2">
+            <a:schemeClr val="accent1">
+              <a:shade val="50000"/>
+            </a:schemeClr>
+          </a:lnRef>
+          <a:fillRef idx="1">
+            <a:schemeClr val="accent1"/>
+          </a:fillRef>
+          <a:effectRef idx="0">
+            <a:schemeClr val="accent1"/>
+          </a:effectRef>
+          <a:fontRef idx="minor">
+            <a:schemeClr val="lt1"/>
+          </a:fontRef>
+        </p:style>
+        <p:txBody>
+          <a:bodyPr rtlCol="0" anchor="ctr"/>
+          <a:lstStyle/>
+          <a:p>
+            <a:pPr algn="ctr"/>
+            <a:endParaRPr lang="ko-KR" altLang="en-US"/>
+          </a:p>
+        </p:txBody>
+      </p:sp>
+      <p:sp>
+        <p:nvSpPr>
+          <p:cNvPr id="122" name="TextBox 121">
+            <a:extLst>
+              <a:ext uri="{FF2B5EF4-FFF2-40B4-BE49-F238E27FC236}">
+                <a16:creationId xmlns:a16="http://schemas.microsoft.com/office/drawing/2014/main" id="{0544A699-3BB2-3C03-71D4-7EECB72D919C}"/>
+              </a:ext>
+            </a:extLst>
+          </p:cNvPr>
+          <p:cNvSpPr txBox="1"/>
+          <p:nvPr/>
+        </p:nvSpPr>
+        <p:spPr>
+          <a:xfrm>
+            <a:off x="10548388" y="27236"/>
+            <a:ext cx="1443228" cy="261610"/>
+          </a:xfrm>
+          <a:prstGeom prst="rect">
+            <a:avLst/>
+          </a:prstGeom>
+          <a:noFill/>
+        </p:spPr>
+        <p:txBody>
+          <a:bodyPr wrap="square" rtlCol="0">
+            <a:spAutoFit/>
+          </a:bodyPr>
+          <a:lstStyle/>
+          <a:p>
+            <a:r>
+              <a:rPr lang="en-US" altLang="ko-KR" sz="1100" dirty="0">
+                <a:solidFill>
+                  <a:schemeClr val="bg2">
+                    <a:lumMod val="25000"/>
+                  </a:schemeClr>
+                </a:solidFill>
+              </a:rPr>
+              <a:t>Admin</a:t>
+            </a:r>
+            <a:r>
+              <a:rPr lang="ko-KR" altLang="en-US" sz="1100" dirty="0">
+                <a:solidFill>
+                  <a:schemeClr val="bg2">
+                    <a:lumMod val="25000"/>
+                  </a:schemeClr>
+                </a:solidFill>
+              </a:rPr>
+              <a:t>님  로그아웃</a:t>
+            </a:r>
+          </a:p>
+        </p:txBody>
+      </p:sp>
+      <p:sp>
+        <p:nvSpPr>
+          <p:cNvPr id="124" name="직사각형 123">
+            <a:extLst>
+              <a:ext uri="{FF2B5EF4-FFF2-40B4-BE49-F238E27FC236}">
+                <a16:creationId xmlns:a16="http://schemas.microsoft.com/office/drawing/2014/main" id="{99E2F1E3-B202-BBC1-ECD7-ACC2FD0491A6}"/>
+              </a:ext>
+            </a:extLst>
+          </p:cNvPr>
+          <p:cNvSpPr/>
+          <p:nvPr/>
+        </p:nvSpPr>
+        <p:spPr>
+          <a:xfrm>
+            <a:off x="1" y="0"/>
+            <a:ext cx="2038350" cy="369928"/>
+          </a:xfrm>
+          <a:prstGeom prst="rect">
+            <a:avLst/>
+          </a:prstGeom>
+          <a:noFill/>
+        </p:spPr>
+        <p:style>
+          <a:lnRef idx="2">
+            <a:schemeClr val="accent1">
+              <a:shade val="50000"/>
+            </a:schemeClr>
+          </a:lnRef>
+          <a:fillRef idx="1">
+            <a:schemeClr val="accent1"/>
+          </a:fillRef>
+          <a:effectRef idx="0">
+            <a:schemeClr val="accent1"/>
+          </a:effectRef>
+          <a:fontRef idx="minor">
+            <a:schemeClr val="lt1"/>
+          </a:fontRef>
+        </p:style>
+        <p:txBody>
+          <a:bodyPr rtlCol="0" anchor="ctr"/>
+          <a:lstStyle/>
+          <a:p>
+            <a:pPr algn="ctr"/>
+            <a:r>
+              <a:rPr lang="en-US" altLang="ko-KR" sz="1200" dirty="0">
+                <a:solidFill>
+                  <a:schemeClr val="bg2">
+                    <a:lumMod val="25000"/>
+                  </a:schemeClr>
+                </a:solidFill>
+              </a:rPr>
+              <a:t>Server Monitoring System</a:t>
+            </a:r>
+            <a:endParaRPr lang="ko-KR" altLang="en-US" sz="1200" dirty="0">
+              <a:solidFill>
+                <a:schemeClr val="bg2">
+                  <a:lumMod val="25000"/>
+                </a:schemeClr>
+              </a:solidFill>
+            </a:endParaRPr>
+          </a:p>
+        </p:txBody>
+      </p:sp>
+      <p:sp>
+        <p:nvSpPr>
+          <p:cNvPr id="125" name="직사각형 124">
+            <a:extLst>
+              <a:ext uri="{FF2B5EF4-FFF2-40B4-BE49-F238E27FC236}">
+                <a16:creationId xmlns:a16="http://schemas.microsoft.com/office/drawing/2014/main" id="{C7A4BC2E-1BCE-6925-7F83-7711C00DD299}"/>
+              </a:ext>
+            </a:extLst>
+          </p:cNvPr>
+          <p:cNvSpPr/>
+          <p:nvPr/>
+        </p:nvSpPr>
+        <p:spPr>
+          <a:xfrm>
+            <a:off x="3206886" y="0"/>
+            <a:ext cx="2038350" cy="369928"/>
+          </a:xfrm>
+          <a:prstGeom prst="rect">
+            <a:avLst/>
+          </a:prstGeom>
+          <a:noFill/>
+          <a:ln>
+            <a:noFill/>
+          </a:ln>
+        </p:spPr>
+        <p:style>
+          <a:lnRef idx="2">
+            <a:schemeClr val="accent1">
+              <a:shade val="50000"/>
+            </a:schemeClr>
+          </a:lnRef>
+          <a:fillRef idx="1">
+            <a:schemeClr val="accent1"/>
+          </a:fillRef>
+          <a:effectRef idx="0">
+            <a:schemeClr val="accent1"/>
+          </a:effectRef>
+          <a:fontRef idx="minor">
+            <a:schemeClr val="lt1"/>
+          </a:fontRef>
+        </p:style>
+        <p:txBody>
+          <a:bodyPr rtlCol="0" anchor="ctr"/>
+          <a:lstStyle/>
+          <a:p>
+            <a:pPr algn="ctr"/>
+            <a:r>
+              <a:rPr lang="ko-KR" altLang="en-US" sz="1200" dirty="0">
+                <a:solidFill>
+                  <a:schemeClr val="bg2">
+                    <a:lumMod val="25000"/>
+                  </a:schemeClr>
+                </a:solidFill>
+              </a:rPr>
+              <a:t>서버 현황</a:t>
+            </a:r>
+          </a:p>
+        </p:txBody>
+      </p:sp>
+      <p:sp>
+        <p:nvSpPr>
+          <p:cNvPr id="126" name="직사각형 125">
+            <a:extLst>
+              <a:ext uri="{FF2B5EF4-FFF2-40B4-BE49-F238E27FC236}">
+                <a16:creationId xmlns:a16="http://schemas.microsoft.com/office/drawing/2014/main" id="{DD5C9343-43CB-7B15-8C0D-6E184AC98E1B}"/>
+              </a:ext>
+            </a:extLst>
+          </p:cNvPr>
+          <p:cNvSpPr/>
+          <p:nvPr/>
+        </p:nvSpPr>
+        <p:spPr>
+          <a:xfrm>
+            <a:off x="5245236" y="-404"/>
+            <a:ext cx="2038350" cy="369928"/>
+          </a:xfrm>
+          <a:prstGeom prst="rect">
+            <a:avLst/>
+          </a:prstGeom>
+          <a:noFill/>
+          <a:ln>
+            <a:noFill/>
+          </a:ln>
+        </p:spPr>
+        <p:style>
+          <a:lnRef idx="2">
+            <a:schemeClr val="accent1">
+              <a:shade val="50000"/>
+            </a:schemeClr>
+          </a:lnRef>
+          <a:fillRef idx="1">
+            <a:schemeClr val="accent1"/>
+          </a:fillRef>
+          <a:effectRef idx="0">
+            <a:schemeClr val="accent1"/>
+          </a:effectRef>
+          <a:fontRef idx="minor">
+            <a:schemeClr val="lt1"/>
+          </a:fontRef>
+        </p:style>
+        <p:txBody>
+          <a:bodyPr rtlCol="0" anchor="ctr"/>
+          <a:lstStyle/>
+          <a:p>
+            <a:pPr algn="ctr"/>
+            <a:r>
+              <a:rPr lang="ko-KR" altLang="en-US" sz="1200" dirty="0">
+                <a:solidFill>
+                  <a:schemeClr val="bg2">
+                    <a:lumMod val="25000"/>
+                  </a:schemeClr>
+                </a:solidFill>
+              </a:rPr>
+              <a:t>사용 통계</a:t>
+            </a:r>
+          </a:p>
+        </p:txBody>
+      </p:sp>
+      <p:sp>
+        <p:nvSpPr>
+          <p:cNvPr id="2" name="직사각형 1"/>
+          <p:cNvSpPr/>
+          <p:nvPr/>
+        </p:nvSpPr>
+        <p:spPr>
+          <a:xfrm>
+            <a:off x="9857994" y="986058"/>
+            <a:ext cx="1257315" cy="308354"/>
+          </a:xfrm>
+          <a:prstGeom prst="rect">
+            <a:avLst/>
+          </a:prstGeom>
+        </p:spPr>
+        <p:style>
+          <a:lnRef idx="2">
+            <a:schemeClr val="accent1">
+              <a:shade val="50000"/>
+            </a:schemeClr>
+          </a:lnRef>
+          <a:fillRef idx="1">
+            <a:schemeClr val="accent1"/>
+          </a:fillRef>
+          <a:effectRef idx="0">
+            <a:schemeClr val="accent1"/>
+          </a:effectRef>
+          <a:fontRef idx="minor">
+            <a:schemeClr val="lt1"/>
+          </a:fontRef>
+        </p:style>
+        <p:txBody>
+          <a:bodyPr rtlCol="0" anchor="ctr"/>
+          <a:lstStyle/>
+          <a:p>
+            <a:pPr algn="ctr"/>
+            <a:r>
+              <a:rPr lang="en-US" altLang="ko-KR" dirty="0" smtClean="0"/>
+              <a:t>terminal</a:t>
+            </a:r>
+            <a:endParaRPr lang="ko-KR" altLang="en-US" dirty="0"/>
+          </a:p>
+        </p:txBody>
+      </p:sp>
+      <p:pic>
+        <p:nvPicPr>
+          <p:cNvPr id="13" name="그림 12"/>
+          <p:cNvPicPr>
+            <a:picLocks noChangeAspect="1"/>
+          </p:cNvPicPr>
+          <p:nvPr/>
+        </p:nvPicPr>
+        <p:blipFill>
+          <a:blip r:embed="rId3"/>
+          <a:stretch>
+            <a:fillRect/>
+          </a:stretch>
+        </p:blipFill>
+        <p:spPr>
+          <a:xfrm>
+            <a:off x="2768747" y="1310441"/>
+            <a:ext cx="6973381" cy="4515139"/>
+          </a:xfrm>
+          <a:prstGeom prst="rect">
+            <a:avLst/>
+          </a:prstGeom>
+        </p:spPr>
+      </p:pic>
+    </p:spTree>
+    <p:extLst>
+      <p:ext uri="{BB962C8B-B14F-4D97-AF65-F5344CB8AC3E}">
+        <p14:creationId xmlns:p14="http://schemas.microsoft.com/office/powerpoint/2010/main" val="2870170993"/>
+      </p:ext>
+    </p:extLst>
+  </p:cSld>
+  <p:clrMapOvr>
+    <a:masterClrMapping/>
+  </p:clrMapOvr>
+</p:sld>
+</file>
+
+<file path=ppt/slides/slide5.xml><?xml version="1.0" encoding="utf-8"?>
+<p:sld xmlns:a="http://schemas.openxmlformats.org/drawingml/2006/main" xmlns:r="http://schemas.openxmlformats.org/officeDocument/2006/relationships" xmlns:p="http://schemas.openxmlformats.org/presentationml/2006/main">
+  <p:cSld>
+    <p:spTree>
+      <p:nvGrpSpPr>
+        <p:cNvPr id="1" name=""/>
+        <p:cNvGrpSpPr/>
+        <p:nvPr/>
+      </p:nvGrpSpPr>
+      <p:grpSpPr>
+        <a:xfrm>
+          <a:off x="0" y="0"/>
+          <a:ext cx="0" cy="0"/>
+          <a:chOff x="0" y="0"/>
+          <a:chExt cx="0" cy="0"/>
+        </a:xfrm>
+      </p:grpSpPr>
+      <p:sp>
+        <p:nvSpPr>
           <p:cNvPr id="4" name="직사각형 3">
             <a:extLst>
               <a:ext uri="{FF2B5EF4-FFF2-40B4-BE49-F238E27FC236}">
@@ -18454,7 +25054,7 @@
 </p:sld>
 </file>
 
-<file path=ppt/slides/slide5.xml><?xml version="1.0" encoding="utf-8"?>
+<file path=ppt/slides/slide6.xml><?xml version="1.0" encoding="utf-8"?>
 <p:sld xmlns:a="http://schemas.openxmlformats.org/drawingml/2006/main" xmlns:r="http://schemas.openxmlformats.org/officeDocument/2006/relationships" xmlns:p="http://schemas.openxmlformats.org/presentationml/2006/main">
   <p:cSld>
     <p:spTree>
